--- a/IGE_Figures.pptx
+++ b/IGE_Figures.pptx
@@ -5,14 +5,13 @@
     <p:sldMasterId id="2147483648" r:id="rId1"/>
   </p:sldMasterIdLst>
   <p:sldIdLst>
-    <p:sldId id="256" r:id="rId2"/>
-    <p:sldId id="263" r:id="rId3"/>
-    <p:sldId id="257" r:id="rId4"/>
-    <p:sldId id="261" r:id="rId5"/>
-    <p:sldId id="259" r:id="rId6"/>
-    <p:sldId id="266" r:id="rId7"/>
-    <p:sldId id="260" r:id="rId8"/>
-    <p:sldId id="264" r:id="rId9"/>
+    <p:sldId id="263" r:id="rId2"/>
+    <p:sldId id="257" r:id="rId3"/>
+    <p:sldId id="261" r:id="rId4"/>
+    <p:sldId id="259" r:id="rId5"/>
+    <p:sldId id="266" r:id="rId6"/>
+    <p:sldId id="260" r:id="rId7"/>
+    <p:sldId id="264" r:id="rId8"/>
   </p:sldIdLst>
   <p:sldSz cx="12192000" cy="6858000"/>
   <p:notesSz cx="6858000" cy="9144000"/>
@@ -261,7 +260,7 @@
           <a:p>
             <a:fld id="{EFDF9567-5DBE-43ED-94A6-0C64948DA4F1}" type="datetimeFigureOut">
               <a:rPr lang="en-GB" smtClean="0"/>
-              <a:t>20/11/2021</a:t>
+              <a:t>19/01/2022</a:t>
             </a:fld>
             <a:endParaRPr lang="en-GB"/>
           </a:p>
@@ -431,7 +430,7 @@
           <a:p>
             <a:fld id="{EFDF9567-5DBE-43ED-94A6-0C64948DA4F1}" type="datetimeFigureOut">
               <a:rPr lang="en-GB" smtClean="0"/>
-              <a:t>20/11/2021</a:t>
+              <a:t>19/01/2022</a:t>
             </a:fld>
             <a:endParaRPr lang="en-GB"/>
           </a:p>
@@ -611,7 +610,7 @@
           <a:p>
             <a:fld id="{EFDF9567-5DBE-43ED-94A6-0C64948DA4F1}" type="datetimeFigureOut">
               <a:rPr lang="en-GB" smtClean="0"/>
-              <a:t>20/11/2021</a:t>
+              <a:t>19/01/2022</a:t>
             </a:fld>
             <a:endParaRPr lang="en-GB"/>
           </a:p>
@@ -781,7 +780,7 @@
           <a:p>
             <a:fld id="{EFDF9567-5DBE-43ED-94A6-0C64948DA4F1}" type="datetimeFigureOut">
               <a:rPr lang="en-GB" smtClean="0"/>
-              <a:t>20/11/2021</a:t>
+              <a:t>19/01/2022</a:t>
             </a:fld>
             <a:endParaRPr lang="en-GB"/>
           </a:p>
@@ -1027,7 +1026,7 @@
           <a:p>
             <a:fld id="{EFDF9567-5DBE-43ED-94A6-0C64948DA4F1}" type="datetimeFigureOut">
               <a:rPr lang="en-GB" smtClean="0"/>
-              <a:t>20/11/2021</a:t>
+              <a:t>19/01/2022</a:t>
             </a:fld>
             <a:endParaRPr lang="en-GB"/>
           </a:p>
@@ -1259,7 +1258,7 @@
           <a:p>
             <a:fld id="{EFDF9567-5DBE-43ED-94A6-0C64948DA4F1}" type="datetimeFigureOut">
               <a:rPr lang="en-GB" smtClean="0"/>
-              <a:t>20/11/2021</a:t>
+              <a:t>19/01/2022</a:t>
             </a:fld>
             <a:endParaRPr lang="en-GB"/>
           </a:p>
@@ -1626,7 +1625,7 @@
           <a:p>
             <a:fld id="{EFDF9567-5DBE-43ED-94A6-0C64948DA4F1}" type="datetimeFigureOut">
               <a:rPr lang="en-GB" smtClean="0"/>
-              <a:t>20/11/2021</a:t>
+              <a:t>19/01/2022</a:t>
             </a:fld>
             <a:endParaRPr lang="en-GB"/>
           </a:p>
@@ -1744,7 +1743,7 @@
           <a:p>
             <a:fld id="{EFDF9567-5DBE-43ED-94A6-0C64948DA4F1}" type="datetimeFigureOut">
               <a:rPr lang="en-GB" smtClean="0"/>
-              <a:t>20/11/2021</a:t>
+              <a:t>19/01/2022</a:t>
             </a:fld>
             <a:endParaRPr lang="en-GB"/>
           </a:p>
@@ -1839,7 +1838,7 @@
           <a:p>
             <a:fld id="{EFDF9567-5DBE-43ED-94A6-0C64948DA4F1}" type="datetimeFigureOut">
               <a:rPr lang="en-GB" smtClean="0"/>
-              <a:t>20/11/2021</a:t>
+              <a:t>19/01/2022</a:t>
             </a:fld>
             <a:endParaRPr lang="en-GB"/>
           </a:p>
@@ -2116,7 +2115,7 @@
           <a:p>
             <a:fld id="{EFDF9567-5DBE-43ED-94A6-0C64948DA4F1}" type="datetimeFigureOut">
               <a:rPr lang="en-GB" smtClean="0"/>
-              <a:t>20/11/2021</a:t>
+              <a:t>19/01/2022</a:t>
             </a:fld>
             <a:endParaRPr lang="en-GB"/>
           </a:p>
@@ -2369,7 +2368,7 @@
           <a:p>
             <a:fld id="{EFDF9567-5DBE-43ED-94A6-0C64948DA4F1}" type="datetimeFigureOut">
               <a:rPr lang="en-GB" smtClean="0"/>
-              <a:t>20/11/2021</a:t>
+              <a:t>19/01/2022</a:t>
             </a:fld>
             <a:endParaRPr lang="en-GB"/>
           </a:p>
@@ -2582,7 +2581,7 @@
           <a:p>
             <a:fld id="{EFDF9567-5DBE-43ED-94A6-0C64948DA4F1}" type="datetimeFigureOut">
               <a:rPr lang="en-GB" smtClean="0"/>
-              <a:t>20/11/2021</a:t>
+              <a:t>19/01/2022</a:t>
             </a:fld>
             <a:endParaRPr lang="en-GB"/>
           </a:p>
@@ -2989,46 +2988,1119 @@
       </p:grpSpPr>
       <p:sp>
         <p:nvSpPr>
-          <p:cNvPr id="2" name="Title 1"/>
-          <p:cNvSpPr>
-            <a:spLocks noGrp="1"/>
-          </p:cNvSpPr>
-          <p:nvPr>
-            <p:ph type="ctrTitle"/>
-          </p:nvPr>
-        </p:nvSpPr>
-        <p:spPr/>
-        <p:txBody>
-          <a:bodyPr/>
-          <a:lstStyle/>
-          <a:p>
-            <a:endParaRPr lang="en-GB"/>
-          </a:p>
-        </p:txBody>
-      </p:sp>
-      <p:sp>
-        <p:nvSpPr>
-          <p:cNvPr id="3" name="Subtitle 2"/>
-          <p:cNvSpPr>
-            <a:spLocks noGrp="1"/>
-          </p:cNvSpPr>
-          <p:nvPr>
-            <p:ph type="subTitle" idx="1"/>
-          </p:nvPr>
-        </p:nvSpPr>
-        <p:spPr/>
-        <p:txBody>
-          <a:bodyPr/>
-          <a:lstStyle/>
-          <a:p>
-            <a:endParaRPr lang="en-GB"/>
+          <p:cNvPr id="3" name="Rectangle 2"/>
+          <p:cNvSpPr/>
+          <p:nvPr/>
+        </p:nvSpPr>
+        <p:spPr>
+          <a:xfrm>
+            <a:off x="5660571" y="2856411"/>
+            <a:ext cx="870857" cy="572589"/>
+          </a:xfrm>
+          <a:prstGeom prst="rect">
+            <a:avLst/>
+          </a:prstGeom>
+          <a:noFill/>
+          <a:ln w="28575">
+            <a:solidFill>
+              <a:schemeClr val="tx1"/>
+            </a:solidFill>
+          </a:ln>
+        </p:spPr>
+        <p:style>
+          <a:lnRef idx="2">
+            <a:schemeClr val="accent1">
+              <a:shade val="50000"/>
+            </a:schemeClr>
+          </a:lnRef>
+          <a:fillRef idx="1">
+            <a:schemeClr val="accent1"/>
+          </a:fillRef>
+          <a:effectRef idx="0">
+            <a:schemeClr val="accent1"/>
+          </a:effectRef>
+          <a:fontRef idx="minor">
+            <a:schemeClr val="lt1"/>
+          </a:fontRef>
+        </p:style>
+        <p:txBody>
+          <a:bodyPr rtlCol="0" anchor="ctr"/>
+          <a:lstStyle/>
+          <a:p>
+            <a:pPr algn="ctr"/>
+            <a:endParaRPr lang="en-GB"/>
+          </a:p>
+        </p:txBody>
+      </p:sp>
+      <p:sp>
+        <p:nvSpPr>
+          <p:cNvPr id="4" name="Rectangle 3"/>
+          <p:cNvSpPr/>
+          <p:nvPr/>
+        </p:nvSpPr>
+        <p:spPr>
+          <a:xfrm>
+            <a:off x="4789714" y="1687284"/>
+            <a:ext cx="870857" cy="572589"/>
+          </a:xfrm>
+          <a:prstGeom prst="rect">
+            <a:avLst/>
+          </a:prstGeom>
+          <a:noFill/>
+          <a:ln w="28575">
+            <a:solidFill>
+              <a:schemeClr val="tx1"/>
+            </a:solidFill>
+          </a:ln>
+        </p:spPr>
+        <p:style>
+          <a:lnRef idx="2">
+            <a:schemeClr val="accent1">
+              <a:shade val="50000"/>
+            </a:schemeClr>
+          </a:lnRef>
+          <a:fillRef idx="1">
+            <a:schemeClr val="accent1"/>
+          </a:fillRef>
+          <a:effectRef idx="0">
+            <a:schemeClr val="accent1"/>
+          </a:effectRef>
+          <a:fontRef idx="minor">
+            <a:schemeClr val="lt1"/>
+          </a:fontRef>
+        </p:style>
+        <p:txBody>
+          <a:bodyPr rtlCol="0" anchor="ctr"/>
+          <a:lstStyle/>
+          <a:p>
+            <a:pPr algn="ctr"/>
+            <a:endParaRPr lang="en-GB"/>
+          </a:p>
+        </p:txBody>
+      </p:sp>
+      <p:sp>
+        <p:nvSpPr>
+          <p:cNvPr id="6" name="Rectangle 5"/>
+          <p:cNvSpPr/>
+          <p:nvPr/>
+        </p:nvSpPr>
+        <p:spPr>
+          <a:xfrm>
+            <a:off x="6531428" y="1687283"/>
+            <a:ext cx="870857" cy="572589"/>
+          </a:xfrm>
+          <a:prstGeom prst="rect">
+            <a:avLst/>
+          </a:prstGeom>
+          <a:noFill/>
+          <a:ln w="28575">
+            <a:solidFill>
+              <a:schemeClr val="tx1"/>
+            </a:solidFill>
+          </a:ln>
+        </p:spPr>
+        <p:style>
+          <a:lnRef idx="2">
+            <a:schemeClr val="accent1">
+              <a:shade val="50000"/>
+            </a:schemeClr>
+          </a:lnRef>
+          <a:fillRef idx="1">
+            <a:schemeClr val="accent1"/>
+          </a:fillRef>
+          <a:effectRef idx="0">
+            <a:schemeClr val="accent1"/>
+          </a:effectRef>
+          <a:fontRef idx="minor">
+            <a:schemeClr val="lt1"/>
+          </a:fontRef>
+        </p:style>
+        <p:txBody>
+          <a:bodyPr rtlCol="0" anchor="ctr"/>
+          <a:lstStyle/>
+          <a:p>
+            <a:pPr algn="ctr"/>
+            <a:endParaRPr lang="en-GB"/>
+          </a:p>
+        </p:txBody>
+      </p:sp>
+      <p:sp>
+        <p:nvSpPr>
+          <p:cNvPr id="8" name="Rectangle 7"/>
+          <p:cNvSpPr/>
+          <p:nvPr/>
+        </p:nvSpPr>
+        <p:spPr>
+          <a:xfrm>
+            <a:off x="5660571" y="4049487"/>
+            <a:ext cx="870857" cy="572589"/>
+          </a:xfrm>
+          <a:prstGeom prst="rect">
+            <a:avLst/>
+          </a:prstGeom>
+          <a:noFill/>
+          <a:ln w="28575">
+            <a:solidFill>
+              <a:schemeClr val="tx1"/>
+            </a:solidFill>
+          </a:ln>
+        </p:spPr>
+        <p:style>
+          <a:lnRef idx="2">
+            <a:schemeClr val="accent1">
+              <a:shade val="50000"/>
+            </a:schemeClr>
+          </a:lnRef>
+          <a:fillRef idx="1">
+            <a:schemeClr val="accent1"/>
+          </a:fillRef>
+          <a:effectRef idx="0">
+            <a:schemeClr val="accent1"/>
+          </a:effectRef>
+          <a:fontRef idx="minor">
+            <a:schemeClr val="lt1"/>
+          </a:fontRef>
+        </p:style>
+        <p:txBody>
+          <a:bodyPr rtlCol="0" anchor="ctr"/>
+          <a:lstStyle/>
+          <a:p>
+            <a:pPr algn="ctr"/>
+            <a:endParaRPr lang="en-GB"/>
+          </a:p>
+        </p:txBody>
+      </p:sp>
+      <p:sp>
+        <p:nvSpPr>
+          <p:cNvPr id="10" name="Rectangle 9"/>
+          <p:cNvSpPr/>
+          <p:nvPr/>
+        </p:nvSpPr>
+        <p:spPr>
+          <a:xfrm>
+            <a:off x="7402285" y="2856411"/>
+            <a:ext cx="870857" cy="572589"/>
+          </a:xfrm>
+          <a:prstGeom prst="rect">
+            <a:avLst/>
+          </a:prstGeom>
+          <a:noFill/>
+          <a:ln w="28575">
+            <a:solidFill>
+              <a:schemeClr val="tx1"/>
+            </a:solidFill>
+          </a:ln>
+        </p:spPr>
+        <p:style>
+          <a:lnRef idx="2">
+            <a:schemeClr val="accent1">
+              <a:shade val="50000"/>
+            </a:schemeClr>
+          </a:lnRef>
+          <a:fillRef idx="1">
+            <a:schemeClr val="accent1"/>
+          </a:fillRef>
+          <a:effectRef idx="0">
+            <a:schemeClr val="accent1"/>
+          </a:effectRef>
+          <a:fontRef idx="minor">
+            <a:schemeClr val="lt1"/>
+          </a:fontRef>
+        </p:style>
+        <p:txBody>
+          <a:bodyPr rtlCol="0" anchor="ctr"/>
+          <a:lstStyle/>
+          <a:p>
+            <a:pPr algn="ctr"/>
+            <a:endParaRPr lang="en-GB"/>
+          </a:p>
+        </p:txBody>
+      </p:sp>
+      <p:sp>
+        <p:nvSpPr>
+          <p:cNvPr id="12" name="Rectangle 11"/>
+          <p:cNvSpPr/>
+          <p:nvPr/>
+        </p:nvSpPr>
+        <p:spPr>
+          <a:xfrm>
+            <a:off x="3918857" y="2856409"/>
+            <a:ext cx="870857" cy="572589"/>
+          </a:xfrm>
+          <a:prstGeom prst="rect">
+            <a:avLst/>
+          </a:prstGeom>
+          <a:noFill/>
+          <a:ln w="28575">
+            <a:solidFill>
+              <a:schemeClr val="tx1"/>
+            </a:solidFill>
+          </a:ln>
+        </p:spPr>
+        <p:style>
+          <a:lnRef idx="2">
+            <a:schemeClr val="accent1">
+              <a:shade val="50000"/>
+            </a:schemeClr>
+          </a:lnRef>
+          <a:fillRef idx="1">
+            <a:schemeClr val="accent1"/>
+          </a:fillRef>
+          <a:effectRef idx="0">
+            <a:schemeClr val="accent1"/>
+          </a:effectRef>
+          <a:fontRef idx="minor">
+            <a:schemeClr val="lt1"/>
+          </a:fontRef>
+        </p:style>
+        <p:txBody>
+          <a:bodyPr rtlCol="0" anchor="ctr"/>
+          <a:lstStyle/>
+          <a:p>
+            <a:pPr algn="ctr"/>
+            <a:endParaRPr lang="en-GB"/>
+          </a:p>
+        </p:txBody>
+      </p:sp>
+      <p:sp>
+        <p:nvSpPr>
+          <p:cNvPr id="13" name="Freeform 12"/>
+          <p:cNvSpPr/>
+          <p:nvPr/>
+        </p:nvSpPr>
+        <p:spPr>
+          <a:xfrm>
+            <a:off x="5738949" y="2386149"/>
+            <a:ext cx="226422" cy="313508"/>
+          </a:xfrm>
+          <a:custGeom>
+            <a:avLst/>
+            <a:gdLst>
+              <a:gd name="connsiteX0" fmla="*/ 0 w 226422"/>
+              <a:gd name="connsiteY0" fmla="*/ 0 h 313508"/>
+              <a:gd name="connsiteX1" fmla="*/ 226422 w 226422"/>
+              <a:gd name="connsiteY1" fmla="*/ 313508 h 313508"/>
+            </a:gdLst>
+            <a:ahLst/>
+            <a:cxnLst>
+              <a:cxn ang="0">
+                <a:pos x="connsiteX0" y="connsiteY0"/>
+              </a:cxn>
+              <a:cxn ang="0">
+                <a:pos x="connsiteX1" y="connsiteY1"/>
+              </a:cxn>
+            </a:cxnLst>
+            <a:rect l="l" t="t" r="r" b="b"/>
+            <a:pathLst>
+              <a:path w="226422" h="313508">
+                <a:moveTo>
+                  <a:pt x="0" y="0"/>
+                </a:moveTo>
+                <a:lnTo>
+                  <a:pt x="226422" y="313508"/>
+                </a:lnTo>
+              </a:path>
+            </a:pathLst>
+          </a:custGeom>
+          <a:noFill/>
+          <a:ln w="28575">
+            <a:solidFill>
+              <a:schemeClr val="tx1"/>
+            </a:solidFill>
+            <a:tailEnd type="triangle"/>
+          </a:ln>
+        </p:spPr>
+        <p:style>
+          <a:lnRef idx="2">
+            <a:schemeClr val="accent1">
+              <a:shade val="50000"/>
+            </a:schemeClr>
+          </a:lnRef>
+          <a:fillRef idx="1">
+            <a:schemeClr val="accent1"/>
+          </a:fillRef>
+          <a:effectRef idx="0">
+            <a:schemeClr val="accent1"/>
+          </a:effectRef>
+          <a:fontRef idx="minor">
+            <a:schemeClr val="lt1"/>
+          </a:fontRef>
+        </p:style>
+        <p:txBody>
+          <a:bodyPr rtlCol="0" anchor="ctr"/>
+          <a:lstStyle/>
+          <a:p>
+            <a:pPr algn="ctr"/>
+            <a:endParaRPr lang="en-GB"/>
+          </a:p>
+        </p:txBody>
+      </p:sp>
+      <p:sp>
+        <p:nvSpPr>
+          <p:cNvPr id="14" name="Freeform 13"/>
+          <p:cNvSpPr/>
+          <p:nvPr/>
+        </p:nvSpPr>
+        <p:spPr>
+          <a:xfrm flipV="1">
+            <a:off x="6239691" y="2386149"/>
+            <a:ext cx="226422" cy="313508"/>
+          </a:xfrm>
+          <a:custGeom>
+            <a:avLst/>
+            <a:gdLst>
+              <a:gd name="connsiteX0" fmla="*/ 0 w 226422"/>
+              <a:gd name="connsiteY0" fmla="*/ 0 h 313508"/>
+              <a:gd name="connsiteX1" fmla="*/ 226422 w 226422"/>
+              <a:gd name="connsiteY1" fmla="*/ 313508 h 313508"/>
+            </a:gdLst>
+            <a:ahLst/>
+            <a:cxnLst>
+              <a:cxn ang="0">
+                <a:pos x="connsiteX0" y="connsiteY0"/>
+              </a:cxn>
+              <a:cxn ang="0">
+                <a:pos x="connsiteX1" y="connsiteY1"/>
+              </a:cxn>
+            </a:cxnLst>
+            <a:rect l="l" t="t" r="r" b="b"/>
+            <a:pathLst>
+              <a:path w="226422" h="313508">
+                <a:moveTo>
+                  <a:pt x="0" y="0"/>
+                </a:moveTo>
+                <a:lnTo>
+                  <a:pt x="226422" y="313508"/>
+                </a:lnTo>
+              </a:path>
+            </a:pathLst>
+          </a:custGeom>
+          <a:noFill/>
+          <a:ln w="28575">
+            <a:solidFill>
+              <a:schemeClr val="tx1"/>
+            </a:solidFill>
+            <a:headEnd type="triangle"/>
+          </a:ln>
+        </p:spPr>
+        <p:style>
+          <a:lnRef idx="2">
+            <a:schemeClr val="accent1">
+              <a:shade val="50000"/>
+            </a:schemeClr>
+          </a:lnRef>
+          <a:fillRef idx="1">
+            <a:schemeClr val="accent1"/>
+          </a:fillRef>
+          <a:effectRef idx="0">
+            <a:schemeClr val="accent1"/>
+          </a:effectRef>
+          <a:fontRef idx="minor">
+            <a:schemeClr val="lt1"/>
+          </a:fontRef>
+        </p:style>
+        <p:txBody>
+          <a:bodyPr rtlCol="0" anchor="ctr"/>
+          <a:lstStyle/>
+          <a:p>
+            <a:pPr algn="ctr"/>
+            <a:endParaRPr lang="en-GB"/>
+          </a:p>
+        </p:txBody>
+      </p:sp>
+      <p:sp>
+        <p:nvSpPr>
+          <p:cNvPr id="24" name="Freeform 23"/>
+          <p:cNvSpPr/>
+          <p:nvPr/>
+        </p:nvSpPr>
+        <p:spPr>
+          <a:xfrm>
+            <a:off x="4247605" y="2203264"/>
+            <a:ext cx="267789" cy="492032"/>
+          </a:xfrm>
+          <a:custGeom>
+            <a:avLst/>
+            <a:gdLst>
+              <a:gd name="connsiteX0" fmla="*/ 209006 w 209006"/>
+              <a:gd name="connsiteY0" fmla="*/ 0 h 348343"/>
+              <a:gd name="connsiteX1" fmla="*/ 69669 w 209006"/>
+              <a:gd name="connsiteY1" fmla="*/ 139337 h 348343"/>
+              <a:gd name="connsiteX2" fmla="*/ 0 w 209006"/>
+              <a:gd name="connsiteY2" fmla="*/ 348343 h 348343"/>
+            </a:gdLst>
+            <a:ahLst/>
+            <a:cxnLst>
+              <a:cxn ang="0">
+                <a:pos x="connsiteX0" y="connsiteY0"/>
+              </a:cxn>
+              <a:cxn ang="0">
+                <a:pos x="connsiteX1" y="connsiteY1"/>
+              </a:cxn>
+              <a:cxn ang="0">
+                <a:pos x="connsiteX2" y="connsiteY2"/>
+              </a:cxn>
+            </a:cxnLst>
+            <a:rect l="l" t="t" r="r" b="b"/>
+            <a:pathLst>
+              <a:path w="209006" h="348343">
+                <a:moveTo>
+                  <a:pt x="209006" y="0"/>
+                </a:moveTo>
+                <a:cubicBezTo>
+                  <a:pt x="156754" y="40640"/>
+                  <a:pt x="104503" y="81280"/>
+                  <a:pt x="69669" y="139337"/>
+                </a:cubicBezTo>
+                <a:cubicBezTo>
+                  <a:pt x="34835" y="197394"/>
+                  <a:pt x="10160" y="317863"/>
+                  <a:pt x="0" y="348343"/>
+                </a:cubicBezTo>
+              </a:path>
+            </a:pathLst>
+          </a:custGeom>
+          <a:noFill/>
+          <a:ln w="28575">
+            <a:solidFill>
+              <a:schemeClr val="tx1"/>
+            </a:solidFill>
+            <a:tailEnd type="triangle"/>
+          </a:ln>
+        </p:spPr>
+        <p:style>
+          <a:lnRef idx="2">
+            <a:schemeClr val="accent1">
+              <a:shade val="50000"/>
+            </a:schemeClr>
+          </a:lnRef>
+          <a:fillRef idx="1">
+            <a:schemeClr val="accent1"/>
+          </a:fillRef>
+          <a:effectRef idx="0">
+            <a:schemeClr val="accent1"/>
+          </a:effectRef>
+          <a:fontRef idx="minor">
+            <a:schemeClr val="lt1"/>
+          </a:fontRef>
+        </p:style>
+        <p:txBody>
+          <a:bodyPr rtlCol="0" anchor="ctr"/>
+          <a:lstStyle/>
+          <a:p>
+            <a:pPr algn="ctr"/>
+            <a:endParaRPr lang="en-GB"/>
+          </a:p>
+        </p:txBody>
+      </p:sp>
+      <p:sp>
+        <p:nvSpPr>
+          <p:cNvPr id="25" name="Freeform 24"/>
+          <p:cNvSpPr/>
+          <p:nvPr/>
+        </p:nvSpPr>
+        <p:spPr>
+          <a:xfrm flipH="1">
+            <a:off x="7703818" y="2203264"/>
+            <a:ext cx="267789" cy="492032"/>
+          </a:xfrm>
+          <a:custGeom>
+            <a:avLst/>
+            <a:gdLst>
+              <a:gd name="connsiteX0" fmla="*/ 209006 w 209006"/>
+              <a:gd name="connsiteY0" fmla="*/ 0 h 348343"/>
+              <a:gd name="connsiteX1" fmla="*/ 69669 w 209006"/>
+              <a:gd name="connsiteY1" fmla="*/ 139337 h 348343"/>
+              <a:gd name="connsiteX2" fmla="*/ 0 w 209006"/>
+              <a:gd name="connsiteY2" fmla="*/ 348343 h 348343"/>
+            </a:gdLst>
+            <a:ahLst/>
+            <a:cxnLst>
+              <a:cxn ang="0">
+                <a:pos x="connsiteX0" y="connsiteY0"/>
+              </a:cxn>
+              <a:cxn ang="0">
+                <a:pos x="connsiteX1" y="connsiteY1"/>
+              </a:cxn>
+              <a:cxn ang="0">
+                <a:pos x="connsiteX2" y="connsiteY2"/>
+              </a:cxn>
+            </a:cxnLst>
+            <a:rect l="l" t="t" r="r" b="b"/>
+            <a:pathLst>
+              <a:path w="209006" h="348343">
+                <a:moveTo>
+                  <a:pt x="209006" y="0"/>
+                </a:moveTo>
+                <a:cubicBezTo>
+                  <a:pt x="156754" y="40640"/>
+                  <a:pt x="104503" y="81280"/>
+                  <a:pt x="69669" y="139337"/>
+                </a:cubicBezTo>
+                <a:cubicBezTo>
+                  <a:pt x="34835" y="197394"/>
+                  <a:pt x="10160" y="317863"/>
+                  <a:pt x="0" y="348343"/>
+                </a:cubicBezTo>
+              </a:path>
+            </a:pathLst>
+          </a:custGeom>
+          <a:noFill/>
+          <a:ln w="28575">
+            <a:solidFill>
+              <a:schemeClr val="tx1"/>
+            </a:solidFill>
+            <a:tailEnd type="triangle"/>
+          </a:ln>
+        </p:spPr>
+        <p:style>
+          <a:lnRef idx="2">
+            <a:schemeClr val="accent1">
+              <a:shade val="50000"/>
+            </a:schemeClr>
+          </a:lnRef>
+          <a:fillRef idx="1">
+            <a:schemeClr val="accent1"/>
+          </a:fillRef>
+          <a:effectRef idx="0">
+            <a:schemeClr val="accent1"/>
+          </a:effectRef>
+          <a:fontRef idx="minor">
+            <a:schemeClr val="lt1"/>
+          </a:fontRef>
+        </p:style>
+        <p:txBody>
+          <a:bodyPr rtlCol="0" anchor="ctr"/>
+          <a:lstStyle/>
+          <a:p>
+            <a:pPr algn="ctr"/>
+            <a:endParaRPr lang="en-GB"/>
+          </a:p>
+        </p:txBody>
+      </p:sp>
+      <p:sp>
+        <p:nvSpPr>
+          <p:cNvPr id="30" name="Freeform 29"/>
+          <p:cNvSpPr/>
+          <p:nvPr/>
+        </p:nvSpPr>
+        <p:spPr>
+          <a:xfrm>
+            <a:off x="4310742" y="3611876"/>
+            <a:ext cx="957943" cy="827315"/>
+          </a:xfrm>
+          <a:custGeom>
+            <a:avLst/>
+            <a:gdLst>
+              <a:gd name="connsiteX0" fmla="*/ 0 w 957943"/>
+              <a:gd name="connsiteY0" fmla="*/ 0 h 827315"/>
+              <a:gd name="connsiteX1" fmla="*/ 269966 w 957943"/>
+              <a:gd name="connsiteY1" fmla="*/ 531223 h 827315"/>
+              <a:gd name="connsiteX2" fmla="*/ 957943 w 957943"/>
+              <a:gd name="connsiteY2" fmla="*/ 827315 h 827315"/>
+            </a:gdLst>
+            <a:ahLst/>
+            <a:cxnLst>
+              <a:cxn ang="0">
+                <a:pos x="connsiteX0" y="connsiteY0"/>
+              </a:cxn>
+              <a:cxn ang="0">
+                <a:pos x="connsiteX1" y="connsiteY1"/>
+              </a:cxn>
+              <a:cxn ang="0">
+                <a:pos x="connsiteX2" y="connsiteY2"/>
+              </a:cxn>
+            </a:cxnLst>
+            <a:rect l="l" t="t" r="r" b="b"/>
+            <a:pathLst>
+              <a:path w="957943" h="827315">
+                <a:moveTo>
+                  <a:pt x="0" y="0"/>
+                </a:moveTo>
+                <a:cubicBezTo>
+                  <a:pt x="55154" y="196668"/>
+                  <a:pt x="110309" y="393337"/>
+                  <a:pt x="269966" y="531223"/>
+                </a:cubicBezTo>
+                <a:cubicBezTo>
+                  <a:pt x="429623" y="669109"/>
+                  <a:pt x="894080" y="780869"/>
+                  <a:pt x="957943" y="827315"/>
+                </a:cubicBezTo>
+              </a:path>
+            </a:pathLst>
+          </a:custGeom>
+          <a:noFill/>
+          <a:ln w="28575">
+            <a:solidFill>
+              <a:schemeClr val="tx1"/>
+            </a:solidFill>
+            <a:tailEnd type="triangle"/>
+          </a:ln>
+        </p:spPr>
+        <p:style>
+          <a:lnRef idx="2">
+            <a:schemeClr val="accent1">
+              <a:shade val="50000"/>
+            </a:schemeClr>
+          </a:lnRef>
+          <a:fillRef idx="1">
+            <a:schemeClr val="accent1"/>
+          </a:fillRef>
+          <a:effectRef idx="0">
+            <a:schemeClr val="accent1"/>
+          </a:effectRef>
+          <a:fontRef idx="minor">
+            <a:schemeClr val="lt1"/>
+          </a:fontRef>
+        </p:style>
+        <p:txBody>
+          <a:bodyPr rtlCol="0" anchor="ctr"/>
+          <a:lstStyle/>
+          <a:p>
+            <a:pPr algn="ctr"/>
+            <a:endParaRPr lang="en-GB"/>
+          </a:p>
+        </p:txBody>
+      </p:sp>
+      <p:sp>
+        <p:nvSpPr>
+          <p:cNvPr id="31" name="Freeform 30"/>
+          <p:cNvSpPr/>
+          <p:nvPr/>
+        </p:nvSpPr>
+        <p:spPr>
+          <a:xfrm flipH="1">
+            <a:off x="6923314" y="3611876"/>
+            <a:ext cx="957943" cy="827315"/>
+          </a:xfrm>
+          <a:custGeom>
+            <a:avLst/>
+            <a:gdLst>
+              <a:gd name="connsiteX0" fmla="*/ 0 w 957943"/>
+              <a:gd name="connsiteY0" fmla="*/ 0 h 827315"/>
+              <a:gd name="connsiteX1" fmla="*/ 269966 w 957943"/>
+              <a:gd name="connsiteY1" fmla="*/ 531223 h 827315"/>
+              <a:gd name="connsiteX2" fmla="*/ 957943 w 957943"/>
+              <a:gd name="connsiteY2" fmla="*/ 827315 h 827315"/>
+            </a:gdLst>
+            <a:ahLst/>
+            <a:cxnLst>
+              <a:cxn ang="0">
+                <a:pos x="connsiteX0" y="connsiteY0"/>
+              </a:cxn>
+              <a:cxn ang="0">
+                <a:pos x="connsiteX1" y="connsiteY1"/>
+              </a:cxn>
+              <a:cxn ang="0">
+                <a:pos x="connsiteX2" y="connsiteY2"/>
+              </a:cxn>
+            </a:cxnLst>
+            <a:rect l="l" t="t" r="r" b="b"/>
+            <a:pathLst>
+              <a:path w="957943" h="827315">
+                <a:moveTo>
+                  <a:pt x="0" y="0"/>
+                </a:moveTo>
+                <a:cubicBezTo>
+                  <a:pt x="55154" y="196668"/>
+                  <a:pt x="110309" y="393337"/>
+                  <a:pt x="269966" y="531223"/>
+                </a:cubicBezTo>
+                <a:cubicBezTo>
+                  <a:pt x="429623" y="669109"/>
+                  <a:pt x="894080" y="780869"/>
+                  <a:pt x="957943" y="827315"/>
+                </a:cubicBezTo>
+              </a:path>
+            </a:pathLst>
+          </a:custGeom>
+          <a:noFill/>
+          <a:ln w="28575">
+            <a:solidFill>
+              <a:schemeClr val="tx1"/>
+            </a:solidFill>
+            <a:tailEnd type="triangle"/>
+          </a:ln>
+        </p:spPr>
+        <p:style>
+          <a:lnRef idx="2">
+            <a:schemeClr val="accent1">
+              <a:shade val="50000"/>
+            </a:schemeClr>
+          </a:lnRef>
+          <a:fillRef idx="1">
+            <a:schemeClr val="accent1"/>
+          </a:fillRef>
+          <a:effectRef idx="0">
+            <a:schemeClr val="accent1"/>
+          </a:effectRef>
+          <a:fontRef idx="minor">
+            <a:schemeClr val="lt1"/>
+          </a:fontRef>
+        </p:style>
+        <p:txBody>
+          <a:bodyPr rtlCol="0" anchor="ctr"/>
+          <a:lstStyle/>
+          <a:p>
+            <a:pPr algn="ctr"/>
+            <a:endParaRPr lang="en-GB"/>
+          </a:p>
+        </p:txBody>
+      </p:sp>
+      <p:sp>
+        <p:nvSpPr>
+          <p:cNvPr id="34" name="Freeform 33"/>
+          <p:cNvSpPr/>
+          <p:nvPr/>
+        </p:nvSpPr>
+        <p:spPr>
+          <a:xfrm>
+            <a:off x="6098540" y="3533140"/>
+            <a:ext cx="0" cy="411480"/>
+          </a:xfrm>
+          <a:custGeom>
+            <a:avLst/>
+            <a:gdLst>
+              <a:gd name="connsiteX0" fmla="*/ 0 w 0"/>
+              <a:gd name="connsiteY0" fmla="*/ 0 h 411480"/>
+              <a:gd name="connsiteX1" fmla="*/ 0 w 0"/>
+              <a:gd name="connsiteY1" fmla="*/ 411480 h 411480"/>
+            </a:gdLst>
+            <a:ahLst/>
+            <a:cxnLst>
+              <a:cxn ang="0">
+                <a:pos x="connsiteX0" y="connsiteY0"/>
+              </a:cxn>
+              <a:cxn ang="0">
+                <a:pos x="connsiteX1" y="connsiteY1"/>
+              </a:cxn>
+            </a:cxnLst>
+            <a:rect l="l" t="t" r="r" b="b"/>
+            <a:pathLst>
+              <a:path h="411480">
+                <a:moveTo>
+                  <a:pt x="0" y="0"/>
+                </a:moveTo>
+                <a:lnTo>
+                  <a:pt x="0" y="411480"/>
+                </a:lnTo>
+              </a:path>
+            </a:pathLst>
+          </a:custGeom>
+          <a:noFill/>
+          <a:ln w="28575">
+            <a:solidFill>
+              <a:schemeClr val="tx1"/>
+            </a:solidFill>
+            <a:tailEnd type="triangle"/>
+          </a:ln>
+        </p:spPr>
+        <p:style>
+          <a:lnRef idx="2">
+            <a:schemeClr val="accent1">
+              <a:shade val="50000"/>
+            </a:schemeClr>
+          </a:lnRef>
+          <a:fillRef idx="1">
+            <a:schemeClr val="accent1"/>
+          </a:fillRef>
+          <a:effectRef idx="0">
+            <a:schemeClr val="accent1"/>
+          </a:effectRef>
+          <a:fontRef idx="minor">
+            <a:schemeClr val="lt1"/>
+          </a:fontRef>
+        </p:style>
+        <p:txBody>
+          <a:bodyPr rtlCol="0" anchor="ctr"/>
+          <a:lstStyle/>
+          <a:p>
+            <a:pPr algn="ctr"/>
+            <a:endParaRPr lang="en-GB"/>
+          </a:p>
+        </p:txBody>
+      </p:sp>
+      <p:sp>
+        <p:nvSpPr>
+          <p:cNvPr id="35" name="TextBox 34"/>
+          <p:cNvSpPr txBox="1"/>
+          <p:nvPr/>
+        </p:nvSpPr>
+        <p:spPr>
+          <a:xfrm>
+            <a:off x="6499024" y="1650411"/>
+            <a:ext cx="935664" cy="646331"/>
+          </a:xfrm>
+          <a:prstGeom prst="rect">
+            <a:avLst/>
+          </a:prstGeom>
+          <a:noFill/>
+        </p:spPr>
+        <p:txBody>
+          <a:bodyPr wrap="square" rtlCol="0">
+            <a:spAutoFit/>
+          </a:bodyPr>
+          <a:lstStyle/>
+          <a:p>
+            <a:pPr algn="ctr"/>
+            <a:r>
+              <a:rPr lang="en-GB" sz="1200" dirty="0" smtClean="0"/>
+              <a:t>Maternal Genome</a:t>
+            </a:r>
+          </a:p>
+          <a:p>
+            <a:pPr algn="ctr"/>
+            <a:r>
+              <a:rPr lang="en-GB" sz="1200" dirty="0"/>
+              <a:t>T</a:t>
+            </a:r>
+            <a:r>
+              <a:rPr lang="en-GB" sz="1200" baseline="-25000" dirty="0"/>
+              <a:t>M</a:t>
+            </a:r>
+            <a:r>
+              <a:rPr lang="en-GB" sz="1200" dirty="0" smtClean="0"/>
+              <a:t>/NT</a:t>
+            </a:r>
+            <a:r>
+              <a:rPr lang="en-GB" sz="1200" baseline="-25000" dirty="0" smtClean="0"/>
+              <a:t>M</a:t>
+            </a:r>
+            <a:endParaRPr lang="en-GB" sz="1200" dirty="0"/>
+          </a:p>
+        </p:txBody>
+      </p:sp>
+      <p:sp>
+        <p:nvSpPr>
+          <p:cNvPr id="36" name="TextBox 35"/>
+          <p:cNvSpPr txBox="1"/>
+          <p:nvPr/>
+        </p:nvSpPr>
+        <p:spPr>
+          <a:xfrm>
+            <a:off x="4757310" y="1650411"/>
+            <a:ext cx="935664" cy="646331"/>
+          </a:xfrm>
+          <a:prstGeom prst="rect">
+            <a:avLst/>
+          </a:prstGeom>
+          <a:noFill/>
+        </p:spPr>
+        <p:txBody>
+          <a:bodyPr wrap="square" rtlCol="0">
+            <a:spAutoFit/>
+          </a:bodyPr>
+          <a:lstStyle/>
+          <a:p>
+            <a:pPr algn="ctr"/>
+            <a:r>
+              <a:rPr lang="en-GB" sz="1200" dirty="0" smtClean="0"/>
+              <a:t>Paternal Genome</a:t>
+            </a:r>
+          </a:p>
+          <a:p>
+            <a:pPr algn="ctr"/>
+            <a:r>
+              <a:rPr lang="en-GB" sz="1200" dirty="0" smtClean="0"/>
+              <a:t>NT</a:t>
+            </a:r>
+            <a:r>
+              <a:rPr lang="en-GB" sz="1200" baseline="-25000" dirty="0" smtClean="0"/>
+              <a:t>P</a:t>
+            </a:r>
+            <a:r>
+              <a:rPr lang="en-GB" sz="1200" dirty="0" smtClean="0"/>
+              <a:t>/T</a:t>
+            </a:r>
+            <a:r>
+              <a:rPr lang="en-GB" sz="1200" baseline="-25000" dirty="0" smtClean="0"/>
+              <a:t>P</a:t>
+            </a:r>
+            <a:endParaRPr lang="en-GB" sz="1200" dirty="0"/>
+          </a:p>
+        </p:txBody>
+      </p:sp>
+      <p:sp>
+        <p:nvSpPr>
+          <p:cNvPr id="37" name="TextBox 36"/>
+          <p:cNvSpPr txBox="1"/>
+          <p:nvPr/>
+        </p:nvSpPr>
+        <p:spPr>
+          <a:xfrm>
+            <a:off x="5631141" y="2819537"/>
+            <a:ext cx="935664" cy="646331"/>
+          </a:xfrm>
+          <a:prstGeom prst="rect">
+            <a:avLst/>
+          </a:prstGeom>
+          <a:noFill/>
+        </p:spPr>
+        <p:txBody>
+          <a:bodyPr wrap="square" rtlCol="0">
+            <a:spAutoFit/>
+          </a:bodyPr>
+          <a:lstStyle/>
+          <a:p>
+            <a:pPr algn="ctr"/>
+            <a:r>
+              <a:rPr lang="en-GB" sz="1200" dirty="0" smtClean="0"/>
+              <a:t>Offspring Genome</a:t>
+            </a:r>
+          </a:p>
+          <a:p>
+            <a:pPr algn="ctr"/>
+            <a:r>
+              <a:rPr lang="en-GB" sz="1200" dirty="0" smtClean="0"/>
+              <a:t>T</a:t>
+            </a:r>
+            <a:r>
+              <a:rPr lang="en-GB" sz="1200" baseline="-25000" dirty="0" smtClean="0"/>
+              <a:t>P</a:t>
+            </a:r>
+            <a:r>
+              <a:rPr lang="en-GB" sz="1200" dirty="0" smtClean="0"/>
+              <a:t>/T</a:t>
+            </a:r>
+            <a:r>
+              <a:rPr lang="en-GB" sz="1200" baseline="-25000" dirty="0" smtClean="0"/>
+              <a:t>M</a:t>
+            </a:r>
+            <a:endParaRPr lang="en-GB" sz="1200" dirty="0"/>
+          </a:p>
+        </p:txBody>
+      </p:sp>
+      <p:sp>
+        <p:nvSpPr>
+          <p:cNvPr id="38" name="TextBox 37"/>
+          <p:cNvSpPr txBox="1"/>
+          <p:nvPr/>
+        </p:nvSpPr>
+        <p:spPr>
+          <a:xfrm>
+            <a:off x="5625626" y="4011892"/>
+            <a:ext cx="935664" cy="646331"/>
+          </a:xfrm>
+          <a:prstGeom prst="rect">
+            <a:avLst/>
+          </a:prstGeom>
+          <a:noFill/>
+        </p:spPr>
+        <p:txBody>
+          <a:bodyPr wrap="square" rtlCol="0">
+            <a:spAutoFit/>
+          </a:bodyPr>
+          <a:lstStyle/>
+          <a:p>
+            <a:pPr algn="ctr"/>
+            <a:r>
+              <a:rPr lang="en-GB" sz="1200" dirty="0" smtClean="0"/>
+              <a:t>Offspring Phenotype</a:t>
+            </a:r>
+          </a:p>
+          <a:p>
+            <a:pPr algn="ctr"/>
+            <a:r>
+              <a:rPr lang="en-GB" sz="1200" dirty="0" smtClean="0"/>
+              <a:t>X</a:t>
+            </a:r>
+            <a:r>
+              <a:rPr lang="en-GB" sz="1200" baseline="-25000" dirty="0" smtClean="0"/>
+              <a:t>O</a:t>
+            </a:r>
+            <a:endParaRPr lang="en-GB" sz="1200" dirty="0"/>
+          </a:p>
+        </p:txBody>
+      </p:sp>
+      <p:sp>
+        <p:nvSpPr>
+          <p:cNvPr id="39" name="TextBox 38"/>
+          <p:cNvSpPr txBox="1"/>
+          <p:nvPr/>
+        </p:nvSpPr>
+        <p:spPr>
+          <a:xfrm>
+            <a:off x="3886453" y="2819536"/>
+            <a:ext cx="935664" cy="646331"/>
+          </a:xfrm>
+          <a:prstGeom prst="rect">
+            <a:avLst/>
+          </a:prstGeom>
+          <a:noFill/>
+        </p:spPr>
+        <p:txBody>
+          <a:bodyPr wrap="square" rtlCol="0">
+            <a:spAutoFit/>
+          </a:bodyPr>
+          <a:lstStyle/>
+          <a:p>
+            <a:pPr algn="ctr"/>
+            <a:r>
+              <a:rPr lang="en-GB" sz="1200" dirty="0" smtClean="0"/>
+              <a:t>Paternal Phenotype</a:t>
+            </a:r>
+          </a:p>
+          <a:p>
+            <a:pPr algn="ctr"/>
+            <a:r>
+              <a:rPr lang="en-GB" sz="1200" dirty="0"/>
+              <a:t>Y</a:t>
+            </a:r>
+            <a:r>
+              <a:rPr lang="en-GB" sz="1200" baseline="-25000" dirty="0" smtClean="0"/>
+              <a:t>P</a:t>
+            </a:r>
+            <a:endParaRPr lang="en-GB" sz="1200" dirty="0"/>
+          </a:p>
+        </p:txBody>
+      </p:sp>
+      <p:sp>
+        <p:nvSpPr>
+          <p:cNvPr id="40" name="TextBox 39"/>
+          <p:cNvSpPr txBox="1"/>
+          <p:nvPr/>
+        </p:nvSpPr>
+        <p:spPr>
+          <a:xfrm>
+            <a:off x="7369880" y="2831151"/>
+            <a:ext cx="935664" cy="646331"/>
+          </a:xfrm>
+          <a:prstGeom prst="rect">
+            <a:avLst/>
+          </a:prstGeom>
+          <a:noFill/>
+        </p:spPr>
+        <p:txBody>
+          <a:bodyPr wrap="square" rtlCol="0">
+            <a:spAutoFit/>
+          </a:bodyPr>
+          <a:lstStyle/>
+          <a:p>
+            <a:pPr algn="ctr"/>
+            <a:r>
+              <a:rPr lang="en-GB" sz="1200" dirty="0" smtClean="0"/>
+              <a:t>Maternal Phenotype</a:t>
+            </a:r>
+          </a:p>
+          <a:p>
+            <a:pPr algn="ctr"/>
+            <a:r>
+              <a:rPr lang="en-GB" sz="1200" dirty="0" smtClean="0"/>
+              <a:t>Y</a:t>
+            </a:r>
+            <a:r>
+              <a:rPr lang="en-GB" sz="1200" baseline="-25000" dirty="0" smtClean="0"/>
+              <a:t>M</a:t>
+            </a:r>
+            <a:endParaRPr lang="en-GB" sz="1200" dirty="0"/>
           </a:p>
         </p:txBody>
       </p:sp>
     </p:spTree>
     <p:extLst>
       <p:ext uri="{BB962C8B-B14F-4D97-AF65-F5344CB8AC3E}">
-        <p14:creationId xmlns:p14="http://schemas.microsoft.com/office/powerpoint/2010/main" val="1373292195"/>
+        <p14:creationId xmlns:p14="http://schemas.microsoft.com/office/powerpoint/2010/main" val="1525812785"/>
       </p:ext>
     </p:extLst>
   </p:cSld>
@@ -3057,13 +4129,43 @@
       </p:grpSpPr>
       <p:sp>
         <p:nvSpPr>
-          <p:cNvPr id="3" name="Rectangle 2"/>
+          <p:cNvPr id="12" name="TextBox 11"/>
+          <p:cNvSpPr txBox="1"/>
+          <p:nvPr/>
+        </p:nvSpPr>
+        <p:spPr>
+          <a:xfrm>
+            <a:off x="4432661" y="2385450"/>
+            <a:ext cx="905692" cy="369332"/>
+          </a:xfrm>
+          <a:prstGeom prst="rect">
+            <a:avLst/>
+          </a:prstGeom>
+          <a:noFill/>
+        </p:spPr>
+        <p:txBody>
+          <a:bodyPr wrap="square" rtlCol="0">
+            <a:spAutoFit/>
+          </a:bodyPr>
+          <a:lstStyle/>
+          <a:p>
+            <a:r>
+              <a:rPr lang="en-GB" dirty="0" smtClean="0"/>
+              <a:t>pPGS</a:t>
+            </a:r>
+            <a:endParaRPr lang="en-GB" dirty="0"/>
+          </a:p>
+        </p:txBody>
+      </p:sp>
+      <p:sp>
+        <p:nvSpPr>
+          <p:cNvPr id="16" name="Rectangle 15"/>
           <p:cNvSpPr/>
           <p:nvPr/>
         </p:nvSpPr>
         <p:spPr>
           <a:xfrm>
-            <a:off x="5660571" y="2856411"/>
+            <a:off x="4354286" y="2283822"/>
             <a:ext cx="870857" cy="572589"/>
           </a:xfrm>
           <a:prstGeom prst="rect">
@@ -3103,13 +4205,13 @@
       </p:sp>
       <p:sp>
         <p:nvSpPr>
-          <p:cNvPr id="4" name="Rectangle 3"/>
+          <p:cNvPr id="17" name="Rectangle 16"/>
           <p:cNvSpPr/>
           <p:nvPr/>
         </p:nvSpPr>
         <p:spPr>
           <a:xfrm>
-            <a:off x="4789714" y="1687284"/>
+            <a:off x="4354285" y="3429000"/>
             <a:ext cx="870857" cy="572589"/>
           </a:xfrm>
           <a:prstGeom prst="rect">
@@ -3149,13 +4251,13 @@
       </p:sp>
       <p:sp>
         <p:nvSpPr>
-          <p:cNvPr id="6" name="Rectangle 5"/>
+          <p:cNvPr id="18" name="Rectangle 17"/>
           <p:cNvSpPr/>
           <p:nvPr/>
         </p:nvSpPr>
         <p:spPr>
           <a:xfrm>
-            <a:off x="6531428" y="1687283"/>
+            <a:off x="6096000" y="2856411"/>
             <a:ext cx="870857" cy="572589"/>
           </a:xfrm>
           <a:prstGeom prst="rect">
@@ -3195,13 +4297,13 @@
       </p:sp>
       <p:sp>
         <p:nvSpPr>
-          <p:cNvPr id="8" name="Rectangle 7"/>
+          <p:cNvPr id="20" name="Rectangle 19"/>
           <p:cNvSpPr/>
           <p:nvPr/>
         </p:nvSpPr>
         <p:spPr>
           <a:xfrm>
-            <a:off x="5660571" y="4049487"/>
+            <a:off x="7837713" y="2856410"/>
             <a:ext cx="870857" cy="572589"/>
           </a:xfrm>
           <a:prstGeom prst="rect">
@@ -3241,23 +4343,142 @@
       </p:sp>
       <p:sp>
         <p:nvSpPr>
-          <p:cNvPr id="10" name="Rectangle 9"/>
+          <p:cNvPr id="21" name="TextBox 20"/>
+          <p:cNvSpPr txBox="1"/>
+          <p:nvPr/>
+        </p:nvSpPr>
+        <p:spPr>
+          <a:xfrm>
+            <a:off x="4432661" y="3530628"/>
+            <a:ext cx="905692" cy="369332"/>
+          </a:xfrm>
+          <a:prstGeom prst="rect">
+            <a:avLst/>
+          </a:prstGeom>
+          <a:noFill/>
+        </p:spPr>
+        <p:txBody>
+          <a:bodyPr wrap="square" rtlCol="0">
+            <a:spAutoFit/>
+          </a:bodyPr>
+          <a:lstStyle/>
+          <a:p>
+            <a:r>
+              <a:rPr lang="en-GB" dirty="0" smtClean="0"/>
+              <a:t>mPGS</a:t>
+            </a:r>
+            <a:endParaRPr lang="en-GB" dirty="0"/>
+          </a:p>
+        </p:txBody>
+      </p:sp>
+      <p:sp>
+        <p:nvSpPr>
+          <p:cNvPr id="22" name="TextBox 21"/>
+          <p:cNvSpPr txBox="1"/>
+          <p:nvPr/>
+        </p:nvSpPr>
+        <p:spPr>
+          <a:xfrm>
+            <a:off x="6183083" y="2958038"/>
+            <a:ext cx="905692" cy="369332"/>
+          </a:xfrm>
+          <a:prstGeom prst="rect">
+            <a:avLst/>
+          </a:prstGeom>
+          <a:noFill/>
+        </p:spPr>
+        <p:txBody>
+          <a:bodyPr wrap="square" rtlCol="0">
+            <a:spAutoFit/>
+          </a:bodyPr>
+          <a:lstStyle/>
+          <a:p>
+            <a:r>
+              <a:rPr lang="en-GB" dirty="0" smtClean="0"/>
+              <a:t>oPGS</a:t>
+            </a:r>
+            <a:endParaRPr lang="en-GB" dirty="0"/>
+          </a:p>
+        </p:txBody>
+      </p:sp>
+      <p:sp>
+        <p:nvSpPr>
+          <p:cNvPr id="23" name="TextBox 22"/>
+          <p:cNvSpPr txBox="1"/>
+          <p:nvPr/>
+        </p:nvSpPr>
+        <p:spPr>
+          <a:xfrm>
+            <a:off x="7820295" y="2958038"/>
+            <a:ext cx="905692" cy="369332"/>
+          </a:xfrm>
+          <a:prstGeom prst="rect">
+            <a:avLst/>
+          </a:prstGeom>
+          <a:noFill/>
+        </p:spPr>
+        <p:txBody>
+          <a:bodyPr wrap="square" rtlCol="0">
+            <a:spAutoFit/>
+          </a:bodyPr>
+          <a:lstStyle/>
+          <a:p>
+            <a:r>
+              <a:rPr lang="en-GB" dirty="0" smtClean="0"/>
+              <a:t>oPheno</a:t>
+            </a:r>
+            <a:endParaRPr lang="en-GB" dirty="0"/>
+          </a:p>
+        </p:txBody>
+      </p:sp>
+      <p:sp>
+        <p:nvSpPr>
+          <p:cNvPr id="2" name="Freeform 1"/>
           <p:cNvSpPr/>
           <p:nvPr/>
         </p:nvSpPr>
         <p:spPr>
           <a:xfrm>
-            <a:off x="7402285" y="2856411"/>
-            <a:ext cx="870857" cy="572589"/>
-          </a:xfrm>
-          <a:prstGeom prst="rect">
-            <a:avLst/>
-          </a:prstGeom>
+            <a:off x="5338353" y="2615443"/>
+            <a:ext cx="539931" cy="235132"/>
+          </a:xfrm>
+          <a:custGeom>
+            <a:avLst/>
+            <a:gdLst>
+              <a:gd name="connsiteX0" fmla="*/ 0 w 539931"/>
+              <a:gd name="connsiteY0" fmla="*/ 0 h 235132"/>
+              <a:gd name="connsiteX1" fmla="*/ 539931 w 539931"/>
+              <a:gd name="connsiteY1" fmla="*/ 235132 h 235132"/>
+            </a:gdLst>
+            <a:ahLst/>
+            <a:cxnLst>
+              <a:cxn ang="0">
+                <a:pos x="connsiteX0" y="connsiteY0"/>
+              </a:cxn>
+              <a:cxn ang="0">
+                <a:pos x="connsiteX1" y="connsiteY1"/>
+              </a:cxn>
+            </a:cxnLst>
+            <a:rect l="l" t="t" r="r" b="b"/>
+            <a:pathLst>
+              <a:path w="539931" h="235132">
+                <a:moveTo>
+                  <a:pt x="0" y="0"/>
+                </a:moveTo>
+                <a:cubicBezTo>
+                  <a:pt x="204651" y="98697"/>
+                  <a:pt x="409303" y="197395"/>
+                  <a:pt x="539931" y="235132"/>
+                </a:cubicBezTo>
+              </a:path>
+            </a:pathLst>
+          </a:custGeom>
           <a:noFill/>
           <a:ln w="28575">
             <a:solidFill>
               <a:schemeClr val="tx1"/>
             </a:solidFill>
+            <a:tailEnd type="triangle"/>
           </a:ln>
         </p:spPr>
         <p:style>
@@ -3287,23 +4508,52 @@
       </p:sp>
       <p:sp>
         <p:nvSpPr>
-          <p:cNvPr id="12" name="Rectangle 11"/>
+          <p:cNvPr id="11" name="Freeform 10"/>
           <p:cNvSpPr/>
           <p:nvPr/>
         </p:nvSpPr>
         <p:spPr>
-          <a:xfrm>
-            <a:off x="3918857" y="2856409"/>
-            <a:ext cx="870857" cy="572589"/>
-          </a:xfrm>
-          <a:prstGeom prst="rect">
-            <a:avLst/>
-          </a:prstGeom>
+          <a:xfrm flipH="1">
+            <a:off x="5338353" y="3524792"/>
+            <a:ext cx="539931" cy="235132"/>
+          </a:xfrm>
+          <a:custGeom>
+            <a:avLst/>
+            <a:gdLst>
+              <a:gd name="connsiteX0" fmla="*/ 0 w 539931"/>
+              <a:gd name="connsiteY0" fmla="*/ 0 h 235132"/>
+              <a:gd name="connsiteX1" fmla="*/ 539931 w 539931"/>
+              <a:gd name="connsiteY1" fmla="*/ 235132 h 235132"/>
+            </a:gdLst>
+            <a:ahLst/>
+            <a:cxnLst>
+              <a:cxn ang="0">
+                <a:pos x="connsiteX0" y="connsiteY0"/>
+              </a:cxn>
+              <a:cxn ang="0">
+                <a:pos x="connsiteX1" y="connsiteY1"/>
+              </a:cxn>
+            </a:cxnLst>
+            <a:rect l="l" t="t" r="r" b="b"/>
+            <a:pathLst>
+              <a:path w="539931" h="235132">
+                <a:moveTo>
+                  <a:pt x="0" y="0"/>
+                </a:moveTo>
+                <a:cubicBezTo>
+                  <a:pt x="204651" y="98697"/>
+                  <a:pt x="409303" y="197395"/>
+                  <a:pt x="539931" y="235132"/>
+                </a:cubicBezTo>
+              </a:path>
+            </a:pathLst>
+          </a:custGeom>
           <a:noFill/>
           <a:ln w="28575">
             <a:solidFill>
               <a:schemeClr val="tx1"/>
             </a:solidFill>
+            <a:headEnd type="triangle"/>
           </a:ln>
         </p:spPr>
         <p:style>
@@ -3333,22 +4583,22 @@
       </p:sp>
       <p:sp>
         <p:nvSpPr>
-          <p:cNvPr id="13" name="Freeform 12"/>
+          <p:cNvPr id="3" name="Freeform 2"/>
           <p:cNvSpPr/>
           <p:nvPr/>
         </p:nvSpPr>
         <p:spPr>
           <a:xfrm>
-            <a:off x="5738949" y="2386149"/>
-            <a:ext cx="226422" cy="313508"/>
+            <a:off x="7106194" y="3152503"/>
+            <a:ext cx="522515" cy="12569"/>
           </a:xfrm>
           <a:custGeom>
             <a:avLst/>
             <a:gdLst>
-              <a:gd name="connsiteX0" fmla="*/ 0 w 226422"/>
-              <a:gd name="connsiteY0" fmla="*/ 0 h 313508"/>
-              <a:gd name="connsiteX1" fmla="*/ 226422 w 226422"/>
-              <a:gd name="connsiteY1" fmla="*/ 313508 h 313508"/>
+              <a:gd name="connsiteX0" fmla="*/ 0 w 522515"/>
+              <a:gd name="connsiteY0" fmla="*/ 0 h 12569"/>
+              <a:gd name="connsiteX1" fmla="*/ 522515 w 522515"/>
+              <a:gd name="connsiteY1" fmla="*/ 0 h 12569"/>
             </a:gdLst>
             <a:ahLst/>
             <a:cxnLst>
@@ -3361,13 +4611,15 @@
             </a:cxnLst>
             <a:rect l="l" t="t" r="r" b="b"/>
             <a:pathLst>
-              <a:path w="226422" h="313508">
+              <a:path w="522515" h="12569">
                 <a:moveTo>
                   <a:pt x="0" y="0"/>
                 </a:moveTo>
-                <a:lnTo>
-                  <a:pt x="226422" y="313508"/>
-                </a:lnTo>
+                <a:cubicBezTo>
+                  <a:pt x="203926" y="10885"/>
+                  <a:pt x="407852" y="21771"/>
+                  <a:pt x="522515" y="0"/>
+                </a:cubicBezTo>
               </a:path>
             </a:pathLst>
           </a:custGeom>
@@ -3406,22 +4658,24 @@
       </p:sp>
       <p:sp>
         <p:nvSpPr>
-          <p:cNvPr id="14" name="Freeform 13"/>
+          <p:cNvPr id="4" name="Freeform 3"/>
           <p:cNvSpPr/>
           <p:nvPr/>
         </p:nvSpPr>
         <p:spPr>
-          <a:xfrm flipV="1">
-            <a:off x="6239691" y="2386149"/>
-            <a:ext cx="226422" cy="313508"/>
+          <a:xfrm>
+            <a:off x="5408023" y="2337978"/>
+            <a:ext cx="2246811" cy="300719"/>
           </a:xfrm>
           <a:custGeom>
             <a:avLst/>
             <a:gdLst>
-              <a:gd name="connsiteX0" fmla="*/ 0 w 226422"/>
-              <a:gd name="connsiteY0" fmla="*/ 0 h 313508"/>
-              <a:gd name="connsiteX1" fmla="*/ 226422 w 226422"/>
-              <a:gd name="connsiteY1" fmla="*/ 313508 h 313508"/>
+              <a:gd name="connsiteX0" fmla="*/ 0 w 2246811"/>
+              <a:gd name="connsiteY0" fmla="*/ 74296 h 300719"/>
+              <a:gd name="connsiteX1" fmla="*/ 1001486 w 2246811"/>
+              <a:gd name="connsiteY1" fmla="*/ 13336 h 300719"/>
+              <a:gd name="connsiteX2" fmla="*/ 2246811 w 2246811"/>
+              <a:gd name="connsiteY2" fmla="*/ 300719 h 300719"/>
             </a:gdLst>
             <a:ahLst/>
             <a:cxnLst>
@@ -3431,16 +4685,26 @@
               <a:cxn ang="0">
                 <a:pos x="connsiteX1" y="connsiteY1"/>
               </a:cxn>
+              <a:cxn ang="0">
+                <a:pos x="connsiteX2" y="connsiteY2"/>
+              </a:cxn>
             </a:cxnLst>
             <a:rect l="l" t="t" r="r" b="b"/>
             <a:pathLst>
-              <a:path w="226422" h="313508">
+              <a:path w="2246811" h="300719">
                 <a:moveTo>
-                  <a:pt x="0" y="0"/>
+                  <a:pt x="0" y="74296"/>
                 </a:moveTo>
-                <a:lnTo>
-                  <a:pt x="226422" y="313508"/>
-                </a:lnTo>
+                <a:cubicBezTo>
+                  <a:pt x="313509" y="24947"/>
+                  <a:pt x="627018" y="-24401"/>
+                  <a:pt x="1001486" y="13336"/>
+                </a:cubicBezTo>
+                <a:cubicBezTo>
+                  <a:pt x="1375954" y="51073"/>
+                  <a:pt x="1811382" y="175896"/>
+                  <a:pt x="2246811" y="300719"/>
+                </a:cubicBezTo>
               </a:path>
             </a:pathLst>
           </a:custGeom>
@@ -3449,7 +4713,7 @@
             <a:solidFill>
               <a:schemeClr val="tx1"/>
             </a:solidFill>
-            <a:headEnd type="triangle"/>
+            <a:tailEnd type="triangle"/>
           </a:ln>
         </p:spPr>
         <p:style>
@@ -3479,24 +4743,24 @@
       </p:sp>
       <p:sp>
         <p:nvSpPr>
-          <p:cNvPr id="24" name="Freeform 23"/>
+          <p:cNvPr id="14" name="Freeform 13"/>
           <p:cNvSpPr/>
           <p:nvPr/>
         </p:nvSpPr>
         <p:spPr>
-          <a:xfrm>
-            <a:off x="4247605" y="2203264"/>
-            <a:ext cx="267789" cy="492032"/>
+          <a:xfrm flipV="1">
+            <a:off x="5408022" y="3708094"/>
+            <a:ext cx="2246811" cy="300719"/>
           </a:xfrm>
           <a:custGeom>
             <a:avLst/>
             <a:gdLst>
-              <a:gd name="connsiteX0" fmla="*/ 209006 w 209006"/>
-              <a:gd name="connsiteY0" fmla="*/ 0 h 348343"/>
-              <a:gd name="connsiteX1" fmla="*/ 69669 w 209006"/>
-              <a:gd name="connsiteY1" fmla="*/ 139337 h 348343"/>
-              <a:gd name="connsiteX2" fmla="*/ 0 w 209006"/>
-              <a:gd name="connsiteY2" fmla="*/ 348343 h 348343"/>
+              <a:gd name="connsiteX0" fmla="*/ 0 w 2246811"/>
+              <a:gd name="connsiteY0" fmla="*/ 74296 h 300719"/>
+              <a:gd name="connsiteX1" fmla="*/ 1001486 w 2246811"/>
+              <a:gd name="connsiteY1" fmla="*/ 13336 h 300719"/>
+              <a:gd name="connsiteX2" fmla="*/ 2246811 w 2246811"/>
+              <a:gd name="connsiteY2" fmla="*/ 300719 h 300719"/>
             </a:gdLst>
             <a:ahLst/>
             <a:cxnLst>
@@ -3512,19 +4776,19 @@
             </a:cxnLst>
             <a:rect l="l" t="t" r="r" b="b"/>
             <a:pathLst>
-              <a:path w="209006" h="348343">
+              <a:path w="2246811" h="300719">
                 <a:moveTo>
-                  <a:pt x="209006" y="0"/>
+                  <a:pt x="0" y="74296"/>
                 </a:moveTo>
                 <a:cubicBezTo>
-                  <a:pt x="156754" y="40640"/>
-                  <a:pt x="104503" y="81280"/>
-                  <a:pt x="69669" y="139337"/>
+                  <a:pt x="313509" y="24947"/>
+                  <a:pt x="627018" y="-24401"/>
+                  <a:pt x="1001486" y="13336"/>
                 </a:cubicBezTo>
                 <a:cubicBezTo>
-                  <a:pt x="34835" y="197394"/>
-                  <a:pt x="10160" y="317863"/>
-                  <a:pt x="0" y="348343"/>
+                  <a:pt x="1375954" y="51073"/>
+                  <a:pt x="1811382" y="175896"/>
+                  <a:pt x="2246811" y="300719"/>
                 </a:cubicBezTo>
               </a:path>
             </a:pathLst>
@@ -3564,342 +4828,14 @@
       </p:sp>
       <p:sp>
         <p:nvSpPr>
-          <p:cNvPr id="25" name="Freeform 24"/>
-          <p:cNvSpPr/>
-          <p:nvPr/>
-        </p:nvSpPr>
-        <p:spPr>
-          <a:xfrm flipH="1">
-            <a:off x="7703818" y="2203264"/>
-            <a:ext cx="267789" cy="492032"/>
-          </a:xfrm>
-          <a:custGeom>
-            <a:avLst/>
-            <a:gdLst>
-              <a:gd name="connsiteX0" fmla="*/ 209006 w 209006"/>
-              <a:gd name="connsiteY0" fmla="*/ 0 h 348343"/>
-              <a:gd name="connsiteX1" fmla="*/ 69669 w 209006"/>
-              <a:gd name="connsiteY1" fmla="*/ 139337 h 348343"/>
-              <a:gd name="connsiteX2" fmla="*/ 0 w 209006"/>
-              <a:gd name="connsiteY2" fmla="*/ 348343 h 348343"/>
-            </a:gdLst>
-            <a:ahLst/>
-            <a:cxnLst>
-              <a:cxn ang="0">
-                <a:pos x="connsiteX0" y="connsiteY0"/>
-              </a:cxn>
-              <a:cxn ang="0">
-                <a:pos x="connsiteX1" y="connsiteY1"/>
-              </a:cxn>
-              <a:cxn ang="0">
-                <a:pos x="connsiteX2" y="connsiteY2"/>
-              </a:cxn>
-            </a:cxnLst>
-            <a:rect l="l" t="t" r="r" b="b"/>
-            <a:pathLst>
-              <a:path w="209006" h="348343">
-                <a:moveTo>
-                  <a:pt x="209006" y="0"/>
-                </a:moveTo>
-                <a:cubicBezTo>
-                  <a:pt x="156754" y="40640"/>
-                  <a:pt x="104503" y="81280"/>
-                  <a:pt x="69669" y="139337"/>
-                </a:cubicBezTo>
-                <a:cubicBezTo>
-                  <a:pt x="34835" y="197394"/>
-                  <a:pt x="10160" y="317863"/>
-                  <a:pt x="0" y="348343"/>
-                </a:cubicBezTo>
-              </a:path>
-            </a:pathLst>
-          </a:custGeom>
-          <a:noFill/>
-          <a:ln w="28575">
-            <a:solidFill>
-              <a:schemeClr val="tx1"/>
-            </a:solidFill>
-            <a:tailEnd type="triangle"/>
-          </a:ln>
-        </p:spPr>
-        <p:style>
-          <a:lnRef idx="2">
-            <a:schemeClr val="accent1">
-              <a:shade val="50000"/>
-            </a:schemeClr>
-          </a:lnRef>
-          <a:fillRef idx="1">
-            <a:schemeClr val="accent1"/>
-          </a:fillRef>
-          <a:effectRef idx="0">
-            <a:schemeClr val="accent1"/>
-          </a:effectRef>
-          <a:fontRef idx="minor">
-            <a:schemeClr val="lt1"/>
-          </a:fontRef>
-        </p:style>
-        <p:txBody>
-          <a:bodyPr rtlCol="0" anchor="ctr"/>
-          <a:lstStyle/>
-          <a:p>
-            <a:pPr algn="ctr"/>
-            <a:endParaRPr lang="en-GB"/>
-          </a:p>
-        </p:txBody>
-      </p:sp>
-      <p:sp>
-        <p:nvSpPr>
-          <p:cNvPr id="30" name="Freeform 29"/>
-          <p:cNvSpPr/>
-          <p:nvPr/>
-        </p:nvSpPr>
-        <p:spPr>
-          <a:xfrm>
-            <a:off x="4310742" y="3611876"/>
-            <a:ext cx="957943" cy="827315"/>
-          </a:xfrm>
-          <a:custGeom>
-            <a:avLst/>
-            <a:gdLst>
-              <a:gd name="connsiteX0" fmla="*/ 0 w 957943"/>
-              <a:gd name="connsiteY0" fmla="*/ 0 h 827315"/>
-              <a:gd name="connsiteX1" fmla="*/ 269966 w 957943"/>
-              <a:gd name="connsiteY1" fmla="*/ 531223 h 827315"/>
-              <a:gd name="connsiteX2" fmla="*/ 957943 w 957943"/>
-              <a:gd name="connsiteY2" fmla="*/ 827315 h 827315"/>
-            </a:gdLst>
-            <a:ahLst/>
-            <a:cxnLst>
-              <a:cxn ang="0">
-                <a:pos x="connsiteX0" y="connsiteY0"/>
-              </a:cxn>
-              <a:cxn ang="0">
-                <a:pos x="connsiteX1" y="connsiteY1"/>
-              </a:cxn>
-              <a:cxn ang="0">
-                <a:pos x="connsiteX2" y="connsiteY2"/>
-              </a:cxn>
-            </a:cxnLst>
-            <a:rect l="l" t="t" r="r" b="b"/>
-            <a:pathLst>
-              <a:path w="957943" h="827315">
-                <a:moveTo>
-                  <a:pt x="0" y="0"/>
-                </a:moveTo>
-                <a:cubicBezTo>
-                  <a:pt x="55154" y="196668"/>
-                  <a:pt x="110309" y="393337"/>
-                  <a:pt x="269966" y="531223"/>
-                </a:cubicBezTo>
-                <a:cubicBezTo>
-                  <a:pt x="429623" y="669109"/>
-                  <a:pt x="894080" y="780869"/>
-                  <a:pt x="957943" y="827315"/>
-                </a:cubicBezTo>
-              </a:path>
-            </a:pathLst>
-          </a:custGeom>
-          <a:noFill/>
-          <a:ln w="28575">
-            <a:solidFill>
-              <a:schemeClr val="tx1"/>
-            </a:solidFill>
-            <a:tailEnd type="triangle"/>
-          </a:ln>
-        </p:spPr>
-        <p:style>
-          <a:lnRef idx="2">
-            <a:schemeClr val="accent1">
-              <a:shade val="50000"/>
-            </a:schemeClr>
-          </a:lnRef>
-          <a:fillRef idx="1">
-            <a:schemeClr val="accent1"/>
-          </a:fillRef>
-          <a:effectRef idx="0">
-            <a:schemeClr val="accent1"/>
-          </a:effectRef>
-          <a:fontRef idx="minor">
-            <a:schemeClr val="lt1"/>
-          </a:fontRef>
-        </p:style>
-        <p:txBody>
-          <a:bodyPr rtlCol="0" anchor="ctr"/>
-          <a:lstStyle/>
-          <a:p>
-            <a:pPr algn="ctr"/>
-            <a:endParaRPr lang="en-GB"/>
-          </a:p>
-        </p:txBody>
-      </p:sp>
-      <p:sp>
-        <p:nvSpPr>
-          <p:cNvPr id="31" name="Freeform 30"/>
-          <p:cNvSpPr/>
-          <p:nvPr/>
-        </p:nvSpPr>
-        <p:spPr>
-          <a:xfrm flipH="1">
-            <a:off x="6923314" y="3611876"/>
-            <a:ext cx="957943" cy="827315"/>
-          </a:xfrm>
-          <a:custGeom>
-            <a:avLst/>
-            <a:gdLst>
-              <a:gd name="connsiteX0" fmla="*/ 0 w 957943"/>
-              <a:gd name="connsiteY0" fmla="*/ 0 h 827315"/>
-              <a:gd name="connsiteX1" fmla="*/ 269966 w 957943"/>
-              <a:gd name="connsiteY1" fmla="*/ 531223 h 827315"/>
-              <a:gd name="connsiteX2" fmla="*/ 957943 w 957943"/>
-              <a:gd name="connsiteY2" fmla="*/ 827315 h 827315"/>
-            </a:gdLst>
-            <a:ahLst/>
-            <a:cxnLst>
-              <a:cxn ang="0">
-                <a:pos x="connsiteX0" y="connsiteY0"/>
-              </a:cxn>
-              <a:cxn ang="0">
-                <a:pos x="connsiteX1" y="connsiteY1"/>
-              </a:cxn>
-              <a:cxn ang="0">
-                <a:pos x="connsiteX2" y="connsiteY2"/>
-              </a:cxn>
-            </a:cxnLst>
-            <a:rect l="l" t="t" r="r" b="b"/>
-            <a:pathLst>
-              <a:path w="957943" h="827315">
-                <a:moveTo>
-                  <a:pt x="0" y="0"/>
-                </a:moveTo>
-                <a:cubicBezTo>
-                  <a:pt x="55154" y="196668"/>
-                  <a:pt x="110309" y="393337"/>
-                  <a:pt x="269966" y="531223"/>
-                </a:cubicBezTo>
-                <a:cubicBezTo>
-                  <a:pt x="429623" y="669109"/>
-                  <a:pt x="894080" y="780869"/>
-                  <a:pt x="957943" y="827315"/>
-                </a:cubicBezTo>
-              </a:path>
-            </a:pathLst>
-          </a:custGeom>
-          <a:noFill/>
-          <a:ln w="28575">
-            <a:solidFill>
-              <a:schemeClr val="tx1"/>
-            </a:solidFill>
-            <a:tailEnd type="triangle"/>
-          </a:ln>
-        </p:spPr>
-        <p:style>
-          <a:lnRef idx="2">
-            <a:schemeClr val="accent1">
-              <a:shade val="50000"/>
-            </a:schemeClr>
-          </a:lnRef>
-          <a:fillRef idx="1">
-            <a:schemeClr val="accent1"/>
-          </a:fillRef>
-          <a:effectRef idx="0">
-            <a:schemeClr val="accent1"/>
-          </a:effectRef>
-          <a:fontRef idx="minor">
-            <a:schemeClr val="lt1"/>
-          </a:fontRef>
-        </p:style>
-        <p:txBody>
-          <a:bodyPr rtlCol="0" anchor="ctr"/>
-          <a:lstStyle/>
-          <a:p>
-            <a:pPr algn="ctr"/>
-            <a:endParaRPr lang="en-GB"/>
-          </a:p>
-        </p:txBody>
-      </p:sp>
-      <p:sp>
-        <p:nvSpPr>
-          <p:cNvPr id="34" name="Freeform 33"/>
-          <p:cNvSpPr/>
-          <p:nvPr/>
-        </p:nvSpPr>
-        <p:spPr>
-          <a:xfrm>
-            <a:off x="6098540" y="3533140"/>
-            <a:ext cx="0" cy="411480"/>
-          </a:xfrm>
-          <a:custGeom>
-            <a:avLst/>
-            <a:gdLst>
-              <a:gd name="connsiteX0" fmla="*/ 0 w 0"/>
-              <a:gd name="connsiteY0" fmla="*/ 0 h 411480"/>
-              <a:gd name="connsiteX1" fmla="*/ 0 w 0"/>
-              <a:gd name="connsiteY1" fmla="*/ 411480 h 411480"/>
-            </a:gdLst>
-            <a:ahLst/>
-            <a:cxnLst>
-              <a:cxn ang="0">
-                <a:pos x="connsiteX0" y="connsiteY0"/>
-              </a:cxn>
-              <a:cxn ang="0">
-                <a:pos x="connsiteX1" y="connsiteY1"/>
-              </a:cxn>
-            </a:cxnLst>
-            <a:rect l="l" t="t" r="r" b="b"/>
-            <a:pathLst>
-              <a:path h="411480">
-                <a:moveTo>
-                  <a:pt x="0" y="0"/>
-                </a:moveTo>
-                <a:lnTo>
-                  <a:pt x="0" y="411480"/>
-                </a:lnTo>
-              </a:path>
-            </a:pathLst>
-          </a:custGeom>
-          <a:noFill/>
-          <a:ln w="28575">
-            <a:solidFill>
-              <a:schemeClr val="tx1"/>
-            </a:solidFill>
-            <a:tailEnd type="triangle"/>
-          </a:ln>
-        </p:spPr>
-        <p:style>
-          <a:lnRef idx="2">
-            <a:schemeClr val="accent1">
-              <a:shade val="50000"/>
-            </a:schemeClr>
-          </a:lnRef>
-          <a:fillRef idx="1">
-            <a:schemeClr val="accent1"/>
-          </a:fillRef>
-          <a:effectRef idx="0">
-            <a:schemeClr val="accent1"/>
-          </a:effectRef>
-          <a:fontRef idx="minor">
-            <a:schemeClr val="lt1"/>
-          </a:fontRef>
-        </p:style>
-        <p:txBody>
-          <a:bodyPr rtlCol="0" anchor="ctr"/>
-          <a:lstStyle/>
-          <a:p>
-            <a:pPr algn="ctr"/>
-            <a:endParaRPr lang="en-GB"/>
-          </a:p>
-        </p:txBody>
-      </p:sp>
-      <p:sp>
-        <p:nvSpPr>
-          <p:cNvPr id="35" name="TextBox 34"/>
+          <p:cNvPr id="5" name="TextBox 4"/>
           <p:cNvSpPr txBox="1"/>
           <p:nvPr/>
         </p:nvSpPr>
         <p:spPr>
           <a:xfrm>
-            <a:off x="6499024" y="1650411"/>
-            <a:ext cx="935664" cy="646331"/>
+            <a:off x="5338353" y="3278641"/>
+            <a:ext cx="826765" cy="323165"/>
           </a:xfrm>
           <a:prstGeom prst="rect">
             <a:avLst/>
@@ -3912,44 +4848,24 @@
           </a:bodyPr>
           <a:lstStyle/>
           <a:p>
-            <a:pPr algn="ctr"/>
-            <a:r>
-              <a:rPr lang="en-GB" sz="1200" dirty="0" smtClean="0"/>
-              <a:t>Maternal Genome</a:t>
-            </a:r>
-          </a:p>
-          <a:p>
-            <a:pPr algn="ctr"/>
-            <a:r>
-              <a:rPr lang="en-GB" sz="1200" dirty="0"/>
-              <a:t>T</a:t>
-            </a:r>
-            <a:r>
-              <a:rPr lang="en-GB" sz="1200" baseline="-25000" dirty="0"/>
-              <a:t>M</a:t>
-            </a:r>
-            <a:r>
-              <a:rPr lang="en-GB" sz="1200" dirty="0" smtClean="0"/>
-              <a:t>/NT</a:t>
-            </a:r>
-            <a:r>
-              <a:rPr lang="en-GB" sz="1200" baseline="-25000" dirty="0" smtClean="0"/>
-              <a:t>M</a:t>
-            </a:r>
-            <a:endParaRPr lang="en-GB" sz="1200" dirty="0"/>
-          </a:p>
-        </p:txBody>
-      </p:sp>
-      <p:sp>
-        <p:nvSpPr>
-          <p:cNvPr id="36" name="TextBox 35"/>
+            <a:r>
+              <a:rPr lang="en-GB" sz="1500" b="1" i="1" dirty="0" smtClean="0"/>
+              <a:t>0.5</a:t>
+            </a:r>
+            <a:endParaRPr lang="en-GB" sz="1500" b="1" i="1" dirty="0"/>
+          </a:p>
+        </p:txBody>
+      </p:sp>
+      <p:sp>
+        <p:nvSpPr>
+          <p:cNvPr id="19" name="TextBox 18"/>
           <p:cNvSpPr txBox="1"/>
           <p:nvPr/>
         </p:nvSpPr>
         <p:spPr>
           <a:xfrm>
-            <a:off x="4757310" y="1650411"/>
-            <a:ext cx="935664" cy="646331"/>
+            <a:off x="6234787" y="3696870"/>
+            <a:ext cx="318411" cy="323165"/>
           </a:xfrm>
           <a:prstGeom prst="rect">
             <a:avLst/>
@@ -3962,44 +4878,23 @@
           </a:bodyPr>
           <a:lstStyle/>
           <a:p>
-            <a:pPr algn="ctr"/>
-            <a:r>
-              <a:rPr lang="en-GB" sz="1200" dirty="0" smtClean="0"/>
-              <a:t>Paternal Genome</a:t>
-            </a:r>
-          </a:p>
-          <a:p>
-            <a:pPr algn="ctr"/>
-            <a:r>
-              <a:rPr lang="en-GB" sz="1200" dirty="0" smtClean="0"/>
-              <a:t>NT</a:t>
-            </a:r>
-            <a:r>
-              <a:rPr lang="en-GB" sz="1200" baseline="-25000" dirty="0" smtClean="0"/>
-              <a:t>P</a:t>
-            </a:r>
-            <a:r>
-              <a:rPr lang="en-GB" sz="1200" dirty="0" smtClean="0"/>
-              <a:t>/T</a:t>
-            </a:r>
-            <a:r>
-              <a:rPr lang="en-GB" sz="1200" baseline="-25000" dirty="0" smtClean="0"/>
-              <a:t>P</a:t>
-            </a:r>
-            <a:endParaRPr lang="en-GB" sz="1200" dirty="0"/>
-          </a:p>
-        </p:txBody>
-      </p:sp>
-      <p:sp>
-        <p:nvSpPr>
-          <p:cNvPr id="37" name="TextBox 36"/>
+            <a:r>
+              <a:rPr lang="en-GB" sz="1500" b="1" dirty="0"/>
+              <a:t>c</a:t>
+            </a:r>
+          </a:p>
+        </p:txBody>
+      </p:sp>
+      <p:sp>
+        <p:nvSpPr>
+          <p:cNvPr id="24" name="TextBox 23"/>
           <p:cNvSpPr txBox="1"/>
           <p:nvPr/>
         </p:nvSpPr>
         <p:spPr>
           <a:xfrm>
-            <a:off x="5631141" y="2819537"/>
-            <a:ext cx="935664" cy="646331"/>
+            <a:off x="7208245" y="2850230"/>
+            <a:ext cx="318411" cy="323165"/>
           </a:xfrm>
           <a:prstGeom prst="rect">
             <a:avLst/>
@@ -4012,44 +4907,23 @@
           </a:bodyPr>
           <a:lstStyle/>
           <a:p>
-            <a:pPr algn="ctr"/>
-            <a:r>
-              <a:rPr lang="en-GB" sz="1200" dirty="0" smtClean="0"/>
-              <a:t>Offspring Genome</a:t>
-            </a:r>
-          </a:p>
-          <a:p>
-            <a:pPr algn="ctr"/>
-            <a:r>
-              <a:rPr lang="en-GB" sz="1200" dirty="0" smtClean="0"/>
-              <a:t>T</a:t>
-            </a:r>
-            <a:r>
-              <a:rPr lang="en-GB" sz="1200" baseline="-25000" dirty="0" smtClean="0"/>
-              <a:t>P</a:t>
-            </a:r>
-            <a:r>
-              <a:rPr lang="en-GB" sz="1200" dirty="0" smtClean="0"/>
-              <a:t>/T</a:t>
-            </a:r>
-            <a:r>
-              <a:rPr lang="en-GB" sz="1200" baseline="-25000" dirty="0" smtClean="0"/>
-              <a:t>M</a:t>
-            </a:r>
-            <a:endParaRPr lang="en-GB" sz="1200" dirty="0"/>
-          </a:p>
-        </p:txBody>
-      </p:sp>
-      <p:sp>
-        <p:nvSpPr>
-          <p:cNvPr id="38" name="TextBox 37"/>
+            <a:r>
+              <a:rPr lang="en-GB" sz="1500" b="1" dirty="0"/>
+              <a:t>a</a:t>
+            </a:r>
+          </a:p>
+        </p:txBody>
+      </p:sp>
+      <p:sp>
+        <p:nvSpPr>
+          <p:cNvPr id="25" name="TextBox 24"/>
           <p:cNvSpPr txBox="1"/>
           <p:nvPr/>
         </p:nvSpPr>
         <p:spPr>
           <a:xfrm>
-            <a:off x="5625626" y="4011892"/>
-            <a:ext cx="935664" cy="646331"/>
+            <a:off x="6234787" y="2357552"/>
+            <a:ext cx="318411" cy="323165"/>
           </a:xfrm>
           <a:prstGeom prst="rect">
             <a:avLst/>
@@ -4062,36 +4936,23 @@
           </a:bodyPr>
           <a:lstStyle/>
           <a:p>
-            <a:pPr algn="ctr"/>
-            <a:r>
-              <a:rPr lang="en-GB" sz="1200" dirty="0" smtClean="0"/>
-              <a:t>Offspring Phenotype</a:t>
-            </a:r>
-          </a:p>
-          <a:p>
-            <a:pPr algn="ctr"/>
-            <a:r>
-              <a:rPr lang="en-GB" sz="1200" dirty="0" smtClean="0"/>
-              <a:t>X</a:t>
-            </a:r>
-            <a:r>
-              <a:rPr lang="en-GB" sz="1200" baseline="-25000" dirty="0" smtClean="0"/>
-              <a:t>O</a:t>
-            </a:r>
-            <a:endParaRPr lang="en-GB" sz="1200" dirty="0"/>
-          </a:p>
-        </p:txBody>
-      </p:sp>
-      <p:sp>
-        <p:nvSpPr>
-          <p:cNvPr id="39" name="TextBox 38"/>
+            <a:r>
+              <a:rPr lang="en-GB" sz="1500" b="1" dirty="0"/>
+              <a:t>b</a:t>
+            </a:r>
+          </a:p>
+        </p:txBody>
+      </p:sp>
+      <p:sp>
+        <p:nvSpPr>
+          <p:cNvPr id="26" name="TextBox 25"/>
           <p:cNvSpPr txBox="1"/>
           <p:nvPr/>
         </p:nvSpPr>
         <p:spPr>
           <a:xfrm>
-            <a:off x="3886453" y="2819536"/>
-            <a:ext cx="935664" cy="646331"/>
+            <a:off x="5343382" y="2742939"/>
+            <a:ext cx="788675" cy="323165"/>
           </a:xfrm>
           <a:prstGeom prst="rect">
             <a:avLst/>
@@ -4104,72 +4965,18 @@
           </a:bodyPr>
           <a:lstStyle/>
           <a:p>
-            <a:pPr algn="ctr"/>
-            <a:r>
-              <a:rPr lang="en-GB" sz="1200" dirty="0" smtClean="0"/>
-              <a:t>Paternal Phenotype</a:t>
-            </a:r>
-          </a:p>
-          <a:p>
-            <a:pPr algn="ctr"/>
-            <a:r>
-              <a:rPr lang="en-GB" sz="1200" dirty="0"/>
-              <a:t>Y</a:t>
-            </a:r>
-            <a:r>
-              <a:rPr lang="en-GB" sz="1200" baseline="-25000" dirty="0" smtClean="0"/>
-              <a:t>P</a:t>
-            </a:r>
-            <a:endParaRPr lang="en-GB" sz="1200" dirty="0"/>
-          </a:p>
-        </p:txBody>
-      </p:sp>
-      <p:sp>
-        <p:nvSpPr>
-          <p:cNvPr id="40" name="TextBox 39"/>
-          <p:cNvSpPr txBox="1"/>
-          <p:nvPr/>
-        </p:nvSpPr>
-        <p:spPr>
-          <a:xfrm>
-            <a:off x="7369880" y="2831151"/>
-            <a:ext cx="935664" cy="646331"/>
-          </a:xfrm>
-          <a:prstGeom prst="rect">
-            <a:avLst/>
-          </a:prstGeom>
-          <a:noFill/>
-        </p:spPr>
-        <p:txBody>
-          <a:bodyPr wrap="square" rtlCol="0">
-            <a:spAutoFit/>
-          </a:bodyPr>
-          <a:lstStyle/>
-          <a:p>
-            <a:pPr algn="ctr"/>
-            <a:r>
-              <a:rPr lang="en-GB" sz="1200" dirty="0" smtClean="0"/>
-              <a:t>Maternal Phenotype</a:t>
-            </a:r>
-          </a:p>
-          <a:p>
-            <a:pPr algn="ctr"/>
-            <a:r>
-              <a:rPr lang="en-GB" sz="1200" dirty="0" smtClean="0"/>
-              <a:t>Y</a:t>
-            </a:r>
-            <a:r>
-              <a:rPr lang="en-GB" sz="1200" baseline="-25000" dirty="0" smtClean="0"/>
-              <a:t>M</a:t>
-            </a:r>
-            <a:endParaRPr lang="en-GB" sz="1200" dirty="0"/>
+            <a:r>
+              <a:rPr lang="en-GB" sz="1500" b="1" i="1" dirty="0" smtClean="0"/>
+              <a:t>0.5</a:t>
+            </a:r>
+            <a:endParaRPr lang="en-GB" sz="1500" b="1" i="1" dirty="0"/>
           </a:p>
         </p:txBody>
       </p:sp>
     </p:spTree>
     <p:extLst>
       <p:ext uri="{BB962C8B-B14F-4D97-AF65-F5344CB8AC3E}">
-        <p14:creationId xmlns:p14="http://schemas.microsoft.com/office/powerpoint/2010/main" val="1525812785"/>
+        <p14:creationId xmlns:p14="http://schemas.microsoft.com/office/powerpoint/2010/main" val="4169425770"/>
       </p:ext>
     </p:extLst>
   </p:cSld>
@@ -4198,13 +5005,13 @@
       </p:grpSpPr>
       <p:sp>
         <p:nvSpPr>
-          <p:cNvPr id="12" name="TextBox 11"/>
+          <p:cNvPr id="2" name="TextBox 1"/>
           <p:cNvSpPr txBox="1"/>
           <p:nvPr/>
         </p:nvSpPr>
         <p:spPr>
           <a:xfrm>
-            <a:off x="4432661" y="2385450"/>
+            <a:off x="3979816" y="2654327"/>
             <a:ext cx="905692" cy="369332"/>
           </a:xfrm>
           <a:prstGeom prst="rect">
@@ -4228,13 +5035,13 @@
       </p:sp>
       <p:sp>
         <p:nvSpPr>
-          <p:cNvPr id="16" name="Rectangle 15"/>
+          <p:cNvPr id="3" name="Rectangle 2"/>
           <p:cNvSpPr/>
           <p:nvPr/>
         </p:nvSpPr>
         <p:spPr>
           <a:xfrm>
-            <a:off x="4354286" y="2283822"/>
+            <a:off x="3901441" y="2552699"/>
             <a:ext cx="870857" cy="572589"/>
           </a:xfrm>
           <a:prstGeom prst="rect">
@@ -4274,13 +5081,13 @@
       </p:sp>
       <p:sp>
         <p:nvSpPr>
-          <p:cNvPr id="17" name="Rectangle 16"/>
+          <p:cNvPr id="4" name="Rectangle 3"/>
           <p:cNvSpPr/>
           <p:nvPr/>
         </p:nvSpPr>
         <p:spPr>
           <a:xfrm>
-            <a:off x="4354285" y="3429000"/>
+            <a:off x="3901440" y="3697877"/>
             <a:ext cx="870857" cy="572589"/>
           </a:xfrm>
           <a:prstGeom prst="rect">
@@ -4320,13 +5127,13 @@
       </p:sp>
       <p:sp>
         <p:nvSpPr>
-          <p:cNvPr id="18" name="Rectangle 17"/>
+          <p:cNvPr id="5" name="Rectangle 4"/>
           <p:cNvSpPr/>
           <p:nvPr/>
         </p:nvSpPr>
         <p:spPr>
           <a:xfrm>
-            <a:off x="6096000" y="2856411"/>
+            <a:off x="5643155" y="3125288"/>
             <a:ext cx="870857" cy="572589"/>
           </a:xfrm>
           <a:prstGeom prst="rect">
@@ -4366,13 +5173,13 @@
       </p:sp>
       <p:sp>
         <p:nvSpPr>
-          <p:cNvPr id="20" name="Rectangle 19"/>
+          <p:cNvPr id="6" name="Rectangle 5"/>
           <p:cNvSpPr/>
           <p:nvPr/>
         </p:nvSpPr>
         <p:spPr>
           <a:xfrm>
-            <a:off x="7837713" y="2856410"/>
+            <a:off x="7384868" y="3125287"/>
             <a:ext cx="870857" cy="572589"/>
           </a:xfrm>
           <a:prstGeom prst="rect">
@@ -4412,13 +5219,13 @@
       </p:sp>
       <p:sp>
         <p:nvSpPr>
-          <p:cNvPr id="21" name="TextBox 20"/>
+          <p:cNvPr id="7" name="TextBox 6"/>
           <p:cNvSpPr txBox="1"/>
           <p:nvPr/>
         </p:nvSpPr>
         <p:spPr>
           <a:xfrm>
-            <a:off x="4432661" y="3530628"/>
+            <a:off x="3979816" y="3799505"/>
             <a:ext cx="905692" cy="369332"/>
           </a:xfrm>
           <a:prstGeom prst="rect">
@@ -4442,13 +5249,13 @@
       </p:sp>
       <p:sp>
         <p:nvSpPr>
-          <p:cNvPr id="22" name="TextBox 21"/>
+          <p:cNvPr id="8" name="TextBox 7"/>
           <p:cNvSpPr txBox="1"/>
           <p:nvPr/>
         </p:nvSpPr>
         <p:spPr>
           <a:xfrm>
-            <a:off x="6183083" y="2958038"/>
+            <a:off x="5730238" y="3226915"/>
             <a:ext cx="905692" cy="369332"/>
           </a:xfrm>
           <a:prstGeom prst="rect">
@@ -4472,13 +5279,13 @@
       </p:sp>
       <p:sp>
         <p:nvSpPr>
-          <p:cNvPr id="23" name="TextBox 22"/>
+          <p:cNvPr id="9" name="TextBox 8"/>
           <p:cNvSpPr txBox="1"/>
           <p:nvPr/>
         </p:nvSpPr>
         <p:spPr>
           <a:xfrm>
-            <a:off x="7820295" y="2958038"/>
+            <a:off x="7367450" y="3226915"/>
             <a:ext cx="905692" cy="369332"/>
           </a:xfrm>
           <a:prstGeom prst="rect">
@@ -4502,13 +5309,165 @@
       </p:sp>
       <p:sp>
         <p:nvSpPr>
-          <p:cNvPr id="2" name="Freeform 1"/>
+          <p:cNvPr id="10" name="Rectangle 9"/>
           <p:cNvSpPr/>
           <p:nvPr/>
         </p:nvSpPr>
         <p:spPr>
           <a:xfrm>
-            <a:off x="5338353" y="2615443"/>
+            <a:off x="5643154" y="1980110"/>
+            <a:ext cx="870857" cy="572589"/>
+          </a:xfrm>
+          <a:prstGeom prst="rect">
+            <a:avLst/>
+          </a:prstGeom>
+          <a:noFill/>
+          <a:ln w="28575">
+            <a:solidFill>
+              <a:schemeClr val="tx1"/>
+            </a:solidFill>
+          </a:ln>
+        </p:spPr>
+        <p:style>
+          <a:lnRef idx="2">
+            <a:schemeClr val="accent1">
+              <a:shade val="50000"/>
+            </a:schemeClr>
+          </a:lnRef>
+          <a:fillRef idx="1">
+            <a:schemeClr val="accent1"/>
+          </a:fillRef>
+          <a:effectRef idx="0">
+            <a:schemeClr val="accent1"/>
+          </a:effectRef>
+          <a:fontRef idx="minor">
+            <a:schemeClr val="lt1"/>
+          </a:fontRef>
+        </p:style>
+        <p:txBody>
+          <a:bodyPr rtlCol="0" anchor="ctr"/>
+          <a:lstStyle/>
+          <a:p>
+            <a:pPr algn="ctr"/>
+            <a:endParaRPr lang="en-GB"/>
+          </a:p>
+        </p:txBody>
+      </p:sp>
+      <p:sp>
+        <p:nvSpPr>
+          <p:cNvPr id="11" name="Rectangle 10"/>
+          <p:cNvSpPr/>
+          <p:nvPr/>
+        </p:nvSpPr>
+        <p:spPr>
+          <a:xfrm>
+            <a:off x="5643154" y="4270463"/>
+            <a:ext cx="870857" cy="572589"/>
+          </a:xfrm>
+          <a:prstGeom prst="rect">
+            <a:avLst/>
+          </a:prstGeom>
+          <a:noFill/>
+          <a:ln w="28575">
+            <a:solidFill>
+              <a:schemeClr val="tx1"/>
+            </a:solidFill>
+          </a:ln>
+        </p:spPr>
+        <p:style>
+          <a:lnRef idx="2">
+            <a:schemeClr val="accent1">
+              <a:shade val="50000"/>
+            </a:schemeClr>
+          </a:lnRef>
+          <a:fillRef idx="1">
+            <a:schemeClr val="accent1"/>
+          </a:fillRef>
+          <a:effectRef idx="0">
+            <a:schemeClr val="accent1"/>
+          </a:effectRef>
+          <a:fontRef idx="minor">
+            <a:schemeClr val="lt1"/>
+          </a:fontRef>
+        </p:style>
+        <p:txBody>
+          <a:bodyPr rtlCol="0" anchor="ctr"/>
+          <a:lstStyle/>
+          <a:p>
+            <a:pPr algn="ctr"/>
+            <a:endParaRPr lang="en-GB"/>
+          </a:p>
+        </p:txBody>
+      </p:sp>
+      <p:sp>
+        <p:nvSpPr>
+          <p:cNvPr id="12" name="TextBox 11"/>
+          <p:cNvSpPr txBox="1"/>
+          <p:nvPr/>
+        </p:nvSpPr>
+        <p:spPr>
+          <a:xfrm>
+            <a:off x="5608321" y="4372091"/>
+            <a:ext cx="992776" cy="369332"/>
+          </a:xfrm>
+          <a:prstGeom prst="rect">
+            <a:avLst/>
+          </a:prstGeom>
+          <a:noFill/>
+        </p:spPr>
+        <p:txBody>
+          <a:bodyPr wrap="square" rtlCol="0">
+            <a:spAutoFit/>
+          </a:bodyPr>
+          <a:lstStyle/>
+          <a:p>
+            <a:r>
+              <a:rPr lang="en-GB" dirty="0" smtClean="0"/>
+              <a:t>mPheno</a:t>
+            </a:r>
+            <a:endParaRPr lang="en-GB" dirty="0"/>
+          </a:p>
+        </p:txBody>
+      </p:sp>
+      <p:sp>
+        <p:nvSpPr>
+          <p:cNvPr id="13" name="TextBox 12"/>
+          <p:cNvSpPr txBox="1"/>
+          <p:nvPr/>
+        </p:nvSpPr>
+        <p:spPr>
+          <a:xfrm>
+            <a:off x="5643154" y="2081738"/>
+            <a:ext cx="905692" cy="369332"/>
+          </a:xfrm>
+          <a:prstGeom prst="rect">
+            <a:avLst/>
+          </a:prstGeom>
+          <a:noFill/>
+        </p:spPr>
+        <p:txBody>
+          <a:bodyPr wrap="square" rtlCol="0">
+            <a:spAutoFit/>
+          </a:bodyPr>
+          <a:lstStyle/>
+          <a:p>
+            <a:r>
+              <a:rPr lang="en-GB" smtClean="0"/>
+              <a:t>pPheno</a:t>
+            </a:r>
+            <a:endParaRPr lang="en-GB" dirty="0"/>
+          </a:p>
+        </p:txBody>
+      </p:sp>
+      <p:sp>
+        <p:nvSpPr>
+          <p:cNvPr id="14" name="Freeform 13"/>
+          <p:cNvSpPr/>
+          <p:nvPr/>
+        </p:nvSpPr>
+        <p:spPr>
+          <a:xfrm>
+            <a:off x="4915987" y="2874869"/>
             <a:ext cx="539931" cy="235132"/>
           </a:xfrm>
           <a:custGeom>
@@ -4577,13 +5536,13 @@
       </p:sp>
       <p:sp>
         <p:nvSpPr>
-          <p:cNvPr id="11" name="Freeform 10"/>
+          <p:cNvPr id="15" name="Freeform 14"/>
           <p:cNvSpPr/>
           <p:nvPr/>
         </p:nvSpPr>
         <p:spPr>
           <a:xfrm flipH="1">
-            <a:off x="5338353" y="3524792"/>
+            <a:off x="4915987" y="3784218"/>
             <a:ext cx="539931" cy="235132"/>
           </a:xfrm>
           <a:custGeom>
@@ -4652,13 +5611,13 @@
       </p:sp>
       <p:sp>
         <p:nvSpPr>
-          <p:cNvPr id="3" name="Freeform 2"/>
+          <p:cNvPr id="16" name="Freeform 15"/>
           <p:cNvSpPr/>
           <p:nvPr/>
         </p:nvSpPr>
         <p:spPr>
           <a:xfrm>
-            <a:off x="7106194" y="3152503"/>
+            <a:off x="6683828" y="3411929"/>
             <a:ext cx="522515" cy="12569"/>
           </a:xfrm>
           <a:custGeom>
@@ -4727,24 +5686,24 @@
       </p:sp>
       <p:sp>
         <p:nvSpPr>
-          <p:cNvPr id="4" name="Freeform 3"/>
+          <p:cNvPr id="19" name="Freeform 18"/>
           <p:cNvSpPr/>
           <p:nvPr/>
         </p:nvSpPr>
         <p:spPr>
           <a:xfrm>
-            <a:off x="5408023" y="2337978"/>
-            <a:ext cx="2246811" cy="300719"/>
+            <a:off x="5050971" y="2690949"/>
+            <a:ext cx="2151018" cy="383177"/>
           </a:xfrm>
           <a:custGeom>
             <a:avLst/>
             <a:gdLst>
-              <a:gd name="connsiteX0" fmla="*/ 0 w 2246811"/>
-              <a:gd name="connsiteY0" fmla="*/ 74296 h 300719"/>
-              <a:gd name="connsiteX1" fmla="*/ 1001486 w 2246811"/>
-              <a:gd name="connsiteY1" fmla="*/ 13336 h 300719"/>
-              <a:gd name="connsiteX2" fmla="*/ 2246811 w 2246811"/>
-              <a:gd name="connsiteY2" fmla="*/ 300719 h 300719"/>
+              <a:gd name="connsiteX0" fmla="*/ 0 w 2151018"/>
+              <a:gd name="connsiteY0" fmla="*/ 0 h 383177"/>
+              <a:gd name="connsiteX1" fmla="*/ 1105989 w 2151018"/>
+              <a:gd name="connsiteY1" fmla="*/ 78377 h 383177"/>
+              <a:gd name="connsiteX2" fmla="*/ 2151018 w 2151018"/>
+              <a:gd name="connsiteY2" fmla="*/ 383177 h 383177"/>
             </a:gdLst>
             <a:ahLst/>
             <a:cxnLst>
@@ -4760,19 +5719,19 @@
             </a:cxnLst>
             <a:rect l="l" t="t" r="r" b="b"/>
             <a:pathLst>
-              <a:path w="2246811" h="300719">
+              <a:path w="2151018" h="383177">
                 <a:moveTo>
-                  <a:pt x="0" y="74296"/>
+                  <a:pt x="0" y="0"/>
                 </a:moveTo>
                 <a:cubicBezTo>
-                  <a:pt x="313509" y="24947"/>
-                  <a:pt x="627018" y="-24401"/>
-                  <a:pt x="1001486" y="13336"/>
+                  <a:pt x="373743" y="7257"/>
+                  <a:pt x="747486" y="14514"/>
+                  <a:pt x="1105989" y="78377"/>
                 </a:cubicBezTo>
                 <a:cubicBezTo>
-                  <a:pt x="1375954" y="51073"/>
-                  <a:pt x="1811382" y="175896"/>
-                  <a:pt x="2246811" y="300719"/>
+                  <a:pt x="1464492" y="142240"/>
+                  <a:pt x="1807755" y="262708"/>
+                  <a:pt x="2151018" y="383177"/>
                 </a:cubicBezTo>
               </a:path>
             </a:pathLst>
@@ -4812,24 +5771,24 @@
       </p:sp>
       <p:sp>
         <p:nvSpPr>
-          <p:cNvPr id="14" name="Freeform 13"/>
+          <p:cNvPr id="20" name="Freeform 19"/>
           <p:cNvSpPr/>
           <p:nvPr/>
         </p:nvSpPr>
         <p:spPr>
           <a:xfrm flipV="1">
-            <a:off x="5408022" y="3708094"/>
-            <a:ext cx="2246811" cy="300719"/>
+            <a:off x="5046616" y="3762301"/>
+            <a:ext cx="2151018" cy="383177"/>
           </a:xfrm>
           <a:custGeom>
             <a:avLst/>
             <a:gdLst>
-              <a:gd name="connsiteX0" fmla="*/ 0 w 2246811"/>
-              <a:gd name="connsiteY0" fmla="*/ 74296 h 300719"/>
-              <a:gd name="connsiteX1" fmla="*/ 1001486 w 2246811"/>
-              <a:gd name="connsiteY1" fmla="*/ 13336 h 300719"/>
-              <a:gd name="connsiteX2" fmla="*/ 2246811 w 2246811"/>
-              <a:gd name="connsiteY2" fmla="*/ 300719 h 300719"/>
+              <a:gd name="connsiteX0" fmla="*/ 0 w 2151018"/>
+              <a:gd name="connsiteY0" fmla="*/ 0 h 383177"/>
+              <a:gd name="connsiteX1" fmla="*/ 1105989 w 2151018"/>
+              <a:gd name="connsiteY1" fmla="*/ 78377 h 383177"/>
+              <a:gd name="connsiteX2" fmla="*/ 2151018 w 2151018"/>
+              <a:gd name="connsiteY2" fmla="*/ 383177 h 383177"/>
             </a:gdLst>
             <a:ahLst/>
             <a:cxnLst>
@@ -4845,19 +5804,19 @@
             </a:cxnLst>
             <a:rect l="l" t="t" r="r" b="b"/>
             <a:pathLst>
-              <a:path w="2246811" h="300719">
+              <a:path w="2151018" h="383177">
                 <a:moveTo>
-                  <a:pt x="0" y="74296"/>
+                  <a:pt x="0" y="0"/>
                 </a:moveTo>
                 <a:cubicBezTo>
-                  <a:pt x="313509" y="24947"/>
-                  <a:pt x="627018" y="-24401"/>
-                  <a:pt x="1001486" y="13336"/>
+                  <a:pt x="373743" y="7257"/>
+                  <a:pt x="747486" y="14514"/>
+                  <a:pt x="1105989" y="78377"/>
                 </a:cubicBezTo>
                 <a:cubicBezTo>
-                  <a:pt x="1375954" y="51073"/>
-                  <a:pt x="1811382" y="175896"/>
-                  <a:pt x="2246811" y="300719"/>
+                  <a:pt x="1464492" y="142240"/>
+                  <a:pt x="1807755" y="262708"/>
+                  <a:pt x="2151018" y="383177"/>
                 </a:cubicBezTo>
               </a:path>
             </a:pathLst>
@@ -4897,14 +5856,354 @@
       </p:sp>
       <p:sp>
         <p:nvSpPr>
-          <p:cNvPr id="5" name="TextBox 4"/>
+          <p:cNvPr id="21" name="Freeform 20"/>
+          <p:cNvSpPr/>
+          <p:nvPr/>
+        </p:nvSpPr>
+        <p:spPr>
+          <a:xfrm>
+            <a:off x="4763589" y="2200825"/>
+            <a:ext cx="609600" cy="167906"/>
+          </a:xfrm>
+          <a:custGeom>
+            <a:avLst/>
+            <a:gdLst>
+              <a:gd name="connsiteX0" fmla="*/ 0 w 609600"/>
+              <a:gd name="connsiteY0" fmla="*/ 167906 h 167906"/>
+              <a:gd name="connsiteX1" fmla="*/ 339634 w 609600"/>
+              <a:gd name="connsiteY1" fmla="*/ 19861 h 167906"/>
+              <a:gd name="connsiteX2" fmla="*/ 609600 w 609600"/>
+              <a:gd name="connsiteY2" fmla="*/ 2444 h 167906"/>
+            </a:gdLst>
+            <a:ahLst/>
+            <a:cxnLst>
+              <a:cxn ang="0">
+                <a:pos x="connsiteX0" y="connsiteY0"/>
+              </a:cxn>
+              <a:cxn ang="0">
+                <a:pos x="connsiteX1" y="connsiteY1"/>
+              </a:cxn>
+              <a:cxn ang="0">
+                <a:pos x="connsiteX2" y="connsiteY2"/>
+              </a:cxn>
+            </a:cxnLst>
+            <a:rect l="l" t="t" r="r" b="b"/>
+            <a:pathLst>
+              <a:path w="609600" h="167906">
+                <a:moveTo>
+                  <a:pt x="0" y="167906"/>
+                </a:moveTo>
+                <a:cubicBezTo>
+                  <a:pt x="119017" y="107672"/>
+                  <a:pt x="238034" y="47438"/>
+                  <a:pt x="339634" y="19861"/>
+                </a:cubicBezTo>
+                <a:cubicBezTo>
+                  <a:pt x="441234" y="-7716"/>
+                  <a:pt x="547189" y="993"/>
+                  <a:pt x="609600" y="2444"/>
+                </a:cubicBezTo>
+              </a:path>
+            </a:pathLst>
+          </a:custGeom>
+          <a:noFill/>
+          <a:ln w="28575">
+            <a:solidFill>
+              <a:schemeClr val="tx1"/>
+            </a:solidFill>
+            <a:tailEnd type="triangle"/>
+          </a:ln>
+        </p:spPr>
+        <p:style>
+          <a:lnRef idx="2">
+            <a:schemeClr val="accent1">
+              <a:shade val="50000"/>
+            </a:schemeClr>
+          </a:lnRef>
+          <a:fillRef idx="1">
+            <a:schemeClr val="accent1"/>
+          </a:fillRef>
+          <a:effectRef idx="0">
+            <a:schemeClr val="accent1"/>
+          </a:effectRef>
+          <a:fontRef idx="minor">
+            <a:schemeClr val="lt1"/>
+          </a:fontRef>
+        </p:style>
+        <p:txBody>
+          <a:bodyPr rtlCol="0" anchor="ctr"/>
+          <a:lstStyle/>
+          <a:p>
+            <a:pPr algn="ctr"/>
+            <a:endParaRPr lang="en-GB"/>
+          </a:p>
+        </p:txBody>
+      </p:sp>
+      <p:sp>
+        <p:nvSpPr>
+          <p:cNvPr id="22" name="Freeform 21"/>
+          <p:cNvSpPr/>
+          <p:nvPr/>
+        </p:nvSpPr>
+        <p:spPr>
+          <a:xfrm flipV="1">
+            <a:off x="4763589" y="4435003"/>
+            <a:ext cx="609600" cy="167906"/>
+          </a:xfrm>
+          <a:custGeom>
+            <a:avLst/>
+            <a:gdLst>
+              <a:gd name="connsiteX0" fmla="*/ 0 w 609600"/>
+              <a:gd name="connsiteY0" fmla="*/ 167906 h 167906"/>
+              <a:gd name="connsiteX1" fmla="*/ 339634 w 609600"/>
+              <a:gd name="connsiteY1" fmla="*/ 19861 h 167906"/>
+              <a:gd name="connsiteX2" fmla="*/ 609600 w 609600"/>
+              <a:gd name="connsiteY2" fmla="*/ 2444 h 167906"/>
+            </a:gdLst>
+            <a:ahLst/>
+            <a:cxnLst>
+              <a:cxn ang="0">
+                <a:pos x="connsiteX0" y="connsiteY0"/>
+              </a:cxn>
+              <a:cxn ang="0">
+                <a:pos x="connsiteX1" y="connsiteY1"/>
+              </a:cxn>
+              <a:cxn ang="0">
+                <a:pos x="connsiteX2" y="connsiteY2"/>
+              </a:cxn>
+            </a:cxnLst>
+            <a:rect l="l" t="t" r="r" b="b"/>
+            <a:pathLst>
+              <a:path w="609600" h="167906">
+                <a:moveTo>
+                  <a:pt x="0" y="167906"/>
+                </a:moveTo>
+                <a:cubicBezTo>
+                  <a:pt x="119017" y="107672"/>
+                  <a:pt x="238034" y="47438"/>
+                  <a:pt x="339634" y="19861"/>
+                </a:cubicBezTo>
+                <a:cubicBezTo>
+                  <a:pt x="441234" y="-7716"/>
+                  <a:pt x="547189" y="993"/>
+                  <a:pt x="609600" y="2444"/>
+                </a:cubicBezTo>
+              </a:path>
+            </a:pathLst>
+          </a:custGeom>
+          <a:noFill/>
+          <a:ln w="28575">
+            <a:solidFill>
+              <a:schemeClr val="tx1"/>
+            </a:solidFill>
+            <a:tailEnd type="triangle"/>
+          </a:ln>
+        </p:spPr>
+        <p:style>
+          <a:lnRef idx="2">
+            <a:schemeClr val="accent1">
+              <a:shade val="50000"/>
+            </a:schemeClr>
+          </a:lnRef>
+          <a:fillRef idx="1">
+            <a:schemeClr val="accent1"/>
+          </a:fillRef>
+          <a:effectRef idx="0">
+            <a:schemeClr val="accent1"/>
+          </a:effectRef>
+          <a:fontRef idx="minor">
+            <a:schemeClr val="lt1"/>
+          </a:fontRef>
+        </p:style>
+        <p:txBody>
+          <a:bodyPr rtlCol="0" anchor="ctr"/>
+          <a:lstStyle/>
+          <a:p>
+            <a:pPr algn="ctr"/>
+            <a:endParaRPr lang="en-GB"/>
+          </a:p>
+        </p:txBody>
+      </p:sp>
+      <p:sp>
+        <p:nvSpPr>
+          <p:cNvPr id="23" name="Freeform 22"/>
+          <p:cNvSpPr/>
+          <p:nvPr/>
+        </p:nvSpPr>
+        <p:spPr>
+          <a:xfrm>
+            <a:off x="6731726" y="2307771"/>
+            <a:ext cx="687977" cy="513806"/>
+          </a:xfrm>
+          <a:custGeom>
+            <a:avLst/>
+            <a:gdLst>
+              <a:gd name="connsiteX0" fmla="*/ 0 w 687977"/>
+              <a:gd name="connsiteY0" fmla="*/ 0 h 513806"/>
+              <a:gd name="connsiteX1" fmla="*/ 418011 w 687977"/>
+              <a:gd name="connsiteY1" fmla="*/ 165463 h 513806"/>
+              <a:gd name="connsiteX2" fmla="*/ 687977 w 687977"/>
+              <a:gd name="connsiteY2" fmla="*/ 513806 h 513806"/>
+            </a:gdLst>
+            <a:ahLst/>
+            <a:cxnLst>
+              <a:cxn ang="0">
+                <a:pos x="connsiteX0" y="connsiteY0"/>
+              </a:cxn>
+              <a:cxn ang="0">
+                <a:pos x="connsiteX1" y="connsiteY1"/>
+              </a:cxn>
+              <a:cxn ang="0">
+                <a:pos x="connsiteX2" y="connsiteY2"/>
+              </a:cxn>
+            </a:cxnLst>
+            <a:rect l="l" t="t" r="r" b="b"/>
+            <a:pathLst>
+              <a:path w="687977" h="513806">
+                <a:moveTo>
+                  <a:pt x="0" y="0"/>
+                </a:moveTo>
+                <a:cubicBezTo>
+                  <a:pt x="151674" y="39914"/>
+                  <a:pt x="303348" y="79829"/>
+                  <a:pt x="418011" y="165463"/>
+                </a:cubicBezTo>
+                <a:cubicBezTo>
+                  <a:pt x="532674" y="251097"/>
+                  <a:pt x="610325" y="382451"/>
+                  <a:pt x="687977" y="513806"/>
+                </a:cubicBezTo>
+              </a:path>
+            </a:pathLst>
+          </a:custGeom>
+          <a:noFill/>
+          <a:ln w="28575">
+            <a:solidFill>
+              <a:schemeClr val="tx1"/>
+            </a:solidFill>
+            <a:tailEnd type="triangle"/>
+          </a:ln>
+        </p:spPr>
+        <p:style>
+          <a:lnRef idx="2">
+            <a:schemeClr val="accent1">
+              <a:shade val="50000"/>
+            </a:schemeClr>
+          </a:lnRef>
+          <a:fillRef idx="1">
+            <a:schemeClr val="accent1"/>
+          </a:fillRef>
+          <a:effectRef idx="0">
+            <a:schemeClr val="accent1"/>
+          </a:effectRef>
+          <a:fontRef idx="minor">
+            <a:schemeClr val="lt1"/>
+          </a:fontRef>
+        </p:style>
+        <p:txBody>
+          <a:bodyPr rtlCol="0" anchor="ctr"/>
+          <a:lstStyle/>
+          <a:p>
+            <a:pPr algn="ctr"/>
+            <a:endParaRPr lang="en-GB"/>
+          </a:p>
+        </p:txBody>
+      </p:sp>
+      <p:sp>
+        <p:nvSpPr>
+          <p:cNvPr id="24" name="Freeform 23"/>
+          <p:cNvSpPr/>
+          <p:nvPr/>
+        </p:nvSpPr>
+        <p:spPr>
+          <a:xfrm flipV="1">
+            <a:off x="6736078" y="3935090"/>
+            <a:ext cx="687977" cy="513806"/>
+          </a:xfrm>
+          <a:custGeom>
+            <a:avLst/>
+            <a:gdLst>
+              <a:gd name="connsiteX0" fmla="*/ 0 w 687977"/>
+              <a:gd name="connsiteY0" fmla="*/ 0 h 513806"/>
+              <a:gd name="connsiteX1" fmla="*/ 418011 w 687977"/>
+              <a:gd name="connsiteY1" fmla="*/ 165463 h 513806"/>
+              <a:gd name="connsiteX2" fmla="*/ 687977 w 687977"/>
+              <a:gd name="connsiteY2" fmla="*/ 513806 h 513806"/>
+            </a:gdLst>
+            <a:ahLst/>
+            <a:cxnLst>
+              <a:cxn ang="0">
+                <a:pos x="connsiteX0" y="connsiteY0"/>
+              </a:cxn>
+              <a:cxn ang="0">
+                <a:pos x="connsiteX1" y="connsiteY1"/>
+              </a:cxn>
+              <a:cxn ang="0">
+                <a:pos x="connsiteX2" y="connsiteY2"/>
+              </a:cxn>
+            </a:cxnLst>
+            <a:rect l="l" t="t" r="r" b="b"/>
+            <a:pathLst>
+              <a:path w="687977" h="513806">
+                <a:moveTo>
+                  <a:pt x="0" y="0"/>
+                </a:moveTo>
+                <a:cubicBezTo>
+                  <a:pt x="151674" y="39914"/>
+                  <a:pt x="303348" y="79829"/>
+                  <a:pt x="418011" y="165463"/>
+                </a:cubicBezTo>
+                <a:cubicBezTo>
+                  <a:pt x="532674" y="251097"/>
+                  <a:pt x="610325" y="382451"/>
+                  <a:pt x="687977" y="513806"/>
+                </a:cubicBezTo>
+              </a:path>
+            </a:pathLst>
+          </a:custGeom>
+          <a:noFill/>
+          <a:ln w="28575">
+            <a:solidFill>
+              <a:schemeClr val="tx1"/>
+            </a:solidFill>
+            <a:tailEnd type="triangle"/>
+          </a:ln>
+        </p:spPr>
+        <p:style>
+          <a:lnRef idx="2">
+            <a:schemeClr val="accent1">
+              <a:shade val="50000"/>
+            </a:schemeClr>
+          </a:lnRef>
+          <a:fillRef idx="1">
+            <a:schemeClr val="accent1"/>
+          </a:fillRef>
+          <a:effectRef idx="0">
+            <a:schemeClr val="accent1"/>
+          </a:effectRef>
+          <a:fontRef idx="minor">
+            <a:schemeClr val="lt1"/>
+          </a:fontRef>
+        </p:style>
+        <p:txBody>
+          <a:bodyPr rtlCol="0" anchor="ctr"/>
+          <a:lstStyle/>
+          <a:p>
+            <a:pPr algn="ctr"/>
+            <a:endParaRPr lang="en-GB"/>
+          </a:p>
+        </p:txBody>
+      </p:sp>
+      <p:sp>
+        <p:nvSpPr>
+          <p:cNvPr id="38" name="TextBox 37"/>
           <p:cNvSpPr txBox="1"/>
           <p:nvPr/>
         </p:nvSpPr>
         <p:spPr>
           <a:xfrm>
-            <a:off x="5338353" y="3278641"/>
-            <a:ext cx="826765" cy="323165"/>
+            <a:off x="4905731" y="2199122"/>
+            <a:ext cx="318411" cy="323165"/>
           </a:xfrm>
           <a:prstGeom prst="rect">
             <a:avLst/>
@@ -4918,22 +6217,21 @@
           <a:lstStyle/>
           <a:p>
             <a:r>
-              <a:rPr lang="en-GB" sz="1500" b="1" i="1" dirty="0" smtClean="0"/>
-              <a:t>0.5</a:t>
-            </a:r>
-            <a:endParaRPr lang="en-GB" sz="1500" b="1" i="1" dirty="0"/>
-          </a:p>
-        </p:txBody>
-      </p:sp>
-      <p:sp>
-        <p:nvSpPr>
-          <p:cNvPr id="19" name="TextBox 18"/>
+              <a:rPr lang="en-GB" sz="1500" b="1" dirty="0"/>
+              <a:t>d</a:t>
+            </a:r>
+          </a:p>
+        </p:txBody>
+      </p:sp>
+      <p:sp>
+        <p:nvSpPr>
+          <p:cNvPr id="39" name="TextBox 38"/>
           <p:cNvSpPr txBox="1"/>
           <p:nvPr/>
         </p:nvSpPr>
         <p:spPr>
           <a:xfrm>
-            <a:off x="6234787" y="3696870"/>
+            <a:off x="4905732" y="4263220"/>
             <a:ext cx="318411" cy="323165"/>
           </a:xfrm>
           <a:prstGeom prst="rect">
@@ -4949,20 +6247,20 @@
           <a:p>
             <a:r>
               <a:rPr lang="en-GB" sz="1500" b="1" dirty="0"/>
-              <a:t>c</a:t>
-            </a:r>
-          </a:p>
-        </p:txBody>
-      </p:sp>
-      <p:sp>
-        <p:nvSpPr>
-          <p:cNvPr id="24" name="TextBox 23"/>
+              <a:t>e</a:t>
+            </a:r>
+          </a:p>
+        </p:txBody>
+      </p:sp>
+      <p:sp>
+        <p:nvSpPr>
+          <p:cNvPr id="40" name="TextBox 39"/>
           <p:cNvSpPr txBox="1"/>
           <p:nvPr/>
         </p:nvSpPr>
         <p:spPr>
           <a:xfrm>
-            <a:off x="7208245" y="2850230"/>
+            <a:off x="6922040" y="2423938"/>
             <a:ext cx="318411" cy="323165"/>
           </a:xfrm>
           <a:prstGeom prst="rect">
@@ -4978,20 +6276,20 @@
           <a:p>
             <a:r>
               <a:rPr lang="en-GB" sz="1500" b="1" dirty="0"/>
-              <a:t>a</a:t>
-            </a:r>
-          </a:p>
-        </p:txBody>
-      </p:sp>
-      <p:sp>
-        <p:nvSpPr>
-          <p:cNvPr id="25" name="TextBox 24"/>
+              <a:t>f</a:t>
+            </a:r>
+          </a:p>
+        </p:txBody>
+      </p:sp>
+      <p:sp>
+        <p:nvSpPr>
+          <p:cNvPr id="41" name="TextBox 40"/>
           <p:cNvSpPr txBox="1"/>
           <p:nvPr/>
         </p:nvSpPr>
         <p:spPr>
           <a:xfrm>
-            <a:off x="6234787" y="2357552"/>
+            <a:off x="6922040" y="3961086"/>
             <a:ext cx="318411" cy="323165"/>
           </a:xfrm>
           <a:prstGeom prst="rect">
@@ -5007,21 +6305,21 @@
           <a:p>
             <a:r>
               <a:rPr lang="en-GB" sz="1500" b="1" dirty="0"/>
-              <a:t>b</a:t>
-            </a:r>
-          </a:p>
-        </p:txBody>
-      </p:sp>
-      <p:sp>
-        <p:nvSpPr>
-          <p:cNvPr id="26" name="TextBox 25"/>
+              <a:t>g</a:t>
+            </a:r>
+          </a:p>
+        </p:txBody>
+      </p:sp>
+      <p:sp>
+        <p:nvSpPr>
+          <p:cNvPr id="36" name="TextBox 35"/>
           <p:cNvSpPr txBox="1"/>
           <p:nvPr/>
         </p:nvSpPr>
         <p:spPr>
           <a:xfrm>
-            <a:off x="5343382" y="2742939"/>
-            <a:ext cx="788675" cy="323165"/>
+            <a:off x="5799356" y="3764014"/>
+            <a:ext cx="318411" cy="323165"/>
           </a:xfrm>
           <a:prstGeom prst="rect">
             <a:avLst/>
@@ -5035,6 +6333,123 @@
           <a:lstStyle/>
           <a:p>
             <a:r>
+              <a:rPr lang="en-GB" sz="1500" b="1" dirty="0"/>
+              <a:t>c</a:t>
+            </a:r>
+          </a:p>
+        </p:txBody>
+      </p:sp>
+      <p:sp>
+        <p:nvSpPr>
+          <p:cNvPr id="37" name="TextBox 36"/>
+          <p:cNvSpPr txBox="1"/>
+          <p:nvPr/>
+        </p:nvSpPr>
+        <p:spPr>
+          <a:xfrm>
+            <a:off x="6800166" y="3121322"/>
+            <a:ext cx="289838" cy="323165"/>
+          </a:xfrm>
+          <a:prstGeom prst="rect">
+            <a:avLst/>
+          </a:prstGeom>
+          <a:noFill/>
+        </p:spPr>
+        <p:txBody>
+          <a:bodyPr wrap="square" rtlCol="0">
+            <a:spAutoFit/>
+          </a:bodyPr>
+          <a:lstStyle/>
+          <a:p>
+            <a:r>
+              <a:rPr lang="en-GB" sz="1500" b="1" dirty="0"/>
+              <a:t>a</a:t>
+            </a:r>
+          </a:p>
+        </p:txBody>
+      </p:sp>
+      <p:sp>
+        <p:nvSpPr>
+          <p:cNvPr id="42" name="TextBox 41"/>
+          <p:cNvSpPr txBox="1"/>
+          <p:nvPr/>
+        </p:nvSpPr>
+        <p:spPr>
+          <a:xfrm>
+            <a:off x="5799356" y="2739875"/>
+            <a:ext cx="318411" cy="323165"/>
+          </a:xfrm>
+          <a:prstGeom prst="rect">
+            <a:avLst/>
+          </a:prstGeom>
+          <a:noFill/>
+        </p:spPr>
+        <p:txBody>
+          <a:bodyPr wrap="square" rtlCol="0">
+            <a:spAutoFit/>
+          </a:bodyPr>
+          <a:lstStyle/>
+          <a:p>
+            <a:r>
+              <a:rPr lang="en-GB" sz="1500" b="1" dirty="0"/>
+              <a:t>b</a:t>
+            </a:r>
+          </a:p>
+        </p:txBody>
+      </p:sp>
+      <p:sp>
+        <p:nvSpPr>
+          <p:cNvPr id="34" name="TextBox 33"/>
+          <p:cNvSpPr txBox="1"/>
+          <p:nvPr/>
+        </p:nvSpPr>
+        <p:spPr>
+          <a:xfrm>
+            <a:off x="4861557" y="3645390"/>
+            <a:ext cx="826765" cy="323165"/>
+          </a:xfrm>
+          <a:prstGeom prst="rect">
+            <a:avLst/>
+          </a:prstGeom>
+          <a:noFill/>
+        </p:spPr>
+        <p:txBody>
+          <a:bodyPr wrap="square" rtlCol="0">
+            <a:spAutoFit/>
+          </a:bodyPr>
+          <a:lstStyle/>
+          <a:p>
+            <a:r>
+              <a:rPr lang="en-GB" sz="1500" b="1" i="1" dirty="0" smtClean="0"/>
+              <a:t>0.5</a:t>
+            </a:r>
+            <a:endParaRPr lang="en-GB" sz="1500" b="1" i="1" dirty="0"/>
+          </a:p>
+        </p:txBody>
+      </p:sp>
+      <p:sp>
+        <p:nvSpPr>
+          <p:cNvPr id="44" name="TextBox 43"/>
+          <p:cNvSpPr txBox="1"/>
+          <p:nvPr/>
+        </p:nvSpPr>
+        <p:spPr>
+          <a:xfrm>
+            <a:off x="4880601" y="2986090"/>
+            <a:ext cx="788675" cy="323165"/>
+          </a:xfrm>
+          <a:prstGeom prst="rect">
+            <a:avLst/>
+          </a:prstGeom>
+          <a:noFill/>
+        </p:spPr>
+        <p:txBody>
+          <a:bodyPr wrap="square" rtlCol="0">
+            <a:spAutoFit/>
+          </a:bodyPr>
+          <a:lstStyle/>
+          <a:p>
+            <a:r>
               <a:rPr lang="en-GB" sz="1500" b="1" i="1" dirty="0" smtClean="0"/>
               <a:t>0.5</a:t>
             </a:r>
@@ -5045,7 +6460,7 @@
     </p:spTree>
     <p:extLst>
       <p:ext uri="{BB962C8B-B14F-4D97-AF65-F5344CB8AC3E}">
-        <p14:creationId xmlns:p14="http://schemas.microsoft.com/office/powerpoint/2010/main" val="4169425770"/>
+        <p14:creationId xmlns:p14="http://schemas.microsoft.com/office/powerpoint/2010/main" val="2987083085"/>
       </p:ext>
     </p:extLst>
   </p:cSld>
@@ -5074,13 +6489,13 @@
       </p:grpSpPr>
       <p:sp>
         <p:nvSpPr>
-          <p:cNvPr id="2" name="TextBox 1"/>
+          <p:cNvPr id="3" name="TextBox 2"/>
           <p:cNvSpPr txBox="1"/>
           <p:nvPr/>
         </p:nvSpPr>
         <p:spPr>
           <a:xfrm>
-            <a:off x="3979816" y="2654327"/>
+            <a:off x="1236616" y="2671744"/>
             <a:ext cx="905692" cy="369332"/>
           </a:xfrm>
           <a:prstGeom prst="rect">
@@ -5104,13 +6519,13 @@
       </p:sp>
       <p:sp>
         <p:nvSpPr>
-          <p:cNvPr id="3" name="Rectangle 2"/>
+          <p:cNvPr id="4" name="Rectangle 3"/>
           <p:cNvSpPr/>
           <p:nvPr/>
         </p:nvSpPr>
         <p:spPr>
           <a:xfrm>
-            <a:off x="3901441" y="2552699"/>
+            <a:off x="1158241" y="2570116"/>
             <a:ext cx="870857" cy="572589"/>
           </a:xfrm>
           <a:prstGeom prst="rect">
@@ -5150,13 +6565,13 @@
       </p:sp>
       <p:sp>
         <p:nvSpPr>
-          <p:cNvPr id="4" name="Rectangle 3"/>
+          <p:cNvPr id="5" name="Rectangle 4"/>
           <p:cNvSpPr/>
           <p:nvPr/>
         </p:nvSpPr>
         <p:spPr>
           <a:xfrm>
-            <a:off x="3901440" y="3697877"/>
+            <a:off x="1158240" y="3715294"/>
             <a:ext cx="870857" cy="572589"/>
           </a:xfrm>
           <a:prstGeom prst="rect">
@@ -5196,13 +6611,13 @@
       </p:sp>
       <p:sp>
         <p:nvSpPr>
-          <p:cNvPr id="5" name="Rectangle 4"/>
+          <p:cNvPr id="6" name="Rectangle 5"/>
           <p:cNvSpPr/>
           <p:nvPr/>
         </p:nvSpPr>
         <p:spPr>
           <a:xfrm>
-            <a:off x="5643155" y="3125288"/>
+            <a:off x="2899955" y="3142705"/>
             <a:ext cx="870857" cy="572589"/>
           </a:xfrm>
           <a:prstGeom prst="rect">
@@ -5242,13 +6657,13 @@
       </p:sp>
       <p:sp>
         <p:nvSpPr>
-          <p:cNvPr id="6" name="Rectangle 5"/>
+          <p:cNvPr id="7" name="Rectangle 6"/>
           <p:cNvSpPr/>
           <p:nvPr/>
         </p:nvSpPr>
         <p:spPr>
           <a:xfrm>
-            <a:off x="7384868" y="3125287"/>
+            <a:off x="4641668" y="3142704"/>
             <a:ext cx="870857" cy="572589"/>
           </a:xfrm>
           <a:prstGeom prst="rect">
@@ -5288,13 +6703,13 @@
       </p:sp>
       <p:sp>
         <p:nvSpPr>
-          <p:cNvPr id="7" name="TextBox 6"/>
+          <p:cNvPr id="8" name="TextBox 7"/>
           <p:cNvSpPr txBox="1"/>
           <p:nvPr/>
         </p:nvSpPr>
         <p:spPr>
           <a:xfrm>
-            <a:off x="3979816" y="3799505"/>
+            <a:off x="1236616" y="3816922"/>
             <a:ext cx="905692" cy="369332"/>
           </a:xfrm>
           <a:prstGeom prst="rect">
@@ -5318,13 +6733,13 @@
       </p:sp>
       <p:sp>
         <p:nvSpPr>
-          <p:cNvPr id="8" name="TextBox 7"/>
+          <p:cNvPr id="9" name="TextBox 8"/>
           <p:cNvSpPr txBox="1"/>
           <p:nvPr/>
         </p:nvSpPr>
         <p:spPr>
           <a:xfrm>
-            <a:off x="5730238" y="3226915"/>
+            <a:off x="2987038" y="3244332"/>
             <a:ext cx="905692" cy="369332"/>
           </a:xfrm>
           <a:prstGeom prst="rect">
@@ -5348,13 +6763,13 @@
       </p:sp>
       <p:sp>
         <p:nvSpPr>
-          <p:cNvPr id="9" name="TextBox 8"/>
+          <p:cNvPr id="10" name="TextBox 9"/>
           <p:cNvSpPr txBox="1"/>
           <p:nvPr/>
         </p:nvSpPr>
         <p:spPr>
           <a:xfrm>
-            <a:off x="7367450" y="3226915"/>
+            <a:off x="4624250" y="3244332"/>
             <a:ext cx="905692" cy="369332"/>
           </a:xfrm>
           <a:prstGeom prst="rect">
@@ -5378,13 +6793,43 @@
       </p:sp>
       <p:sp>
         <p:nvSpPr>
-          <p:cNvPr id="10" name="Rectangle 9"/>
+          <p:cNvPr id="11" name="TextBox 10"/>
+          <p:cNvSpPr txBox="1"/>
+          <p:nvPr/>
+        </p:nvSpPr>
+        <p:spPr>
+          <a:xfrm>
+            <a:off x="7062649" y="2671744"/>
+            <a:ext cx="905692" cy="369332"/>
+          </a:xfrm>
+          <a:prstGeom prst="rect">
+            <a:avLst/>
+          </a:prstGeom>
+          <a:noFill/>
+        </p:spPr>
+        <p:txBody>
+          <a:bodyPr wrap="square" rtlCol="0">
+            <a:spAutoFit/>
+          </a:bodyPr>
+          <a:lstStyle/>
+          <a:p>
+            <a:r>
+              <a:rPr lang="en-GB" dirty="0" smtClean="0"/>
+              <a:t>pPGS</a:t>
+            </a:r>
+            <a:endParaRPr lang="en-GB" dirty="0"/>
+          </a:p>
+        </p:txBody>
+      </p:sp>
+      <p:sp>
+        <p:nvSpPr>
+          <p:cNvPr id="12" name="Rectangle 11"/>
           <p:cNvSpPr/>
           <p:nvPr/>
         </p:nvSpPr>
         <p:spPr>
           <a:xfrm>
-            <a:off x="5643154" y="1980110"/>
+            <a:off x="6984274" y="2570116"/>
             <a:ext cx="870857" cy="572589"/>
           </a:xfrm>
           <a:prstGeom prst="rect">
@@ -5424,13 +6869,13 @@
       </p:sp>
       <p:sp>
         <p:nvSpPr>
-          <p:cNvPr id="11" name="Rectangle 10"/>
+          <p:cNvPr id="13" name="Rectangle 12"/>
           <p:cNvSpPr/>
           <p:nvPr/>
         </p:nvSpPr>
         <p:spPr>
           <a:xfrm>
-            <a:off x="5643154" y="4270463"/>
+            <a:off x="6984273" y="3715294"/>
             <a:ext cx="870857" cy="572589"/>
           </a:xfrm>
           <a:prstGeom prst="rect">
@@ -5470,14 +6915,106 @@
       </p:sp>
       <p:sp>
         <p:nvSpPr>
-          <p:cNvPr id="12" name="TextBox 11"/>
+          <p:cNvPr id="14" name="Rectangle 13"/>
+          <p:cNvSpPr/>
+          <p:nvPr/>
+        </p:nvSpPr>
+        <p:spPr>
+          <a:xfrm>
+            <a:off x="8725988" y="3142705"/>
+            <a:ext cx="870857" cy="572589"/>
+          </a:xfrm>
+          <a:prstGeom prst="rect">
+            <a:avLst/>
+          </a:prstGeom>
+          <a:noFill/>
+          <a:ln w="28575">
+            <a:solidFill>
+              <a:schemeClr val="tx1"/>
+            </a:solidFill>
+          </a:ln>
+        </p:spPr>
+        <p:style>
+          <a:lnRef idx="2">
+            <a:schemeClr val="accent1">
+              <a:shade val="50000"/>
+            </a:schemeClr>
+          </a:lnRef>
+          <a:fillRef idx="1">
+            <a:schemeClr val="accent1"/>
+          </a:fillRef>
+          <a:effectRef idx="0">
+            <a:schemeClr val="accent1"/>
+          </a:effectRef>
+          <a:fontRef idx="minor">
+            <a:schemeClr val="lt1"/>
+          </a:fontRef>
+        </p:style>
+        <p:txBody>
+          <a:bodyPr rtlCol="0" anchor="ctr"/>
+          <a:lstStyle/>
+          <a:p>
+            <a:pPr algn="ctr"/>
+            <a:endParaRPr lang="en-GB"/>
+          </a:p>
+        </p:txBody>
+      </p:sp>
+      <p:sp>
+        <p:nvSpPr>
+          <p:cNvPr id="15" name="Rectangle 14"/>
+          <p:cNvSpPr/>
+          <p:nvPr/>
+        </p:nvSpPr>
+        <p:spPr>
+          <a:xfrm>
+            <a:off x="10467701" y="3142704"/>
+            <a:ext cx="870857" cy="572589"/>
+          </a:xfrm>
+          <a:prstGeom prst="rect">
+            <a:avLst/>
+          </a:prstGeom>
+          <a:noFill/>
+          <a:ln w="28575">
+            <a:solidFill>
+              <a:schemeClr val="tx1"/>
+            </a:solidFill>
+          </a:ln>
+        </p:spPr>
+        <p:style>
+          <a:lnRef idx="2">
+            <a:schemeClr val="accent1">
+              <a:shade val="50000"/>
+            </a:schemeClr>
+          </a:lnRef>
+          <a:fillRef idx="1">
+            <a:schemeClr val="accent1"/>
+          </a:fillRef>
+          <a:effectRef idx="0">
+            <a:schemeClr val="accent1"/>
+          </a:effectRef>
+          <a:fontRef idx="minor">
+            <a:schemeClr val="lt1"/>
+          </a:fontRef>
+        </p:style>
+        <p:txBody>
+          <a:bodyPr rtlCol="0" anchor="ctr"/>
+          <a:lstStyle/>
+          <a:p>
+            <a:pPr algn="ctr"/>
+            <a:endParaRPr lang="en-GB"/>
+          </a:p>
+        </p:txBody>
+      </p:sp>
+      <p:sp>
+        <p:nvSpPr>
+          <p:cNvPr id="16" name="TextBox 15"/>
           <p:cNvSpPr txBox="1"/>
           <p:nvPr/>
         </p:nvSpPr>
         <p:spPr>
           <a:xfrm>
-            <a:off x="5608321" y="4372091"/>
-            <a:ext cx="992776" cy="369332"/>
+            <a:off x="7062649" y="3816922"/>
+            <a:ext cx="905692" cy="369332"/>
           </a:xfrm>
           <a:prstGeom prst="rect">
             <a:avLst/>
@@ -5492,7 +7029,7 @@
           <a:p>
             <a:r>
               <a:rPr lang="en-GB" dirty="0" smtClean="0"/>
-              <a:t>mPheno</a:t>
+              <a:t>mPGS</a:t>
             </a:r>
             <a:endParaRPr lang="en-GB" dirty="0"/>
           </a:p>
@@ -5500,13 +7037,13 @@
       </p:sp>
       <p:sp>
         <p:nvSpPr>
-          <p:cNvPr id="13" name="TextBox 12"/>
+          <p:cNvPr id="17" name="TextBox 16"/>
           <p:cNvSpPr txBox="1"/>
           <p:nvPr/>
         </p:nvSpPr>
         <p:spPr>
           <a:xfrm>
-            <a:off x="5643154" y="2081738"/>
+            <a:off x="8813071" y="3244332"/>
             <a:ext cx="905692" cy="369332"/>
           </a:xfrm>
           <a:prstGeom prst="rect">
@@ -5521,6 +7058,191 @@
           <a:lstStyle/>
           <a:p>
             <a:r>
+              <a:rPr lang="en-GB" dirty="0" smtClean="0"/>
+              <a:t>oPGS</a:t>
+            </a:r>
+            <a:endParaRPr lang="en-GB" dirty="0"/>
+          </a:p>
+        </p:txBody>
+      </p:sp>
+      <p:sp>
+        <p:nvSpPr>
+          <p:cNvPr id="18" name="TextBox 17"/>
+          <p:cNvSpPr txBox="1"/>
+          <p:nvPr/>
+        </p:nvSpPr>
+        <p:spPr>
+          <a:xfrm>
+            <a:off x="10450283" y="3244332"/>
+            <a:ext cx="905692" cy="369332"/>
+          </a:xfrm>
+          <a:prstGeom prst="rect">
+            <a:avLst/>
+          </a:prstGeom>
+          <a:noFill/>
+        </p:spPr>
+        <p:txBody>
+          <a:bodyPr wrap="square" rtlCol="0">
+            <a:spAutoFit/>
+          </a:bodyPr>
+          <a:lstStyle/>
+          <a:p>
+            <a:r>
+              <a:rPr lang="en-GB" dirty="0" smtClean="0"/>
+              <a:t>oPheno</a:t>
+            </a:r>
+            <a:endParaRPr lang="en-GB" dirty="0"/>
+          </a:p>
+        </p:txBody>
+      </p:sp>
+      <p:sp>
+        <p:nvSpPr>
+          <p:cNvPr id="20" name="Rectangle 19"/>
+          <p:cNvSpPr/>
+          <p:nvPr/>
+        </p:nvSpPr>
+        <p:spPr>
+          <a:xfrm>
+            <a:off x="8725987" y="1997527"/>
+            <a:ext cx="870857" cy="572589"/>
+          </a:xfrm>
+          <a:prstGeom prst="rect">
+            <a:avLst/>
+          </a:prstGeom>
+          <a:noFill/>
+          <a:ln w="28575">
+            <a:solidFill>
+              <a:schemeClr val="tx1"/>
+            </a:solidFill>
+          </a:ln>
+        </p:spPr>
+        <p:style>
+          <a:lnRef idx="2">
+            <a:schemeClr val="accent1">
+              <a:shade val="50000"/>
+            </a:schemeClr>
+          </a:lnRef>
+          <a:fillRef idx="1">
+            <a:schemeClr val="accent1"/>
+          </a:fillRef>
+          <a:effectRef idx="0">
+            <a:schemeClr val="accent1"/>
+          </a:effectRef>
+          <a:fontRef idx="minor">
+            <a:schemeClr val="lt1"/>
+          </a:fontRef>
+        </p:style>
+        <p:txBody>
+          <a:bodyPr rtlCol="0" anchor="ctr"/>
+          <a:lstStyle/>
+          <a:p>
+            <a:pPr algn="ctr"/>
+            <a:endParaRPr lang="en-GB"/>
+          </a:p>
+        </p:txBody>
+      </p:sp>
+      <p:sp>
+        <p:nvSpPr>
+          <p:cNvPr id="22" name="Rectangle 21"/>
+          <p:cNvSpPr/>
+          <p:nvPr/>
+        </p:nvSpPr>
+        <p:spPr>
+          <a:xfrm>
+            <a:off x="8725987" y="4287880"/>
+            <a:ext cx="870857" cy="572589"/>
+          </a:xfrm>
+          <a:prstGeom prst="rect">
+            <a:avLst/>
+          </a:prstGeom>
+          <a:noFill/>
+          <a:ln w="28575">
+            <a:solidFill>
+              <a:schemeClr val="tx1"/>
+            </a:solidFill>
+          </a:ln>
+        </p:spPr>
+        <p:style>
+          <a:lnRef idx="2">
+            <a:schemeClr val="accent1">
+              <a:shade val="50000"/>
+            </a:schemeClr>
+          </a:lnRef>
+          <a:fillRef idx="1">
+            <a:schemeClr val="accent1"/>
+          </a:fillRef>
+          <a:effectRef idx="0">
+            <a:schemeClr val="accent1"/>
+          </a:effectRef>
+          <a:fontRef idx="minor">
+            <a:schemeClr val="lt1"/>
+          </a:fontRef>
+        </p:style>
+        <p:txBody>
+          <a:bodyPr rtlCol="0" anchor="ctr"/>
+          <a:lstStyle/>
+          <a:p>
+            <a:pPr algn="ctr"/>
+            <a:endParaRPr lang="en-GB"/>
+          </a:p>
+        </p:txBody>
+      </p:sp>
+      <p:sp>
+        <p:nvSpPr>
+          <p:cNvPr id="23" name="TextBox 22"/>
+          <p:cNvSpPr txBox="1"/>
+          <p:nvPr/>
+        </p:nvSpPr>
+        <p:spPr>
+          <a:xfrm>
+            <a:off x="8691154" y="4389508"/>
+            <a:ext cx="992776" cy="369332"/>
+          </a:xfrm>
+          <a:prstGeom prst="rect">
+            <a:avLst/>
+          </a:prstGeom>
+          <a:noFill/>
+          <a:ln w="28575">
+            <a:noFill/>
+          </a:ln>
+        </p:spPr>
+        <p:txBody>
+          <a:bodyPr wrap="square" rtlCol="0">
+            <a:spAutoFit/>
+          </a:bodyPr>
+          <a:lstStyle/>
+          <a:p>
+            <a:r>
+              <a:rPr lang="en-GB" dirty="0" smtClean="0"/>
+              <a:t>mPheno</a:t>
+            </a:r>
+            <a:endParaRPr lang="en-GB" dirty="0"/>
+          </a:p>
+        </p:txBody>
+      </p:sp>
+      <p:sp>
+        <p:nvSpPr>
+          <p:cNvPr id="24" name="TextBox 23"/>
+          <p:cNvSpPr txBox="1"/>
+          <p:nvPr/>
+        </p:nvSpPr>
+        <p:spPr>
+          <a:xfrm>
+            <a:off x="8725987" y="2099155"/>
+            <a:ext cx="905692" cy="369332"/>
+          </a:xfrm>
+          <a:prstGeom prst="rect">
+            <a:avLst/>
+          </a:prstGeom>
+          <a:noFill/>
+        </p:spPr>
+        <p:txBody>
+          <a:bodyPr wrap="square" rtlCol="0">
+            <a:spAutoFit/>
+          </a:bodyPr>
+          <a:lstStyle/>
+          <a:p>
+            <a:r>
               <a:rPr lang="en-GB" smtClean="0"/>
               <a:t>pPheno</a:t>
             </a:r>
@@ -5530,13 +7252,13 @@
       </p:sp>
       <p:sp>
         <p:nvSpPr>
-          <p:cNvPr id="14" name="Freeform 13"/>
+          <p:cNvPr id="25" name="Freeform 24"/>
           <p:cNvSpPr/>
           <p:nvPr/>
         </p:nvSpPr>
         <p:spPr>
           <a:xfrm>
-            <a:off x="4915987" y="2874869"/>
+            <a:off x="8068488" y="2894504"/>
             <a:ext cx="539931" cy="235132"/>
           </a:xfrm>
           <a:custGeom>
@@ -5605,13 +7327,13 @@
       </p:sp>
       <p:sp>
         <p:nvSpPr>
-          <p:cNvPr id="15" name="Freeform 14"/>
+          <p:cNvPr id="26" name="Freeform 25"/>
           <p:cNvSpPr/>
           <p:nvPr/>
         </p:nvSpPr>
         <p:spPr>
           <a:xfrm flipH="1">
-            <a:off x="4915987" y="3784218"/>
+            <a:off x="8068488" y="3803853"/>
             <a:ext cx="539931" cy="235132"/>
           </a:xfrm>
           <a:custGeom>
@@ -5680,13 +7402,13 @@
       </p:sp>
       <p:sp>
         <p:nvSpPr>
-          <p:cNvPr id="16" name="Freeform 15"/>
+          <p:cNvPr id="27" name="Freeform 26"/>
           <p:cNvSpPr/>
           <p:nvPr/>
         </p:nvSpPr>
         <p:spPr>
           <a:xfrm>
-            <a:off x="6683828" y="3411929"/>
+            <a:off x="9836329" y="3431564"/>
             <a:ext cx="522515" cy="12569"/>
           </a:xfrm>
           <a:custGeom>
@@ -5755,13 +7477,13 @@
       </p:sp>
       <p:sp>
         <p:nvSpPr>
-          <p:cNvPr id="19" name="Freeform 18"/>
+          <p:cNvPr id="28" name="Freeform 27"/>
           <p:cNvSpPr/>
           <p:nvPr/>
         </p:nvSpPr>
         <p:spPr>
           <a:xfrm>
-            <a:off x="5050971" y="2690949"/>
+            <a:off x="8203472" y="2710584"/>
             <a:ext cx="2151018" cy="383177"/>
           </a:xfrm>
           <a:custGeom>
@@ -5840,13 +7562,13 @@
       </p:sp>
       <p:sp>
         <p:nvSpPr>
-          <p:cNvPr id="20" name="Freeform 19"/>
+          <p:cNvPr id="29" name="Freeform 28"/>
           <p:cNvSpPr/>
           <p:nvPr/>
         </p:nvSpPr>
         <p:spPr>
           <a:xfrm flipV="1">
-            <a:off x="5046616" y="3762301"/>
+            <a:off x="8199117" y="3781936"/>
             <a:ext cx="2151018" cy="383177"/>
           </a:xfrm>
           <a:custGeom>
@@ -5925,13 +7647,13 @@
       </p:sp>
       <p:sp>
         <p:nvSpPr>
-          <p:cNvPr id="21" name="Freeform 20"/>
+          <p:cNvPr id="30" name="Freeform 29"/>
           <p:cNvSpPr/>
           <p:nvPr/>
         </p:nvSpPr>
         <p:spPr>
           <a:xfrm>
-            <a:off x="4763589" y="2200825"/>
+            <a:off x="7916090" y="2220460"/>
             <a:ext cx="609600" cy="167906"/>
           </a:xfrm>
           <a:custGeom>
@@ -6010,13 +7732,13 @@
       </p:sp>
       <p:sp>
         <p:nvSpPr>
-          <p:cNvPr id="22" name="Freeform 21"/>
+          <p:cNvPr id="31" name="Freeform 30"/>
           <p:cNvSpPr/>
           <p:nvPr/>
         </p:nvSpPr>
         <p:spPr>
           <a:xfrm flipV="1">
-            <a:off x="4763589" y="4435003"/>
+            <a:off x="7916090" y="4454638"/>
             <a:ext cx="609600" cy="167906"/>
           </a:xfrm>
           <a:custGeom>
@@ -6095,13 +7817,13 @@
       </p:sp>
       <p:sp>
         <p:nvSpPr>
-          <p:cNvPr id="23" name="Freeform 22"/>
+          <p:cNvPr id="32" name="Freeform 31"/>
           <p:cNvSpPr/>
           <p:nvPr/>
         </p:nvSpPr>
         <p:spPr>
           <a:xfrm>
-            <a:off x="6731726" y="2307771"/>
+            <a:off x="9884227" y="2327406"/>
             <a:ext cx="687977" cy="513806"/>
           </a:xfrm>
           <a:custGeom>
@@ -6180,13 +7902,13 @@
       </p:sp>
       <p:sp>
         <p:nvSpPr>
-          <p:cNvPr id="24" name="Freeform 23"/>
+          <p:cNvPr id="33" name="Freeform 32"/>
           <p:cNvSpPr/>
           <p:nvPr/>
         </p:nvSpPr>
         <p:spPr>
           <a:xfrm flipV="1">
-            <a:off x="6736078" y="3935090"/>
+            <a:off x="9888579" y="3954725"/>
             <a:ext cx="687977" cy="513806"/>
           </a:xfrm>
           <a:custGeom>
@@ -6265,13 +7987,408 @@
       </p:sp>
       <p:sp>
         <p:nvSpPr>
-          <p:cNvPr id="38" name="TextBox 37"/>
+          <p:cNvPr id="34" name="Freeform 33"/>
+          <p:cNvSpPr/>
+          <p:nvPr/>
+        </p:nvSpPr>
+        <p:spPr>
+          <a:xfrm>
+            <a:off x="2175778" y="2887193"/>
+            <a:ext cx="539931" cy="235132"/>
+          </a:xfrm>
+          <a:custGeom>
+            <a:avLst/>
+            <a:gdLst>
+              <a:gd name="connsiteX0" fmla="*/ 0 w 539931"/>
+              <a:gd name="connsiteY0" fmla="*/ 0 h 235132"/>
+              <a:gd name="connsiteX1" fmla="*/ 539931 w 539931"/>
+              <a:gd name="connsiteY1" fmla="*/ 235132 h 235132"/>
+            </a:gdLst>
+            <a:ahLst/>
+            <a:cxnLst>
+              <a:cxn ang="0">
+                <a:pos x="connsiteX0" y="connsiteY0"/>
+              </a:cxn>
+              <a:cxn ang="0">
+                <a:pos x="connsiteX1" y="connsiteY1"/>
+              </a:cxn>
+            </a:cxnLst>
+            <a:rect l="l" t="t" r="r" b="b"/>
+            <a:pathLst>
+              <a:path w="539931" h="235132">
+                <a:moveTo>
+                  <a:pt x="0" y="0"/>
+                </a:moveTo>
+                <a:cubicBezTo>
+                  <a:pt x="204651" y="98697"/>
+                  <a:pt x="409303" y="197395"/>
+                  <a:pt x="539931" y="235132"/>
+                </a:cubicBezTo>
+              </a:path>
+            </a:pathLst>
+          </a:custGeom>
+          <a:noFill/>
+          <a:ln w="28575">
+            <a:solidFill>
+              <a:schemeClr val="tx1"/>
+            </a:solidFill>
+            <a:tailEnd type="triangle"/>
+          </a:ln>
+        </p:spPr>
+        <p:style>
+          <a:lnRef idx="2">
+            <a:schemeClr val="accent1">
+              <a:shade val="50000"/>
+            </a:schemeClr>
+          </a:lnRef>
+          <a:fillRef idx="1">
+            <a:schemeClr val="accent1"/>
+          </a:fillRef>
+          <a:effectRef idx="0">
+            <a:schemeClr val="accent1"/>
+          </a:effectRef>
+          <a:fontRef idx="minor">
+            <a:schemeClr val="lt1"/>
+          </a:fontRef>
+        </p:style>
+        <p:txBody>
+          <a:bodyPr rtlCol="0" anchor="ctr"/>
+          <a:lstStyle/>
+          <a:p>
+            <a:pPr algn="ctr"/>
+            <a:endParaRPr lang="en-GB"/>
+          </a:p>
+        </p:txBody>
+      </p:sp>
+      <p:sp>
+        <p:nvSpPr>
+          <p:cNvPr id="35" name="Freeform 34"/>
+          <p:cNvSpPr/>
+          <p:nvPr/>
+        </p:nvSpPr>
+        <p:spPr>
+          <a:xfrm flipH="1">
+            <a:off x="2175778" y="3796542"/>
+            <a:ext cx="539931" cy="235132"/>
+          </a:xfrm>
+          <a:custGeom>
+            <a:avLst/>
+            <a:gdLst>
+              <a:gd name="connsiteX0" fmla="*/ 0 w 539931"/>
+              <a:gd name="connsiteY0" fmla="*/ 0 h 235132"/>
+              <a:gd name="connsiteX1" fmla="*/ 539931 w 539931"/>
+              <a:gd name="connsiteY1" fmla="*/ 235132 h 235132"/>
+            </a:gdLst>
+            <a:ahLst/>
+            <a:cxnLst>
+              <a:cxn ang="0">
+                <a:pos x="connsiteX0" y="connsiteY0"/>
+              </a:cxn>
+              <a:cxn ang="0">
+                <a:pos x="connsiteX1" y="connsiteY1"/>
+              </a:cxn>
+            </a:cxnLst>
+            <a:rect l="l" t="t" r="r" b="b"/>
+            <a:pathLst>
+              <a:path w="539931" h="235132">
+                <a:moveTo>
+                  <a:pt x="0" y="0"/>
+                </a:moveTo>
+                <a:cubicBezTo>
+                  <a:pt x="204651" y="98697"/>
+                  <a:pt x="409303" y="197395"/>
+                  <a:pt x="539931" y="235132"/>
+                </a:cubicBezTo>
+              </a:path>
+            </a:pathLst>
+          </a:custGeom>
+          <a:noFill/>
+          <a:ln w="28575">
+            <a:solidFill>
+              <a:schemeClr val="tx1"/>
+            </a:solidFill>
+            <a:headEnd type="triangle"/>
+          </a:ln>
+        </p:spPr>
+        <p:style>
+          <a:lnRef idx="2">
+            <a:schemeClr val="accent1">
+              <a:shade val="50000"/>
+            </a:schemeClr>
+          </a:lnRef>
+          <a:fillRef idx="1">
+            <a:schemeClr val="accent1"/>
+          </a:fillRef>
+          <a:effectRef idx="0">
+            <a:schemeClr val="accent1"/>
+          </a:effectRef>
+          <a:fontRef idx="minor">
+            <a:schemeClr val="lt1"/>
+          </a:fontRef>
+        </p:style>
+        <p:txBody>
+          <a:bodyPr rtlCol="0" anchor="ctr"/>
+          <a:lstStyle/>
+          <a:p>
+            <a:pPr algn="ctr"/>
+            <a:endParaRPr lang="en-GB"/>
+          </a:p>
+        </p:txBody>
+      </p:sp>
+      <p:sp>
+        <p:nvSpPr>
+          <p:cNvPr id="36" name="Freeform 35"/>
+          <p:cNvSpPr/>
+          <p:nvPr/>
+        </p:nvSpPr>
+        <p:spPr>
+          <a:xfrm>
+            <a:off x="3943619" y="3424253"/>
+            <a:ext cx="522515" cy="12569"/>
+          </a:xfrm>
+          <a:custGeom>
+            <a:avLst/>
+            <a:gdLst>
+              <a:gd name="connsiteX0" fmla="*/ 0 w 522515"/>
+              <a:gd name="connsiteY0" fmla="*/ 0 h 12569"/>
+              <a:gd name="connsiteX1" fmla="*/ 522515 w 522515"/>
+              <a:gd name="connsiteY1" fmla="*/ 0 h 12569"/>
+            </a:gdLst>
+            <a:ahLst/>
+            <a:cxnLst>
+              <a:cxn ang="0">
+                <a:pos x="connsiteX0" y="connsiteY0"/>
+              </a:cxn>
+              <a:cxn ang="0">
+                <a:pos x="connsiteX1" y="connsiteY1"/>
+              </a:cxn>
+            </a:cxnLst>
+            <a:rect l="l" t="t" r="r" b="b"/>
+            <a:pathLst>
+              <a:path w="522515" h="12569">
+                <a:moveTo>
+                  <a:pt x="0" y="0"/>
+                </a:moveTo>
+                <a:cubicBezTo>
+                  <a:pt x="203926" y="10885"/>
+                  <a:pt x="407852" y="21771"/>
+                  <a:pt x="522515" y="0"/>
+                </a:cubicBezTo>
+              </a:path>
+            </a:pathLst>
+          </a:custGeom>
+          <a:noFill/>
+          <a:ln w="28575">
+            <a:solidFill>
+              <a:schemeClr val="tx1"/>
+            </a:solidFill>
+            <a:tailEnd type="triangle"/>
+          </a:ln>
+        </p:spPr>
+        <p:style>
+          <a:lnRef idx="2">
+            <a:schemeClr val="accent1">
+              <a:shade val="50000"/>
+            </a:schemeClr>
+          </a:lnRef>
+          <a:fillRef idx="1">
+            <a:schemeClr val="accent1"/>
+          </a:fillRef>
+          <a:effectRef idx="0">
+            <a:schemeClr val="accent1"/>
+          </a:effectRef>
+          <a:fontRef idx="minor">
+            <a:schemeClr val="lt1"/>
+          </a:fontRef>
+        </p:style>
+        <p:txBody>
+          <a:bodyPr rtlCol="0" anchor="ctr"/>
+          <a:lstStyle/>
+          <a:p>
+            <a:pPr algn="ctr"/>
+            <a:endParaRPr lang="en-GB"/>
+          </a:p>
+        </p:txBody>
+      </p:sp>
+      <p:sp>
+        <p:nvSpPr>
+          <p:cNvPr id="37" name="Freeform 36"/>
+          <p:cNvSpPr/>
+          <p:nvPr/>
+        </p:nvSpPr>
+        <p:spPr>
+          <a:xfrm>
+            <a:off x="2245448" y="2609728"/>
+            <a:ext cx="2246811" cy="300719"/>
+          </a:xfrm>
+          <a:custGeom>
+            <a:avLst/>
+            <a:gdLst>
+              <a:gd name="connsiteX0" fmla="*/ 0 w 2246811"/>
+              <a:gd name="connsiteY0" fmla="*/ 74296 h 300719"/>
+              <a:gd name="connsiteX1" fmla="*/ 1001486 w 2246811"/>
+              <a:gd name="connsiteY1" fmla="*/ 13336 h 300719"/>
+              <a:gd name="connsiteX2" fmla="*/ 2246811 w 2246811"/>
+              <a:gd name="connsiteY2" fmla="*/ 300719 h 300719"/>
+            </a:gdLst>
+            <a:ahLst/>
+            <a:cxnLst>
+              <a:cxn ang="0">
+                <a:pos x="connsiteX0" y="connsiteY0"/>
+              </a:cxn>
+              <a:cxn ang="0">
+                <a:pos x="connsiteX1" y="connsiteY1"/>
+              </a:cxn>
+              <a:cxn ang="0">
+                <a:pos x="connsiteX2" y="connsiteY2"/>
+              </a:cxn>
+            </a:cxnLst>
+            <a:rect l="l" t="t" r="r" b="b"/>
+            <a:pathLst>
+              <a:path w="2246811" h="300719">
+                <a:moveTo>
+                  <a:pt x="0" y="74296"/>
+                </a:moveTo>
+                <a:cubicBezTo>
+                  <a:pt x="313509" y="24947"/>
+                  <a:pt x="627018" y="-24401"/>
+                  <a:pt x="1001486" y="13336"/>
+                </a:cubicBezTo>
+                <a:cubicBezTo>
+                  <a:pt x="1375954" y="51073"/>
+                  <a:pt x="1811382" y="175896"/>
+                  <a:pt x="2246811" y="300719"/>
+                </a:cubicBezTo>
+              </a:path>
+            </a:pathLst>
+          </a:custGeom>
+          <a:noFill/>
+          <a:ln w="28575">
+            <a:solidFill>
+              <a:schemeClr val="tx1"/>
+            </a:solidFill>
+            <a:tailEnd type="triangle"/>
+          </a:ln>
+        </p:spPr>
+        <p:style>
+          <a:lnRef idx="2">
+            <a:schemeClr val="accent1">
+              <a:shade val="50000"/>
+            </a:schemeClr>
+          </a:lnRef>
+          <a:fillRef idx="1">
+            <a:schemeClr val="accent1"/>
+          </a:fillRef>
+          <a:effectRef idx="0">
+            <a:schemeClr val="accent1"/>
+          </a:effectRef>
+          <a:fontRef idx="minor">
+            <a:schemeClr val="lt1"/>
+          </a:fontRef>
+        </p:style>
+        <p:txBody>
+          <a:bodyPr rtlCol="0" anchor="ctr"/>
+          <a:lstStyle/>
+          <a:p>
+            <a:pPr algn="ctr"/>
+            <a:endParaRPr lang="en-GB"/>
+          </a:p>
+        </p:txBody>
+      </p:sp>
+      <p:sp>
+        <p:nvSpPr>
+          <p:cNvPr id="38" name="Freeform 37"/>
+          <p:cNvSpPr/>
+          <p:nvPr/>
+        </p:nvSpPr>
+        <p:spPr>
+          <a:xfrm flipV="1">
+            <a:off x="2245447" y="3979844"/>
+            <a:ext cx="2246811" cy="300719"/>
+          </a:xfrm>
+          <a:custGeom>
+            <a:avLst/>
+            <a:gdLst>
+              <a:gd name="connsiteX0" fmla="*/ 0 w 2246811"/>
+              <a:gd name="connsiteY0" fmla="*/ 74296 h 300719"/>
+              <a:gd name="connsiteX1" fmla="*/ 1001486 w 2246811"/>
+              <a:gd name="connsiteY1" fmla="*/ 13336 h 300719"/>
+              <a:gd name="connsiteX2" fmla="*/ 2246811 w 2246811"/>
+              <a:gd name="connsiteY2" fmla="*/ 300719 h 300719"/>
+            </a:gdLst>
+            <a:ahLst/>
+            <a:cxnLst>
+              <a:cxn ang="0">
+                <a:pos x="connsiteX0" y="connsiteY0"/>
+              </a:cxn>
+              <a:cxn ang="0">
+                <a:pos x="connsiteX1" y="connsiteY1"/>
+              </a:cxn>
+              <a:cxn ang="0">
+                <a:pos x="connsiteX2" y="connsiteY2"/>
+              </a:cxn>
+            </a:cxnLst>
+            <a:rect l="l" t="t" r="r" b="b"/>
+            <a:pathLst>
+              <a:path w="2246811" h="300719">
+                <a:moveTo>
+                  <a:pt x="0" y="74296"/>
+                </a:moveTo>
+                <a:cubicBezTo>
+                  <a:pt x="313509" y="24947"/>
+                  <a:pt x="627018" y="-24401"/>
+                  <a:pt x="1001486" y="13336"/>
+                </a:cubicBezTo>
+                <a:cubicBezTo>
+                  <a:pt x="1375954" y="51073"/>
+                  <a:pt x="1811382" y="175896"/>
+                  <a:pt x="2246811" y="300719"/>
+                </a:cubicBezTo>
+              </a:path>
+            </a:pathLst>
+          </a:custGeom>
+          <a:noFill/>
+          <a:ln w="28575">
+            <a:solidFill>
+              <a:schemeClr val="tx1"/>
+            </a:solidFill>
+            <a:tailEnd type="triangle"/>
+          </a:ln>
+        </p:spPr>
+        <p:style>
+          <a:lnRef idx="2">
+            <a:schemeClr val="accent1">
+              <a:shade val="50000"/>
+            </a:schemeClr>
+          </a:lnRef>
+          <a:fillRef idx="1">
+            <a:schemeClr val="accent1"/>
+          </a:fillRef>
+          <a:effectRef idx="0">
+            <a:schemeClr val="accent1"/>
+          </a:effectRef>
+          <a:fontRef idx="minor">
+            <a:schemeClr val="lt1"/>
+          </a:fontRef>
+        </p:style>
+        <p:txBody>
+          <a:bodyPr rtlCol="0" anchor="ctr"/>
+          <a:lstStyle/>
+          <a:p>
+            <a:pPr algn="ctr"/>
+            <a:endParaRPr lang="en-GB"/>
+          </a:p>
+        </p:txBody>
+      </p:sp>
+      <p:sp>
+        <p:nvSpPr>
+          <p:cNvPr id="54" name="TextBox 53"/>
           <p:cNvSpPr txBox="1"/>
           <p:nvPr/>
         </p:nvSpPr>
         <p:spPr>
           <a:xfrm>
-            <a:off x="4905731" y="2199122"/>
+            <a:off x="3116574" y="3971119"/>
             <a:ext cx="318411" cy="323165"/>
           </a:xfrm>
           <a:prstGeom prst="rect">
@@ -6287,20 +8404,20 @@
           <a:p>
             <a:r>
               <a:rPr lang="en-GB" sz="1500" b="1" dirty="0"/>
-              <a:t>d</a:t>
-            </a:r>
-          </a:p>
-        </p:txBody>
-      </p:sp>
-      <p:sp>
-        <p:nvSpPr>
-          <p:cNvPr id="39" name="TextBox 38"/>
+              <a:t>c</a:t>
+            </a:r>
+          </a:p>
+        </p:txBody>
+      </p:sp>
+      <p:sp>
+        <p:nvSpPr>
+          <p:cNvPr id="55" name="TextBox 54"/>
           <p:cNvSpPr txBox="1"/>
           <p:nvPr/>
         </p:nvSpPr>
         <p:spPr>
           <a:xfrm>
-            <a:off x="4905732" y="4263220"/>
+            <a:off x="4090032" y="3124479"/>
             <a:ext cx="318411" cy="323165"/>
           </a:xfrm>
           <a:prstGeom prst="rect">
@@ -6316,20 +8433,20 @@
           <a:p>
             <a:r>
               <a:rPr lang="en-GB" sz="1500" b="1" dirty="0"/>
-              <a:t>e</a:t>
-            </a:r>
-          </a:p>
-        </p:txBody>
-      </p:sp>
-      <p:sp>
-        <p:nvSpPr>
-          <p:cNvPr id="40" name="TextBox 39"/>
+              <a:t>a</a:t>
+            </a:r>
+          </a:p>
+        </p:txBody>
+      </p:sp>
+      <p:sp>
+        <p:nvSpPr>
+          <p:cNvPr id="56" name="TextBox 55"/>
           <p:cNvSpPr txBox="1"/>
           <p:nvPr/>
         </p:nvSpPr>
         <p:spPr>
           <a:xfrm>
-            <a:off x="6922040" y="2423938"/>
+            <a:off x="3116574" y="2631801"/>
             <a:ext cx="318411" cy="323165"/>
           </a:xfrm>
           <a:prstGeom prst="rect">
@@ -6345,20 +8462,20 @@
           <a:p>
             <a:r>
               <a:rPr lang="en-GB" sz="1500" b="1" dirty="0"/>
-              <a:t>f</a:t>
-            </a:r>
-          </a:p>
-        </p:txBody>
-      </p:sp>
-      <p:sp>
-        <p:nvSpPr>
-          <p:cNvPr id="41" name="TextBox 40"/>
+              <a:t>b</a:t>
+            </a:r>
+          </a:p>
+        </p:txBody>
+      </p:sp>
+      <p:sp>
+        <p:nvSpPr>
+          <p:cNvPr id="58" name="TextBox 57"/>
           <p:cNvSpPr txBox="1"/>
           <p:nvPr/>
         </p:nvSpPr>
         <p:spPr>
           <a:xfrm>
-            <a:off x="6922040" y="3961086"/>
+            <a:off x="8096155" y="2252630"/>
             <a:ext cx="318411" cy="323165"/>
           </a:xfrm>
           <a:prstGeom prst="rect">
@@ -6374,20 +8491,20 @@
           <a:p>
             <a:r>
               <a:rPr lang="en-GB" sz="1500" b="1" dirty="0"/>
-              <a:t>g</a:t>
-            </a:r>
-          </a:p>
-        </p:txBody>
-      </p:sp>
-      <p:sp>
-        <p:nvSpPr>
-          <p:cNvPr id="36" name="TextBox 35"/>
+              <a:t>d</a:t>
+            </a:r>
+          </a:p>
+        </p:txBody>
+      </p:sp>
+      <p:sp>
+        <p:nvSpPr>
+          <p:cNvPr id="59" name="TextBox 58"/>
           <p:cNvSpPr txBox="1"/>
           <p:nvPr/>
         </p:nvSpPr>
         <p:spPr>
           <a:xfrm>
-            <a:off x="5799356" y="3764014"/>
+            <a:off x="8139157" y="4316728"/>
             <a:ext cx="318411" cy="323165"/>
           </a:xfrm>
           <a:prstGeom prst="rect">
@@ -6403,21 +8520,21 @@
           <a:p>
             <a:r>
               <a:rPr lang="en-GB" sz="1500" b="1" dirty="0"/>
-              <a:t>c</a:t>
-            </a:r>
-          </a:p>
-        </p:txBody>
-      </p:sp>
-      <p:sp>
-        <p:nvSpPr>
-          <p:cNvPr id="37" name="TextBox 36"/>
+              <a:t>e</a:t>
+            </a:r>
+          </a:p>
+        </p:txBody>
+      </p:sp>
+      <p:sp>
+        <p:nvSpPr>
+          <p:cNvPr id="60" name="TextBox 59"/>
           <p:cNvSpPr txBox="1"/>
           <p:nvPr/>
         </p:nvSpPr>
         <p:spPr>
           <a:xfrm>
-            <a:off x="6800166" y="3121322"/>
-            <a:ext cx="289838" cy="323165"/>
+            <a:off x="10112464" y="2477446"/>
+            <a:ext cx="318411" cy="323165"/>
           </a:xfrm>
           <a:prstGeom prst="rect">
             <a:avLst/>
@@ -6432,20 +8549,20 @@
           <a:p>
             <a:r>
               <a:rPr lang="en-GB" sz="1500" b="1" dirty="0"/>
-              <a:t>a</a:t>
-            </a:r>
-          </a:p>
-        </p:txBody>
-      </p:sp>
-      <p:sp>
-        <p:nvSpPr>
-          <p:cNvPr id="42" name="TextBox 41"/>
+              <a:t>f</a:t>
+            </a:r>
+          </a:p>
+        </p:txBody>
+      </p:sp>
+      <p:sp>
+        <p:nvSpPr>
+          <p:cNvPr id="61" name="TextBox 60"/>
           <p:cNvSpPr txBox="1"/>
           <p:nvPr/>
         </p:nvSpPr>
         <p:spPr>
           <a:xfrm>
-            <a:off x="5799356" y="2739875"/>
+            <a:off x="10112464" y="4014594"/>
             <a:ext cx="318411" cy="323165"/>
           </a:xfrm>
           <a:prstGeom prst="rect">
@@ -6461,21 +8578,21 @@
           <a:p>
             <a:r>
               <a:rPr lang="en-GB" sz="1500" b="1" dirty="0"/>
-              <a:t>b</a:t>
-            </a:r>
-          </a:p>
-        </p:txBody>
-      </p:sp>
-      <p:sp>
-        <p:nvSpPr>
-          <p:cNvPr id="34" name="TextBox 33"/>
+              <a:t>g</a:t>
+            </a:r>
+          </a:p>
+        </p:txBody>
+      </p:sp>
+      <p:sp>
+        <p:nvSpPr>
+          <p:cNvPr id="63" name="TextBox 62"/>
           <p:cNvSpPr txBox="1"/>
           <p:nvPr/>
         </p:nvSpPr>
         <p:spPr>
           <a:xfrm>
-            <a:off x="4861557" y="3645390"/>
-            <a:ext cx="826765" cy="323165"/>
+            <a:off x="9032781" y="3817522"/>
+            <a:ext cx="318411" cy="323165"/>
           </a:xfrm>
           <a:prstGeom prst="rect">
             <a:avLst/>
@@ -6489,23 +8606,22 @@
           <a:lstStyle/>
           <a:p>
             <a:r>
-              <a:rPr lang="en-GB" sz="1500" b="1" i="1" dirty="0" smtClean="0"/>
-              <a:t>0.5</a:t>
-            </a:r>
-            <a:endParaRPr lang="en-GB" sz="1500" b="1" i="1" dirty="0"/>
-          </a:p>
-        </p:txBody>
-      </p:sp>
-      <p:sp>
-        <p:nvSpPr>
-          <p:cNvPr id="44" name="TextBox 43"/>
+              <a:rPr lang="en-GB" sz="1500" b="1" dirty="0"/>
+              <a:t>c</a:t>
+            </a:r>
+          </a:p>
+        </p:txBody>
+      </p:sp>
+      <p:sp>
+        <p:nvSpPr>
+          <p:cNvPr id="64" name="TextBox 63"/>
           <p:cNvSpPr txBox="1"/>
           <p:nvPr/>
         </p:nvSpPr>
         <p:spPr>
           <a:xfrm>
-            <a:off x="4880601" y="2986090"/>
-            <a:ext cx="788675" cy="323165"/>
+            <a:off x="9990590" y="3174830"/>
+            <a:ext cx="289838" cy="323165"/>
           </a:xfrm>
           <a:prstGeom prst="rect">
             <a:avLst/>
@@ -6519,6 +8635,154 @@
           <a:lstStyle/>
           <a:p>
             <a:r>
+              <a:rPr lang="en-GB" sz="1500" b="1" dirty="0"/>
+              <a:t>a</a:t>
+            </a:r>
+          </a:p>
+        </p:txBody>
+      </p:sp>
+      <p:sp>
+        <p:nvSpPr>
+          <p:cNvPr id="65" name="TextBox 64"/>
+          <p:cNvSpPr txBox="1"/>
+          <p:nvPr/>
+        </p:nvSpPr>
+        <p:spPr>
+          <a:xfrm>
+            <a:off x="8989780" y="2793383"/>
+            <a:ext cx="318411" cy="323165"/>
+          </a:xfrm>
+          <a:prstGeom prst="rect">
+            <a:avLst/>
+          </a:prstGeom>
+          <a:noFill/>
+        </p:spPr>
+        <p:txBody>
+          <a:bodyPr wrap="square" rtlCol="0">
+            <a:spAutoFit/>
+          </a:bodyPr>
+          <a:lstStyle/>
+          <a:p>
+            <a:r>
+              <a:rPr lang="en-GB" sz="1500" b="1" dirty="0"/>
+              <a:t>b</a:t>
+            </a:r>
+          </a:p>
+        </p:txBody>
+      </p:sp>
+      <p:sp>
+        <p:nvSpPr>
+          <p:cNvPr id="67" name="TextBox 66"/>
+          <p:cNvSpPr txBox="1"/>
+          <p:nvPr/>
+        </p:nvSpPr>
+        <p:spPr>
+          <a:xfrm>
+            <a:off x="2179007" y="3590317"/>
+            <a:ext cx="826765" cy="323165"/>
+          </a:xfrm>
+          <a:prstGeom prst="rect">
+            <a:avLst/>
+          </a:prstGeom>
+          <a:noFill/>
+        </p:spPr>
+        <p:txBody>
+          <a:bodyPr wrap="square" rtlCol="0">
+            <a:spAutoFit/>
+          </a:bodyPr>
+          <a:lstStyle/>
+          <a:p>
+            <a:r>
+              <a:rPr lang="en-GB" sz="1500" b="1" i="1" dirty="0" smtClean="0"/>
+              <a:t>0.5</a:t>
+            </a:r>
+            <a:endParaRPr lang="en-GB" sz="1500" b="1" i="1" dirty="0"/>
+          </a:p>
+        </p:txBody>
+      </p:sp>
+      <p:sp>
+        <p:nvSpPr>
+          <p:cNvPr id="68" name="TextBox 67"/>
+          <p:cNvSpPr txBox="1"/>
+          <p:nvPr/>
+        </p:nvSpPr>
+        <p:spPr>
+          <a:xfrm>
+            <a:off x="2183359" y="3056478"/>
+            <a:ext cx="788675" cy="323165"/>
+          </a:xfrm>
+          <a:prstGeom prst="rect">
+            <a:avLst/>
+          </a:prstGeom>
+          <a:noFill/>
+        </p:spPr>
+        <p:txBody>
+          <a:bodyPr wrap="square" rtlCol="0">
+            <a:spAutoFit/>
+          </a:bodyPr>
+          <a:lstStyle/>
+          <a:p>
+            <a:r>
+              <a:rPr lang="en-GB" sz="1500" b="1" i="1" dirty="0" smtClean="0"/>
+              <a:t>0.5</a:t>
+            </a:r>
+            <a:endParaRPr lang="en-GB" sz="1500" b="1" i="1" dirty="0"/>
+          </a:p>
+        </p:txBody>
+      </p:sp>
+      <p:sp>
+        <p:nvSpPr>
+          <p:cNvPr id="69" name="TextBox 68"/>
+          <p:cNvSpPr txBox="1"/>
+          <p:nvPr/>
+        </p:nvSpPr>
+        <p:spPr>
+          <a:xfrm>
+            <a:off x="8068488" y="3613664"/>
+            <a:ext cx="826765" cy="323165"/>
+          </a:xfrm>
+          <a:prstGeom prst="rect">
+            <a:avLst/>
+          </a:prstGeom>
+          <a:noFill/>
+        </p:spPr>
+        <p:txBody>
+          <a:bodyPr wrap="square" rtlCol="0">
+            <a:spAutoFit/>
+          </a:bodyPr>
+          <a:lstStyle/>
+          <a:p>
+            <a:r>
+              <a:rPr lang="en-GB" sz="1500" b="1" i="1" dirty="0" smtClean="0"/>
+              <a:t>0.5</a:t>
+            </a:r>
+            <a:endParaRPr lang="en-GB" sz="1500" b="1" i="1" dirty="0"/>
+          </a:p>
+        </p:txBody>
+      </p:sp>
+      <p:sp>
+        <p:nvSpPr>
+          <p:cNvPr id="70" name="TextBox 69"/>
+          <p:cNvSpPr txBox="1"/>
+          <p:nvPr/>
+        </p:nvSpPr>
+        <p:spPr>
+          <a:xfrm>
+            <a:off x="8039546" y="2990204"/>
+            <a:ext cx="788675" cy="323165"/>
+          </a:xfrm>
+          <a:prstGeom prst="rect">
+            <a:avLst/>
+          </a:prstGeom>
+          <a:noFill/>
+        </p:spPr>
+        <p:txBody>
+          <a:bodyPr wrap="square" rtlCol="0">
+            <a:spAutoFit/>
+          </a:bodyPr>
+          <a:lstStyle/>
+          <a:p>
+            <a:r>
               <a:rPr lang="en-GB" sz="1500" b="1" i="1" dirty="0" smtClean="0"/>
               <a:t>0.5</a:t>
             </a:r>
@@ -6529,7 +8793,7 @@
     </p:spTree>
     <p:extLst>
       <p:ext uri="{BB962C8B-B14F-4D97-AF65-F5344CB8AC3E}">
-        <p14:creationId xmlns:p14="http://schemas.microsoft.com/office/powerpoint/2010/main" val="2987083085"/>
+        <p14:creationId xmlns:p14="http://schemas.microsoft.com/office/powerpoint/2010/main" val="4041178997"/>
       </p:ext>
     </p:extLst>
   </p:cSld>
@@ -6564,7 +8828,7 @@
         </p:nvSpPr>
         <p:spPr>
           <a:xfrm>
-            <a:off x="1236616" y="2671744"/>
+            <a:off x="2230756" y="2679679"/>
             <a:ext cx="905692" cy="369332"/>
           </a:xfrm>
           <a:prstGeom prst="rect">
@@ -6594,7 +8858,7 @@
         </p:nvSpPr>
         <p:spPr>
           <a:xfrm>
-            <a:off x="1158241" y="2570116"/>
+            <a:off x="2152381" y="2578051"/>
             <a:ext cx="870857" cy="572589"/>
           </a:xfrm>
           <a:prstGeom prst="rect">
@@ -6640,7 +8904,7 @@
         </p:nvSpPr>
         <p:spPr>
           <a:xfrm>
-            <a:off x="1158240" y="3715294"/>
+            <a:off x="2152380" y="3723229"/>
             <a:ext cx="870857" cy="572589"/>
           </a:xfrm>
           <a:prstGeom prst="rect">
@@ -6686,7 +8950,7 @@
         </p:nvSpPr>
         <p:spPr>
           <a:xfrm>
-            <a:off x="2899955" y="3142705"/>
+            <a:off x="3894095" y="3150640"/>
             <a:ext cx="870857" cy="572589"/>
           </a:xfrm>
           <a:prstGeom prst="rect">
@@ -6732,7 +8996,7 @@
         </p:nvSpPr>
         <p:spPr>
           <a:xfrm>
-            <a:off x="4641668" y="3142704"/>
+            <a:off x="5635808" y="3150639"/>
             <a:ext cx="870857" cy="572589"/>
           </a:xfrm>
           <a:prstGeom prst="rect">
@@ -6778,7 +9042,7 @@
         </p:nvSpPr>
         <p:spPr>
           <a:xfrm>
-            <a:off x="1236616" y="3816922"/>
+            <a:off x="2230756" y="3824857"/>
             <a:ext cx="905692" cy="369332"/>
           </a:xfrm>
           <a:prstGeom prst="rect">
@@ -6808,7 +9072,7 @@
         </p:nvSpPr>
         <p:spPr>
           <a:xfrm>
-            <a:off x="2987038" y="3244332"/>
+            <a:off x="3981178" y="3252267"/>
             <a:ext cx="905692" cy="369332"/>
           </a:xfrm>
           <a:prstGeom prst="rect">
@@ -6838,7 +9102,7 @@
         </p:nvSpPr>
         <p:spPr>
           <a:xfrm>
-            <a:off x="4624250" y="3244332"/>
+            <a:off x="5618390" y="3252267"/>
             <a:ext cx="905692" cy="369332"/>
           </a:xfrm>
           <a:prstGeom prst="rect">
@@ -8062,7 +10326,7 @@
         </p:nvSpPr>
         <p:spPr>
           <a:xfrm>
-            <a:off x="2175778" y="2887193"/>
+            <a:off x="3169918" y="2895128"/>
             <a:ext cx="539931" cy="235132"/>
           </a:xfrm>
           <a:custGeom>
@@ -8137,7 +10401,7 @@
         </p:nvSpPr>
         <p:spPr>
           <a:xfrm flipH="1">
-            <a:off x="2175778" y="3796542"/>
+            <a:off x="3169918" y="3804477"/>
             <a:ext cx="539931" cy="235132"/>
           </a:xfrm>
           <a:custGeom>
@@ -8212,7 +10476,7 @@
         </p:nvSpPr>
         <p:spPr>
           <a:xfrm>
-            <a:off x="3943619" y="3424253"/>
+            <a:off x="4937759" y="3432188"/>
             <a:ext cx="522515" cy="12569"/>
           </a:xfrm>
           <a:custGeom>
@@ -8287,7 +10551,7 @@
         </p:nvSpPr>
         <p:spPr>
           <a:xfrm>
-            <a:off x="2245448" y="2609728"/>
+            <a:off x="3239588" y="2617663"/>
             <a:ext cx="2246811" cy="300719"/>
           </a:xfrm>
           <a:custGeom>
@@ -8372,7 +10636,7 @@
         </p:nvSpPr>
         <p:spPr>
           <a:xfrm flipV="1">
-            <a:off x="2245447" y="3979844"/>
+            <a:off x="3239587" y="3987779"/>
             <a:ext cx="2246811" cy="300719"/>
           </a:xfrm>
           <a:custGeom>
@@ -8451,13 +10715,13 @@
       </p:sp>
       <p:sp>
         <p:nvSpPr>
-          <p:cNvPr id="54" name="TextBox 53"/>
+          <p:cNvPr id="55" name="TextBox 54"/>
           <p:cNvSpPr txBox="1"/>
           <p:nvPr/>
         </p:nvSpPr>
         <p:spPr>
           <a:xfrm>
-            <a:off x="3116574" y="3971119"/>
+            <a:off x="8068488" y="2254886"/>
             <a:ext cx="318411" cy="323165"/>
           </a:xfrm>
           <a:prstGeom prst="rect">
@@ -8473,20 +10737,20 @@
           <a:p>
             <a:r>
               <a:rPr lang="en-GB" sz="1500" b="1" dirty="0"/>
-              <a:t>c</a:t>
-            </a:r>
-          </a:p>
-        </p:txBody>
-      </p:sp>
-      <p:sp>
-        <p:nvSpPr>
-          <p:cNvPr id="55" name="TextBox 54"/>
+              <a:t>d</a:t>
+            </a:r>
+          </a:p>
+        </p:txBody>
+      </p:sp>
+      <p:sp>
+        <p:nvSpPr>
+          <p:cNvPr id="56" name="TextBox 55"/>
           <p:cNvSpPr txBox="1"/>
           <p:nvPr/>
         </p:nvSpPr>
         <p:spPr>
           <a:xfrm>
-            <a:off x="4090032" y="3124479"/>
+            <a:off x="8068489" y="4318984"/>
             <a:ext cx="318411" cy="323165"/>
           </a:xfrm>
           <a:prstGeom prst="rect">
@@ -8502,20 +10766,20 @@
           <a:p>
             <a:r>
               <a:rPr lang="en-GB" sz="1500" b="1" dirty="0"/>
-              <a:t>a</a:t>
-            </a:r>
-          </a:p>
-        </p:txBody>
-      </p:sp>
-      <p:sp>
-        <p:nvSpPr>
-          <p:cNvPr id="56" name="TextBox 55"/>
+              <a:t>e</a:t>
+            </a:r>
+          </a:p>
+        </p:txBody>
+      </p:sp>
+      <p:sp>
+        <p:nvSpPr>
+          <p:cNvPr id="57" name="TextBox 56"/>
           <p:cNvSpPr txBox="1"/>
           <p:nvPr/>
         </p:nvSpPr>
         <p:spPr>
           <a:xfrm>
-            <a:off x="3116574" y="2631801"/>
+            <a:off x="10084797" y="2479702"/>
             <a:ext cx="318411" cy="323165"/>
           </a:xfrm>
           <a:prstGeom prst="rect">
@@ -8531,7 +10795,7 @@
           <a:p>
             <a:r>
               <a:rPr lang="en-GB" sz="1500" b="1" dirty="0"/>
-              <a:t>b</a:t>
+              <a:t>f</a:t>
             </a:r>
           </a:p>
         </p:txBody>
@@ -8544,7 +10808,7 @@
         </p:nvSpPr>
         <p:spPr>
           <a:xfrm>
-            <a:off x="8096155" y="2252630"/>
+            <a:off x="10084797" y="4016850"/>
             <a:ext cx="318411" cy="323165"/>
           </a:xfrm>
           <a:prstGeom prst="rect">
@@ -8560,20 +10824,20 @@
           <a:p>
             <a:r>
               <a:rPr lang="en-GB" sz="1500" b="1" dirty="0"/>
-              <a:t>d</a:t>
-            </a:r>
-          </a:p>
-        </p:txBody>
-      </p:sp>
-      <p:sp>
-        <p:nvSpPr>
-          <p:cNvPr id="59" name="TextBox 58"/>
+              <a:t>g</a:t>
+            </a:r>
+          </a:p>
+        </p:txBody>
+      </p:sp>
+      <p:sp>
+        <p:nvSpPr>
+          <p:cNvPr id="60" name="TextBox 59"/>
           <p:cNvSpPr txBox="1"/>
           <p:nvPr/>
         </p:nvSpPr>
         <p:spPr>
           <a:xfrm>
-            <a:off x="8139157" y="4316728"/>
+            <a:off x="8962113" y="3819778"/>
             <a:ext cx="318411" cy="323165"/>
           </a:xfrm>
           <a:prstGeom prst="rect">
@@ -8589,21 +10853,21 @@
           <a:p>
             <a:r>
               <a:rPr lang="en-GB" sz="1500" b="1" dirty="0"/>
-              <a:t>e</a:t>
-            </a:r>
-          </a:p>
-        </p:txBody>
-      </p:sp>
-      <p:sp>
-        <p:nvSpPr>
-          <p:cNvPr id="60" name="TextBox 59"/>
+              <a:t>c</a:t>
+            </a:r>
+          </a:p>
+        </p:txBody>
+      </p:sp>
+      <p:sp>
+        <p:nvSpPr>
+          <p:cNvPr id="61" name="TextBox 60"/>
           <p:cNvSpPr txBox="1"/>
           <p:nvPr/>
         </p:nvSpPr>
         <p:spPr>
           <a:xfrm>
-            <a:off x="10112464" y="2477446"/>
-            <a:ext cx="318411" cy="323165"/>
+            <a:off x="9962923" y="3177086"/>
+            <a:ext cx="289838" cy="323165"/>
           </a:xfrm>
           <a:prstGeom prst="rect">
             <a:avLst/>
@@ -8618,20 +10882,20 @@
           <a:p>
             <a:r>
               <a:rPr lang="en-GB" sz="1500" b="1" dirty="0"/>
-              <a:t>f</a:t>
-            </a:r>
-          </a:p>
-        </p:txBody>
-      </p:sp>
-      <p:sp>
-        <p:nvSpPr>
-          <p:cNvPr id="61" name="TextBox 60"/>
+              <a:t>a</a:t>
+            </a:r>
+          </a:p>
+        </p:txBody>
+      </p:sp>
+      <p:sp>
+        <p:nvSpPr>
+          <p:cNvPr id="62" name="TextBox 61"/>
           <p:cNvSpPr txBox="1"/>
           <p:nvPr/>
         </p:nvSpPr>
         <p:spPr>
           <a:xfrm>
-            <a:off x="10112464" y="4014594"/>
+            <a:off x="8962113" y="2795639"/>
             <a:ext cx="318411" cy="323165"/>
           </a:xfrm>
           <a:prstGeom prst="rect">
@@ -8647,20 +10911,20 @@
           <a:p>
             <a:r>
               <a:rPr lang="en-GB" sz="1500" b="1" dirty="0"/>
-              <a:t>g</a:t>
-            </a:r>
-          </a:p>
-        </p:txBody>
-      </p:sp>
-      <p:sp>
-        <p:nvSpPr>
-          <p:cNvPr id="63" name="TextBox 62"/>
+              <a:t>b</a:t>
+            </a:r>
+          </a:p>
+        </p:txBody>
+      </p:sp>
+      <p:sp>
+        <p:nvSpPr>
+          <p:cNvPr id="64" name="TextBox 63"/>
           <p:cNvSpPr txBox="1"/>
           <p:nvPr/>
         </p:nvSpPr>
         <p:spPr>
           <a:xfrm>
-            <a:off x="9032781" y="3817522"/>
+            <a:off x="4048396" y="3977220"/>
             <a:ext cx="318411" cy="323165"/>
           </a:xfrm>
           <a:prstGeom prst="rect">
@@ -8683,14 +10947,14 @@
       </p:sp>
       <p:sp>
         <p:nvSpPr>
-          <p:cNvPr id="64" name="TextBox 63"/>
+          <p:cNvPr id="65" name="TextBox 64"/>
           <p:cNvSpPr txBox="1"/>
           <p:nvPr/>
         </p:nvSpPr>
         <p:spPr>
           <a:xfrm>
-            <a:off x="9990590" y="3174830"/>
-            <a:ext cx="289838" cy="323165"/>
+            <a:off x="5021854" y="3130580"/>
+            <a:ext cx="318411" cy="323165"/>
           </a:xfrm>
           <a:prstGeom prst="rect">
             <a:avLst/>
@@ -8712,13 +10976,13 @@
       </p:sp>
       <p:sp>
         <p:nvSpPr>
-          <p:cNvPr id="65" name="TextBox 64"/>
+          <p:cNvPr id="66" name="TextBox 65"/>
           <p:cNvSpPr txBox="1"/>
           <p:nvPr/>
         </p:nvSpPr>
         <p:spPr>
           <a:xfrm>
-            <a:off x="8989780" y="2793383"/>
+            <a:off x="4048396" y="2637902"/>
             <a:ext cx="318411" cy="323165"/>
           </a:xfrm>
           <a:prstGeom prst="rect">
@@ -8741,13 +11005,13 @@
       </p:sp>
       <p:sp>
         <p:nvSpPr>
-          <p:cNvPr id="67" name="TextBox 66"/>
+          <p:cNvPr id="50" name="TextBox 49"/>
           <p:cNvSpPr txBox="1"/>
           <p:nvPr/>
         </p:nvSpPr>
         <p:spPr>
           <a:xfrm>
-            <a:off x="2179007" y="3590317"/>
+            <a:off x="3169918" y="3636161"/>
             <a:ext cx="826765" cy="323165"/>
           </a:xfrm>
           <a:prstGeom prst="rect">
@@ -8771,13 +11035,13 @@
       </p:sp>
       <p:sp>
         <p:nvSpPr>
-          <p:cNvPr id="68" name="TextBox 67"/>
+          <p:cNvPr id="51" name="TextBox 50"/>
           <p:cNvSpPr txBox="1"/>
           <p:nvPr/>
         </p:nvSpPr>
         <p:spPr>
           <a:xfrm>
-            <a:off x="2183359" y="3056478"/>
+            <a:off x="3165883" y="3034264"/>
             <a:ext cx="788675" cy="323165"/>
           </a:xfrm>
           <a:prstGeom prst="rect">
@@ -8801,13 +11065,13 @@
       </p:sp>
       <p:sp>
         <p:nvSpPr>
-          <p:cNvPr id="69" name="TextBox 68"/>
+          <p:cNvPr id="52" name="TextBox 51"/>
           <p:cNvSpPr txBox="1"/>
           <p:nvPr/>
         </p:nvSpPr>
         <p:spPr>
           <a:xfrm>
-            <a:off x="8068488" y="3613664"/>
+            <a:off x="8012432" y="3640345"/>
             <a:ext cx="826765" cy="323165"/>
           </a:xfrm>
           <a:prstGeom prst="rect">
@@ -8831,13 +11095,13 @@
       </p:sp>
       <p:sp>
         <p:nvSpPr>
-          <p:cNvPr id="70" name="TextBox 69"/>
+          <p:cNvPr id="59" name="TextBox 58"/>
           <p:cNvSpPr txBox="1"/>
           <p:nvPr/>
         </p:nvSpPr>
         <p:spPr>
           <a:xfrm>
-            <a:off x="8039546" y="2990204"/>
+            <a:off x="8006979" y="3023852"/>
             <a:ext cx="788675" cy="323165"/>
           </a:xfrm>
           <a:prstGeom prst="rect">
@@ -8862,7 +11126,7 @@
     </p:spTree>
     <p:extLst>
       <p:ext uri="{BB962C8B-B14F-4D97-AF65-F5344CB8AC3E}">
-        <p14:creationId xmlns:p14="http://schemas.microsoft.com/office/powerpoint/2010/main" val="4041178997"/>
+        <p14:creationId xmlns:p14="http://schemas.microsoft.com/office/powerpoint/2010/main" val="1809817002"/>
       </p:ext>
     </p:extLst>
   </p:cSld>
@@ -8891,43 +11155,13 @@
       </p:grpSpPr>
       <p:sp>
         <p:nvSpPr>
-          <p:cNvPr id="3" name="TextBox 2"/>
-          <p:cNvSpPr txBox="1"/>
-          <p:nvPr/>
-        </p:nvSpPr>
-        <p:spPr>
-          <a:xfrm>
-            <a:off x="2230756" y="2679679"/>
-            <a:ext cx="905692" cy="369332"/>
-          </a:xfrm>
-          <a:prstGeom prst="rect">
-            <a:avLst/>
-          </a:prstGeom>
-          <a:noFill/>
-        </p:spPr>
-        <p:txBody>
-          <a:bodyPr wrap="square" rtlCol="0">
-            <a:spAutoFit/>
-          </a:bodyPr>
-          <a:lstStyle/>
-          <a:p>
-            <a:r>
-              <a:rPr lang="en-GB" dirty="0" smtClean="0"/>
-              <a:t>pPGS</a:t>
-            </a:r>
-            <a:endParaRPr lang="en-GB" dirty="0"/>
-          </a:p>
-        </p:txBody>
-      </p:sp>
-      <p:sp>
-        <p:nvSpPr>
-          <p:cNvPr id="4" name="Rectangle 3"/>
+          <p:cNvPr id="2" name="Rectangle 1"/>
           <p:cNvSpPr/>
           <p:nvPr/>
         </p:nvSpPr>
         <p:spPr>
           <a:xfrm>
-            <a:off x="2152381" y="2578051"/>
+            <a:off x="2238091" y="3816922"/>
             <a:ext cx="870857" cy="572589"/>
           </a:xfrm>
           <a:prstGeom prst="rect">
@@ -8967,13 +11201,13 @@
       </p:sp>
       <p:sp>
         <p:nvSpPr>
-          <p:cNvPr id="5" name="Rectangle 4"/>
+          <p:cNvPr id="3" name="Rectangle 2"/>
           <p:cNvSpPr/>
           <p:nvPr/>
         </p:nvSpPr>
         <p:spPr>
           <a:xfrm>
-            <a:off x="2152380" y="3723229"/>
+            <a:off x="2238092" y="3142705"/>
             <a:ext cx="870857" cy="572589"/>
           </a:xfrm>
           <a:prstGeom prst="rect">
@@ -9013,13 +11247,43 @@
       </p:sp>
       <p:sp>
         <p:nvSpPr>
-          <p:cNvPr id="6" name="Rectangle 5"/>
+          <p:cNvPr id="4" name="TextBox 3"/>
+          <p:cNvSpPr txBox="1"/>
+          <p:nvPr/>
+        </p:nvSpPr>
+        <p:spPr>
+          <a:xfrm>
+            <a:off x="7062649" y="2671744"/>
+            <a:ext cx="905692" cy="369332"/>
+          </a:xfrm>
+          <a:prstGeom prst="rect">
+            <a:avLst/>
+          </a:prstGeom>
+          <a:noFill/>
+        </p:spPr>
+        <p:txBody>
+          <a:bodyPr wrap="square" rtlCol="0">
+            <a:spAutoFit/>
+          </a:bodyPr>
+          <a:lstStyle/>
+          <a:p>
+            <a:r>
+              <a:rPr lang="en-GB" dirty="0" smtClean="0"/>
+              <a:t>pPGS</a:t>
+            </a:r>
+            <a:endParaRPr lang="en-GB" dirty="0"/>
+          </a:p>
+        </p:txBody>
+      </p:sp>
+      <p:sp>
+        <p:nvSpPr>
+          <p:cNvPr id="5" name="Rectangle 4"/>
           <p:cNvSpPr/>
           <p:nvPr/>
         </p:nvSpPr>
         <p:spPr>
           <a:xfrm>
-            <a:off x="3894095" y="3150640"/>
+            <a:off x="6984274" y="2570116"/>
             <a:ext cx="870857" cy="572589"/>
           </a:xfrm>
           <a:prstGeom prst="rect">
@@ -9059,13 +11323,13 @@
       </p:sp>
       <p:sp>
         <p:nvSpPr>
-          <p:cNvPr id="7" name="Rectangle 6"/>
+          <p:cNvPr id="6" name="Rectangle 5"/>
           <p:cNvSpPr/>
           <p:nvPr/>
         </p:nvSpPr>
         <p:spPr>
           <a:xfrm>
-            <a:off x="5635808" y="3150639"/>
+            <a:off x="6984273" y="3715294"/>
             <a:ext cx="870857" cy="572589"/>
           </a:xfrm>
           <a:prstGeom prst="rect">
@@ -9105,133 +11369,13 @@
       </p:sp>
       <p:sp>
         <p:nvSpPr>
-          <p:cNvPr id="8" name="TextBox 7"/>
-          <p:cNvSpPr txBox="1"/>
-          <p:nvPr/>
-        </p:nvSpPr>
-        <p:spPr>
-          <a:xfrm>
-            <a:off x="2230756" y="3824857"/>
-            <a:ext cx="905692" cy="369332"/>
-          </a:xfrm>
-          <a:prstGeom prst="rect">
-            <a:avLst/>
-          </a:prstGeom>
-          <a:noFill/>
-        </p:spPr>
-        <p:txBody>
-          <a:bodyPr wrap="square" rtlCol="0">
-            <a:spAutoFit/>
-          </a:bodyPr>
-          <a:lstStyle/>
-          <a:p>
-            <a:r>
-              <a:rPr lang="en-GB" dirty="0" smtClean="0"/>
-              <a:t>mPGS</a:t>
-            </a:r>
-            <a:endParaRPr lang="en-GB" dirty="0"/>
-          </a:p>
-        </p:txBody>
-      </p:sp>
-      <p:sp>
-        <p:nvSpPr>
-          <p:cNvPr id="9" name="TextBox 8"/>
-          <p:cNvSpPr txBox="1"/>
-          <p:nvPr/>
-        </p:nvSpPr>
-        <p:spPr>
-          <a:xfrm>
-            <a:off x="3981178" y="3252267"/>
-            <a:ext cx="905692" cy="369332"/>
-          </a:xfrm>
-          <a:prstGeom prst="rect">
-            <a:avLst/>
-          </a:prstGeom>
-          <a:noFill/>
-        </p:spPr>
-        <p:txBody>
-          <a:bodyPr wrap="square" rtlCol="0">
-            <a:spAutoFit/>
-          </a:bodyPr>
-          <a:lstStyle/>
-          <a:p>
-            <a:r>
-              <a:rPr lang="en-GB" dirty="0" smtClean="0"/>
-              <a:t>oPGS</a:t>
-            </a:r>
-            <a:endParaRPr lang="en-GB" dirty="0"/>
-          </a:p>
-        </p:txBody>
-      </p:sp>
-      <p:sp>
-        <p:nvSpPr>
-          <p:cNvPr id="10" name="TextBox 9"/>
-          <p:cNvSpPr txBox="1"/>
-          <p:nvPr/>
-        </p:nvSpPr>
-        <p:spPr>
-          <a:xfrm>
-            <a:off x="5618390" y="3252267"/>
-            <a:ext cx="905692" cy="369332"/>
-          </a:xfrm>
-          <a:prstGeom prst="rect">
-            <a:avLst/>
-          </a:prstGeom>
-          <a:noFill/>
-        </p:spPr>
-        <p:txBody>
-          <a:bodyPr wrap="square" rtlCol="0">
-            <a:spAutoFit/>
-          </a:bodyPr>
-          <a:lstStyle/>
-          <a:p>
-            <a:r>
-              <a:rPr lang="en-GB" dirty="0" smtClean="0"/>
-              <a:t>oPheno</a:t>
-            </a:r>
-            <a:endParaRPr lang="en-GB" dirty="0"/>
-          </a:p>
-        </p:txBody>
-      </p:sp>
-      <p:sp>
-        <p:nvSpPr>
-          <p:cNvPr id="11" name="TextBox 10"/>
-          <p:cNvSpPr txBox="1"/>
-          <p:nvPr/>
-        </p:nvSpPr>
-        <p:spPr>
-          <a:xfrm>
-            <a:off x="7062649" y="2671744"/>
-            <a:ext cx="905692" cy="369332"/>
-          </a:xfrm>
-          <a:prstGeom prst="rect">
-            <a:avLst/>
-          </a:prstGeom>
-          <a:noFill/>
-        </p:spPr>
-        <p:txBody>
-          <a:bodyPr wrap="square" rtlCol="0">
-            <a:spAutoFit/>
-          </a:bodyPr>
-          <a:lstStyle/>
-          <a:p>
-            <a:r>
-              <a:rPr lang="en-GB" dirty="0" smtClean="0"/>
-              <a:t>pPGS</a:t>
-            </a:r>
-            <a:endParaRPr lang="en-GB" dirty="0"/>
-          </a:p>
-        </p:txBody>
-      </p:sp>
-      <p:sp>
-        <p:nvSpPr>
-          <p:cNvPr id="12" name="Rectangle 11"/>
+          <p:cNvPr id="7" name="Rectangle 6"/>
           <p:cNvSpPr/>
           <p:nvPr/>
         </p:nvSpPr>
         <p:spPr>
           <a:xfrm>
-            <a:off x="6984274" y="2570116"/>
+            <a:off x="8725988" y="3142705"/>
             <a:ext cx="870857" cy="572589"/>
           </a:xfrm>
           <a:prstGeom prst="rect">
@@ -9271,13 +11415,13 @@
       </p:sp>
       <p:sp>
         <p:nvSpPr>
-          <p:cNvPr id="13" name="Rectangle 12"/>
+          <p:cNvPr id="8" name="Rectangle 7"/>
           <p:cNvSpPr/>
           <p:nvPr/>
         </p:nvSpPr>
         <p:spPr>
           <a:xfrm>
-            <a:off x="6984273" y="3715294"/>
+            <a:off x="10467701" y="3142704"/>
             <a:ext cx="870857" cy="572589"/>
           </a:xfrm>
           <a:prstGeom prst="rect">
@@ -9317,13 +11461,103 @@
       </p:sp>
       <p:sp>
         <p:nvSpPr>
-          <p:cNvPr id="14" name="Rectangle 13"/>
+          <p:cNvPr id="9" name="TextBox 8"/>
+          <p:cNvSpPr txBox="1"/>
+          <p:nvPr/>
+        </p:nvSpPr>
+        <p:spPr>
+          <a:xfrm>
+            <a:off x="7062649" y="3816922"/>
+            <a:ext cx="905692" cy="369332"/>
+          </a:xfrm>
+          <a:prstGeom prst="rect">
+            <a:avLst/>
+          </a:prstGeom>
+          <a:noFill/>
+        </p:spPr>
+        <p:txBody>
+          <a:bodyPr wrap="square" rtlCol="0">
+            <a:spAutoFit/>
+          </a:bodyPr>
+          <a:lstStyle/>
+          <a:p>
+            <a:r>
+              <a:rPr lang="en-GB" dirty="0" smtClean="0"/>
+              <a:t>mPGS</a:t>
+            </a:r>
+            <a:endParaRPr lang="en-GB" dirty="0"/>
+          </a:p>
+        </p:txBody>
+      </p:sp>
+      <p:sp>
+        <p:nvSpPr>
+          <p:cNvPr id="10" name="TextBox 9"/>
+          <p:cNvSpPr txBox="1"/>
+          <p:nvPr/>
+        </p:nvSpPr>
+        <p:spPr>
+          <a:xfrm>
+            <a:off x="8813071" y="3244332"/>
+            <a:ext cx="905692" cy="369332"/>
+          </a:xfrm>
+          <a:prstGeom prst="rect">
+            <a:avLst/>
+          </a:prstGeom>
+          <a:noFill/>
+        </p:spPr>
+        <p:txBody>
+          <a:bodyPr wrap="square" rtlCol="0">
+            <a:spAutoFit/>
+          </a:bodyPr>
+          <a:lstStyle/>
+          <a:p>
+            <a:r>
+              <a:rPr lang="en-GB" dirty="0" smtClean="0"/>
+              <a:t>oPGS</a:t>
+            </a:r>
+            <a:endParaRPr lang="en-GB" dirty="0"/>
+          </a:p>
+        </p:txBody>
+      </p:sp>
+      <p:sp>
+        <p:nvSpPr>
+          <p:cNvPr id="11" name="TextBox 10"/>
+          <p:cNvSpPr txBox="1"/>
+          <p:nvPr/>
+        </p:nvSpPr>
+        <p:spPr>
+          <a:xfrm>
+            <a:off x="10450283" y="3244332"/>
+            <a:ext cx="905692" cy="369332"/>
+          </a:xfrm>
+          <a:prstGeom prst="rect">
+            <a:avLst/>
+          </a:prstGeom>
+          <a:noFill/>
+        </p:spPr>
+        <p:txBody>
+          <a:bodyPr wrap="square" rtlCol="0">
+            <a:spAutoFit/>
+          </a:bodyPr>
+          <a:lstStyle/>
+          <a:p>
+            <a:r>
+              <a:rPr lang="en-GB" dirty="0" smtClean="0"/>
+              <a:t>oPheno</a:t>
+            </a:r>
+            <a:endParaRPr lang="en-GB" dirty="0"/>
+          </a:p>
+        </p:txBody>
+      </p:sp>
+      <p:sp>
+        <p:nvSpPr>
+          <p:cNvPr id="12" name="Rectangle 11"/>
           <p:cNvSpPr/>
           <p:nvPr/>
         </p:nvSpPr>
         <p:spPr>
           <a:xfrm>
-            <a:off x="8725988" y="3142705"/>
+            <a:off x="8725987" y="1997527"/>
             <a:ext cx="870857" cy="572589"/>
           </a:xfrm>
           <a:prstGeom prst="rect">
@@ -9363,13 +11597,13 @@
       </p:sp>
       <p:sp>
         <p:nvSpPr>
-          <p:cNvPr id="15" name="Rectangle 14"/>
+          <p:cNvPr id="13" name="Rectangle 12"/>
           <p:cNvSpPr/>
           <p:nvPr/>
         </p:nvSpPr>
         <p:spPr>
           <a:xfrm>
-            <a:off x="10467701" y="3142704"/>
+            <a:off x="8725987" y="4287880"/>
             <a:ext cx="870857" cy="572589"/>
           </a:xfrm>
           <a:prstGeom prst="rect">
@@ -9409,14 +11643,14 @@
       </p:sp>
       <p:sp>
         <p:nvSpPr>
-          <p:cNvPr id="16" name="TextBox 15"/>
+          <p:cNvPr id="14" name="TextBox 13"/>
           <p:cNvSpPr txBox="1"/>
           <p:nvPr/>
         </p:nvSpPr>
         <p:spPr>
           <a:xfrm>
-            <a:off x="7062649" y="3816922"/>
-            <a:ext cx="905692" cy="369332"/>
+            <a:off x="8691154" y="4389508"/>
+            <a:ext cx="992776" cy="369332"/>
           </a:xfrm>
           <a:prstGeom prst="rect">
             <a:avLst/>
@@ -9431,7 +11665,7 @@
           <a:p>
             <a:r>
               <a:rPr lang="en-GB" dirty="0" smtClean="0"/>
-              <a:t>mPGS</a:t>
+              <a:t>mPheno</a:t>
             </a:r>
             <a:endParaRPr lang="en-GB" dirty="0"/>
           </a:p>
@@ -9439,13 +11673,13 @@
       </p:sp>
       <p:sp>
         <p:nvSpPr>
-          <p:cNvPr id="17" name="TextBox 16"/>
+          <p:cNvPr id="15" name="TextBox 14"/>
           <p:cNvSpPr txBox="1"/>
           <p:nvPr/>
         </p:nvSpPr>
         <p:spPr>
           <a:xfrm>
-            <a:off x="8813071" y="3244332"/>
+            <a:off x="8725987" y="2099155"/>
             <a:ext cx="905692" cy="369332"/>
           </a:xfrm>
           <a:prstGeom prst="rect">
@@ -9460,8 +11694,8 @@
           <a:lstStyle/>
           <a:p>
             <a:r>
-              <a:rPr lang="en-GB" dirty="0" smtClean="0"/>
-              <a:t>oPGS</a:t>
+              <a:rPr lang="en-GB" smtClean="0"/>
+              <a:t>pPheno</a:t>
             </a:r>
             <a:endParaRPr lang="en-GB" dirty="0"/>
           </a:p>
@@ -9469,43 +11703,13 @@
       </p:sp>
       <p:sp>
         <p:nvSpPr>
-          <p:cNvPr id="18" name="TextBox 17"/>
-          <p:cNvSpPr txBox="1"/>
-          <p:nvPr/>
-        </p:nvSpPr>
-        <p:spPr>
-          <a:xfrm>
-            <a:off x="10450283" y="3244332"/>
-            <a:ext cx="905692" cy="369332"/>
-          </a:xfrm>
-          <a:prstGeom prst="rect">
-            <a:avLst/>
-          </a:prstGeom>
-          <a:noFill/>
-        </p:spPr>
-        <p:txBody>
-          <a:bodyPr wrap="square" rtlCol="0">
-            <a:spAutoFit/>
-          </a:bodyPr>
-          <a:lstStyle/>
-          <a:p>
-            <a:r>
-              <a:rPr lang="en-GB" dirty="0" smtClean="0"/>
-              <a:t>oPheno</a:t>
-            </a:r>
-            <a:endParaRPr lang="en-GB" dirty="0"/>
-          </a:p>
-        </p:txBody>
-      </p:sp>
-      <p:sp>
-        <p:nvSpPr>
-          <p:cNvPr id="20" name="Rectangle 19"/>
+          <p:cNvPr id="16" name="Rectangle 15"/>
           <p:cNvSpPr/>
           <p:nvPr/>
         </p:nvSpPr>
         <p:spPr>
           <a:xfrm>
-            <a:off x="8725987" y="1997527"/>
+            <a:off x="2238092" y="2468487"/>
             <a:ext cx="870857" cy="572589"/>
           </a:xfrm>
           <a:prstGeom prst="rect">
@@ -9545,13 +11749,13 @@
       </p:sp>
       <p:sp>
         <p:nvSpPr>
-          <p:cNvPr id="22" name="Rectangle 21"/>
+          <p:cNvPr id="17" name="Rectangle 16"/>
           <p:cNvSpPr/>
           <p:nvPr/>
         </p:nvSpPr>
         <p:spPr>
           <a:xfrm>
-            <a:off x="8725987" y="4287880"/>
+            <a:off x="2238091" y="4491139"/>
             <a:ext cx="870857" cy="572589"/>
           </a:xfrm>
           <a:prstGeom prst="rect">
@@ -9591,14 +11795,256 @@
       </p:sp>
       <p:sp>
         <p:nvSpPr>
+          <p:cNvPr id="18" name="Rectangle 17"/>
+          <p:cNvSpPr/>
+          <p:nvPr/>
+        </p:nvSpPr>
+        <p:spPr>
+          <a:xfrm>
+            <a:off x="2238090" y="1794270"/>
+            <a:ext cx="870857" cy="572589"/>
+          </a:xfrm>
+          <a:prstGeom prst="rect">
+            <a:avLst/>
+          </a:prstGeom>
+          <a:noFill/>
+          <a:ln w="28575">
+            <a:solidFill>
+              <a:schemeClr val="tx1"/>
+            </a:solidFill>
+          </a:ln>
+        </p:spPr>
+        <p:style>
+          <a:lnRef idx="2">
+            <a:schemeClr val="accent1">
+              <a:shade val="50000"/>
+            </a:schemeClr>
+          </a:lnRef>
+          <a:fillRef idx="1">
+            <a:schemeClr val="accent1"/>
+          </a:fillRef>
+          <a:effectRef idx="0">
+            <a:schemeClr val="accent1"/>
+          </a:effectRef>
+          <a:fontRef idx="minor">
+            <a:schemeClr val="lt1"/>
+          </a:fontRef>
+        </p:style>
+        <p:txBody>
+          <a:bodyPr rtlCol="0" anchor="ctr"/>
+          <a:lstStyle/>
+          <a:p>
+            <a:pPr algn="ctr"/>
+            <a:endParaRPr lang="en-GB"/>
+          </a:p>
+        </p:txBody>
+      </p:sp>
+      <p:sp>
+        <p:nvSpPr>
+          <p:cNvPr id="19" name="Rectangle 18"/>
+          <p:cNvSpPr/>
+          <p:nvPr/>
+        </p:nvSpPr>
+        <p:spPr>
+          <a:xfrm>
+            <a:off x="4611183" y="3142703"/>
+            <a:ext cx="870857" cy="572589"/>
+          </a:xfrm>
+          <a:prstGeom prst="rect">
+            <a:avLst/>
+          </a:prstGeom>
+          <a:noFill/>
+          <a:ln w="28575">
+            <a:solidFill>
+              <a:schemeClr val="tx1"/>
+            </a:solidFill>
+          </a:ln>
+        </p:spPr>
+        <p:style>
+          <a:lnRef idx="2">
+            <a:schemeClr val="accent1">
+              <a:shade val="50000"/>
+            </a:schemeClr>
+          </a:lnRef>
+          <a:fillRef idx="1">
+            <a:schemeClr val="accent1"/>
+          </a:fillRef>
+          <a:effectRef idx="0">
+            <a:schemeClr val="accent1"/>
+          </a:effectRef>
+          <a:fontRef idx="minor">
+            <a:schemeClr val="lt1"/>
+          </a:fontRef>
+        </p:style>
+        <p:txBody>
+          <a:bodyPr rtlCol="0" anchor="ctr"/>
+          <a:lstStyle/>
+          <a:p>
+            <a:pPr algn="ctr"/>
+            <a:endParaRPr lang="en-GB"/>
+          </a:p>
+        </p:txBody>
+      </p:sp>
+      <p:sp>
+        <p:nvSpPr>
+          <p:cNvPr id="20" name="TextBox 19"/>
+          <p:cNvSpPr txBox="1"/>
+          <p:nvPr/>
+        </p:nvSpPr>
+        <p:spPr>
+          <a:xfrm>
+            <a:off x="4611183" y="3244331"/>
+            <a:ext cx="905692" cy="369332"/>
+          </a:xfrm>
+          <a:prstGeom prst="rect">
+            <a:avLst/>
+          </a:prstGeom>
+          <a:noFill/>
+        </p:spPr>
+        <p:txBody>
+          <a:bodyPr wrap="square" rtlCol="0">
+            <a:spAutoFit/>
+          </a:bodyPr>
+          <a:lstStyle/>
+          <a:p>
+            <a:r>
+              <a:rPr lang="en-GB" dirty="0" smtClean="0"/>
+              <a:t>oPheno</a:t>
+            </a:r>
+            <a:endParaRPr lang="en-GB" dirty="0"/>
+          </a:p>
+        </p:txBody>
+      </p:sp>
+      <p:sp>
+        <p:nvSpPr>
+          <p:cNvPr id="21" name="TextBox 20"/>
+          <p:cNvSpPr txBox="1"/>
+          <p:nvPr/>
+        </p:nvSpPr>
+        <p:spPr>
+          <a:xfrm>
+            <a:off x="2307744" y="3224516"/>
+            <a:ext cx="905692" cy="369332"/>
+          </a:xfrm>
+          <a:prstGeom prst="rect">
+            <a:avLst/>
+          </a:prstGeom>
+          <a:noFill/>
+        </p:spPr>
+        <p:txBody>
+          <a:bodyPr wrap="square" rtlCol="0">
+            <a:spAutoFit/>
+          </a:bodyPr>
+          <a:lstStyle/>
+          <a:p>
+            <a:r>
+              <a:rPr lang="en-GB" dirty="0" smtClean="0"/>
+              <a:t>oPGS</a:t>
+            </a:r>
+            <a:endParaRPr lang="en-GB" dirty="0"/>
+          </a:p>
+        </p:txBody>
+      </p:sp>
+      <p:sp>
+        <p:nvSpPr>
+          <p:cNvPr id="22" name="TextBox 21"/>
+          <p:cNvSpPr txBox="1"/>
+          <p:nvPr/>
+        </p:nvSpPr>
+        <p:spPr>
+          <a:xfrm>
+            <a:off x="2307744" y="3883620"/>
+            <a:ext cx="905692" cy="369332"/>
+          </a:xfrm>
+          <a:prstGeom prst="rect">
+            <a:avLst/>
+          </a:prstGeom>
+          <a:noFill/>
+        </p:spPr>
+        <p:txBody>
+          <a:bodyPr wrap="square" rtlCol="0">
+            <a:spAutoFit/>
+          </a:bodyPr>
+          <a:lstStyle/>
+          <a:p>
+            <a:r>
+              <a:rPr lang="en-GB" dirty="0" smtClean="0"/>
+              <a:t>mPGS</a:t>
+            </a:r>
+            <a:endParaRPr lang="en-GB" dirty="0"/>
+          </a:p>
+        </p:txBody>
+      </p:sp>
+      <p:sp>
+        <p:nvSpPr>
           <p:cNvPr id="23" name="TextBox 22"/>
           <p:cNvSpPr txBox="1"/>
           <p:nvPr/>
         </p:nvSpPr>
         <p:spPr>
           <a:xfrm>
-            <a:off x="8691154" y="4389508"/>
+            <a:off x="2307744" y="2550299"/>
+            <a:ext cx="905692" cy="369332"/>
+          </a:xfrm>
+          <a:prstGeom prst="rect">
+            <a:avLst/>
+          </a:prstGeom>
+          <a:noFill/>
+        </p:spPr>
+        <p:txBody>
+          <a:bodyPr wrap="square" rtlCol="0">
+            <a:spAutoFit/>
+          </a:bodyPr>
+          <a:lstStyle/>
+          <a:p>
+            <a:r>
+              <a:rPr lang="en-GB" dirty="0" smtClean="0"/>
+              <a:t>pPGS</a:t>
+            </a:r>
+            <a:endParaRPr lang="en-GB" dirty="0"/>
+          </a:p>
+        </p:txBody>
+      </p:sp>
+      <p:sp>
+        <p:nvSpPr>
+          <p:cNvPr id="24" name="TextBox 23"/>
+          <p:cNvSpPr txBox="1"/>
+          <p:nvPr/>
+        </p:nvSpPr>
+        <p:spPr>
+          <a:xfrm>
+            <a:off x="2194548" y="4594845"/>
             <a:ext cx="992776" cy="369332"/>
+          </a:xfrm>
+          <a:prstGeom prst="rect">
+            <a:avLst/>
+          </a:prstGeom>
+          <a:noFill/>
+        </p:spPr>
+        <p:txBody>
+          <a:bodyPr wrap="square" rtlCol="0">
+            <a:spAutoFit/>
+          </a:bodyPr>
+          <a:lstStyle/>
+          <a:p>
+            <a:r>
+              <a:rPr lang="en-GB" dirty="0" smtClean="0"/>
+              <a:t>mPheno</a:t>
+            </a:r>
+            <a:endParaRPr lang="en-GB" dirty="0"/>
+          </a:p>
+        </p:txBody>
+      </p:sp>
+      <p:sp>
+        <p:nvSpPr>
+          <p:cNvPr id="25" name="TextBox 24"/>
+          <p:cNvSpPr txBox="1"/>
+          <p:nvPr/>
+        </p:nvSpPr>
+        <p:spPr>
+          <a:xfrm>
+            <a:off x="2220672" y="1895898"/>
+            <a:ext cx="905692" cy="369332"/>
           </a:xfrm>
           <a:prstGeom prst="rect">
             <a:avLst/>
@@ -9616,7 +12062,7 @@
           <a:p>
             <a:r>
               <a:rPr lang="en-GB" dirty="0" smtClean="0"/>
-              <a:t>mPheno</a:t>
+              <a:t>pPheno</a:t>
             </a:r>
             <a:endParaRPr lang="en-GB" dirty="0"/>
           </a:p>
@@ -9624,37 +12070,396 @@
       </p:sp>
       <p:sp>
         <p:nvSpPr>
-          <p:cNvPr id="24" name="TextBox 23"/>
-          <p:cNvSpPr txBox="1"/>
-          <p:nvPr/>
-        </p:nvSpPr>
-        <p:spPr>
-          <a:xfrm>
-            <a:off x="8725987" y="2099155"/>
-            <a:ext cx="905692" cy="369332"/>
-          </a:xfrm>
-          <a:prstGeom prst="rect">
-            <a:avLst/>
-          </a:prstGeom>
-          <a:noFill/>
-        </p:spPr>
-        <p:txBody>
-          <a:bodyPr wrap="square" rtlCol="0">
-            <a:spAutoFit/>
-          </a:bodyPr>
-          <a:lstStyle/>
-          <a:p>
-            <a:r>
-              <a:rPr lang="en-GB" smtClean="0"/>
-              <a:t>pPheno</a:t>
-            </a:r>
-            <a:endParaRPr lang="en-GB" dirty="0"/>
-          </a:p>
-        </p:txBody>
-      </p:sp>
-      <p:sp>
-        <p:nvSpPr>
-          <p:cNvPr id="25" name="Freeform 24"/>
+          <p:cNvPr id="43" name="Freeform 42"/>
+          <p:cNvSpPr/>
+          <p:nvPr/>
+        </p:nvSpPr>
+        <p:spPr>
+          <a:xfrm>
+            <a:off x="3278774" y="2036687"/>
+            <a:ext cx="1236134" cy="863600"/>
+          </a:xfrm>
+          <a:custGeom>
+            <a:avLst/>
+            <a:gdLst>
+              <a:gd name="connsiteX0" fmla="*/ 0 w 1236134"/>
+              <a:gd name="connsiteY0" fmla="*/ 0 h 863600"/>
+              <a:gd name="connsiteX1" fmla="*/ 812800 w 1236134"/>
+              <a:gd name="connsiteY1" fmla="*/ 220134 h 863600"/>
+              <a:gd name="connsiteX2" fmla="*/ 1236134 w 1236134"/>
+              <a:gd name="connsiteY2" fmla="*/ 863600 h 863600"/>
+            </a:gdLst>
+            <a:ahLst/>
+            <a:cxnLst>
+              <a:cxn ang="0">
+                <a:pos x="connsiteX0" y="connsiteY0"/>
+              </a:cxn>
+              <a:cxn ang="0">
+                <a:pos x="connsiteX1" y="connsiteY1"/>
+              </a:cxn>
+              <a:cxn ang="0">
+                <a:pos x="connsiteX2" y="connsiteY2"/>
+              </a:cxn>
+            </a:cxnLst>
+            <a:rect l="l" t="t" r="r" b="b"/>
+            <a:pathLst>
+              <a:path w="1236134" h="863600">
+                <a:moveTo>
+                  <a:pt x="0" y="0"/>
+                </a:moveTo>
+                <a:cubicBezTo>
+                  <a:pt x="303389" y="38100"/>
+                  <a:pt x="606778" y="76201"/>
+                  <a:pt x="812800" y="220134"/>
+                </a:cubicBezTo>
+                <a:cubicBezTo>
+                  <a:pt x="1018822" y="364067"/>
+                  <a:pt x="1169812" y="756356"/>
+                  <a:pt x="1236134" y="863600"/>
+                </a:cubicBezTo>
+              </a:path>
+            </a:pathLst>
+          </a:custGeom>
+          <a:noFill/>
+          <a:ln w="28575">
+            <a:solidFill>
+              <a:schemeClr val="tx1"/>
+            </a:solidFill>
+            <a:tailEnd type="triangle"/>
+          </a:ln>
+        </p:spPr>
+        <p:style>
+          <a:lnRef idx="2">
+            <a:schemeClr val="accent1">
+              <a:shade val="50000"/>
+            </a:schemeClr>
+          </a:lnRef>
+          <a:fillRef idx="1">
+            <a:schemeClr val="accent1"/>
+          </a:fillRef>
+          <a:effectRef idx="0">
+            <a:schemeClr val="accent1"/>
+          </a:effectRef>
+          <a:fontRef idx="minor">
+            <a:schemeClr val="lt1"/>
+          </a:fontRef>
+        </p:style>
+        <p:txBody>
+          <a:bodyPr rtlCol="0" anchor="ctr"/>
+          <a:lstStyle/>
+          <a:p>
+            <a:pPr algn="ctr"/>
+            <a:endParaRPr lang="en-GB"/>
+          </a:p>
+        </p:txBody>
+      </p:sp>
+      <p:sp>
+        <p:nvSpPr>
+          <p:cNvPr id="44" name="Freeform 43"/>
+          <p:cNvSpPr/>
+          <p:nvPr/>
+        </p:nvSpPr>
+        <p:spPr>
+          <a:xfrm>
+            <a:off x="3234267" y="2734733"/>
+            <a:ext cx="1202266" cy="381000"/>
+          </a:xfrm>
+          <a:custGeom>
+            <a:avLst/>
+            <a:gdLst>
+              <a:gd name="connsiteX0" fmla="*/ 0 w 1202266"/>
+              <a:gd name="connsiteY0" fmla="*/ 0 h 381000"/>
+              <a:gd name="connsiteX1" fmla="*/ 1202266 w 1202266"/>
+              <a:gd name="connsiteY1" fmla="*/ 381000 h 381000"/>
+            </a:gdLst>
+            <a:ahLst/>
+            <a:cxnLst>
+              <a:cxn ang="0">
+                <a:pos x="connsiteX0" y="connsiteY0"/>
+              </a:cxn>
+              <a:cxn ang="0">
+                <a:pos x="connsiteX1" y="connsiteY1"/>
+              </a:cxn>
+            </a:cxnLst>
+            <a:rect l="l" t="t" r="r" b="b"/>
+            <a:pathLst>
+              <a:path w="1202266" h="381000">
+                <a:moveTo>
+                  <a:pt x="0" y="0"/>
+                </a:moveTo>
+                <a:lnTo>
+                  <a:pt x="1202266" y="381000"/>
+                </a:lnTo>
+              </a:path>
+            </a:pathLst>
+          </a:custGeom>
+          <a:noFill/>
+          <a:ln w="28575">
+            <a:solidFill>
+              <a:schemeClr val="tx1"/>
+            </a:solidFill>
+            <a:tailEnd type="triangle"/>
+          </a:ln>
+        </p:spPr>
+        <p:style>
+          <a:lnRef idx="2">
+            <a:schemeClr val="accent1">
+              <a:shade val="50000"/>
+            </a:schemeClr>
+          </a:lnRef>
+          <a:fillRef idx="1">
+            <a:schemeClr val="accent1"/>
+          </a:fillRef>
+          <a:effectRef idx="0">
+            <a:schemeClr val="accent1"/>
+          </a:effectRef>
+          <a:fontRef idx="minor">
+            <a:schemeClr val="lt1"/>
+          </a:fontRef>
+        </p:style>
+        <p:txBody>
+          <a:bodyPr rtlCol="0" anchor="ctr"/>
+          <a:lstStyle/>
+          <a:p>
+            <a:pPr algn="ctr"/>
+            <a:endParaRPr lang="en-GB"/>
+          </a:p>
+        </p:txBody>
+      </p:sp>
+      <p:sp>
+        <p:nvSpPr>
+          <p:cNvPr id="47" name="Freeform 46"/>
+          <p:cNvSpPr/>
+          <p:nvPr/>
+        </p:nvSpPr>
+        <p:spPr>
+          <a:xfrm flipH="1">
+            <a:off x="3236807" y="3672837"/>
+            <a:ext cx="1202266" cy="381000"/>
+          </a:xfrm>
+          <a:custGeom>
+            <a:avLst/>
+            <a:gdLst>
+              <a:gd name="connsiteX0" fmla="*/ 0 w 1202266"/>
+              <a:gd name="connsiteY0" fmla="*/ 0 h 381000"/>
+              <a:gd name="connsiteX1" fmla="*/ 1202266 w 1202266"/>
+              <a:gd name="connsiteY1" fmla="*/ 381000 h 381000"/>
+            </a:gdLst>
+            <a:ahLst/>
+            <a:cxnLst>
+              <a:cxn ang="0">
+                <a:pos x="connsiteX0" y="connsiteY0"/>
+              </a:cxn>
+              <a:cxn ang="0">
+                <a:pos x="connsiteX1" y="connsiteY1"/>
+              </a:cxn>
+            </a:cxnLst>
+            <a:rect l="l" t="t" r="r" b="b"/>
+            <a:pathLst>
+              <a:path w="1202266" h="381000">
+                <a:moveTo>
+                  <a:pt x="0" y="0"/>
+                </a:moveTo>
+                <a:lnTo>
+                  <a:pt x="1202266" y="381000"/>
+                </a:lnTo>
+              </a:path>
+            </a:pathLst>
+          </a:custGeom>
+          <a:noFill/>
+          <a:ln w="28575">
+            <a:solidFill>
+              <a:schemeClr val="tx1"/>
+            </a:solidFill>
+            <a:headEnd type="triangle"/>
+          </a:ln>
+        </p:spPr>
+        <p:style>
+          <a:lnRef idx="2">
+            <a:schemeClr val="accent1">
+              <a:shade val="50000"/>
+            </a:schemeClr>
+          </a:lnRef>
+          <a:fillRef idx="1">
+            <a:schemeClr val="accent1"/>
+          </a:fillRef>
+          <a:effectRef idx="0">
+            <a:schemeClr val="accent1"/>
+          </a:effectRef>
+          <a:fontRef idx="minor">
+            <a:schemeClr val="lt1"/>
+          </a:fontRef>
+        </p:style>
+        <p:txBody>
+          <a:bodyPr rtlCol="0" anchor="ctr"/>
+          <a:lstStyle/>
+          <a:p>
+            <a:pPr algn="ctr"/>
+            <a:endParaRPr lang="en-GB"/>
+          </a:p>
+        </p:txBody>
+      </p:sp>
+      <p:sp>
+        <p:nvSpPr>
+          <p:cNvPr id="49" name="Freeform 48"/>
+          <p:cNvSpPr/>
+          <p:nvPr/>
+        </p:nvSpPr>
+        <p:spPr>
+          <a:xfrm flipV="1">
+            <a:off x="3274412" y="3888484"/>
+            <a:ext cx="1236134" cy="863600"/>
+          </a:xfrm>
+          <a:custGeom>
+            <a:avLst/>
+            <a:gdLst>
+              <a:gd name="connsiteX0" fmla="*/ 0 w 1236134"/>
+              <a:gd name="connsiteY0" fmla="*/ 0 h 863600"/>
+              <a:gd name="connsiteX1" fmla="*/ 812800 w 1236134"/>
+              <a:gd name="connsiteY1" fmla="*/ 220134 h 863600"/>
+              <a:gd name="connsiteX2" fmla="*/ 1236134 w 1236134"/>
+              <a:gd name="connsiteY2" fmla="*/ 863600 h 863600"/>
+            </a:gdLst>
+            <a:ahLst/>
+            <a:cxnLst>
+              <a:cxn ang="0">
+                <a:pos x="connsiteX0" y="connsiteY0"/>
+              </a:cxn>
+              <a:cxn ang="0">
+                <a:pos x="connsiteX1" y="connsiteY1"/>
+              </a:cxn>
+              <a:cxn ang="0">
+                <a:pos x="connsiteX2" y="connsiteY2"/>
+              </a:cxn>
+            </a:cxnLst>
+            <a:rect l="l" t="t" r="r" b="b"/>
+            <a:pathLst>
+              <a:path w="1236134" h="863600">
+                <a:moveTo>
+                  <a:pt x="0" y="0"/>
+                </a:moveTo>
+                <a:cubicBezTo>
+                  <a:pt x="303389" y="38100"/>
+                  <a:pt x="606778" y="76201"/>
+                  <a:pt x="812800" y="220134"/>
+                </a:cubicBezTo>
+                <a:cubicBezTo>
+                  <a:pt x="1018822" y="364067"/>
+                  <a:pt x="1169812" y="756356"/>
+                  <a:pt x="1236134" y="863600"/>
+                </a:cubicBezTo>
+              </a:path>
+            </a:pathLst>
+          </a:custGeom>
+          <a:noFill/>
+          <a:ln w="28575">
+            <a:solidFill>
+              <a:schemeClr val="tx1"/>
+            </a:solidFill>
+            <a:tailEnd type="triangle"/>
+          </a:ln>
+        </p:spPr>
+        <p:style>
+          <a:lnRef idx="2">
+            <a:schemeClr val="accent1">
+              <a:shade val="50000"/>
+            </a:schemeClr>
+          </a:lnRef>
+          <a:fillRef idx="1">
+            <a:schemeClr val="accent1"/>
+          </a:fillRef>
+          <a:effectRef idx="0">
+            <a:schemeClr val="accent1"/>
+          </a:effectRef>
+          <a:fontRef idx="minor">
+            <a:schemeClr val="lt1"/>
+          </a:fontRef>
+        </p:style>
+        <p:txBody>
+          <a:bodyPr rtlCol="0" anchor="ctr"/>
+          <a:lstStyle/>
+          <a:p>
+            <a:pPr algn="ctr"/>
+            <a:endParaRPr lang="en-GB"/>
+          </a:p>
+        </p:txBody>
+      </p:sp>
+      <p:sp>
+        <p:nvSpPr>
+          <p:cNvPr id="53" name="Freeform 52"/>
+          <p:cNvSpPr/>
+          <p:nvPr/>
+        </p:nvSpPr>
+        <p:spPr>
+          <a:xfrm>
+            <a:off x="3238321" y="3449771"/>
+            <a:ext cx="1177290" cy="7620"/>
+          </a:xfrm>
+          <a:custGeom>
+            <a:avLst/>
+            <a:gdLst>
+              <a:gd name="connsiteX0" fmla="*/ 0 w 1177290"/>
+              <a:gd name="connsiteY0" fmla="*/ 7620 h 7620"/>
+              <a:gd name="connsiteX1" fmla="*/ 1177290 w 1177290"/>
+              <a:gd name="connsiteY1" fmla="*/ 0 h 7620"/>
+            </a:gdLst>
+            <a:ahLst/>
+            <a:cxnLst>
+              <a:cxn ang="0">
+                <a:pos x="connsiteX0" y="connsiteY0"/>
+              </a:cxn>
+              <a:cxn ang="0">
+                <a:pos x="connsiteX1" y="connsiteY1"/>
+              </a:cxn>
+            </a:cxnLst>
+            <a:rect l="l" t="t" r="r" b="b"/>
+            <a:pathLst>
+              <a:path w="1177290" h="7620">
+                <a:moveTo>
+                  <a:pt x="0" y="7620"/>
+                </a:moveTo>
+                <a:lnTo>
+                  <a:pt x="1177290" y="0"/>
+                </a:lnTo>
+              </a:path>
+            </a:pathLst>
+          </a:custGeom>
+          <a:noFill/>
+          <a:ln w="28575">
+            <a:solidFill>
+              <a:schemeClr val="tx1"/>
+            </a:solidFill>
+            <a:tailEnd type="triangle"/>
+          </a:ln>
+        </p:spPr>
+        <p:style>
+          <a:lnRef idx="2">
+            <a:schemeClr val="accent1">
+              <a:shade val="50000"/>
+            </a:schemeClr>
+          </a:lnRef>
+          <a:fillRef idx="1">
+            <a:schemeClr val="accent1"/>
+          </a:fillRef>
+          <a:effectRef idx="0">
+            <a:schemeClr val="accent1"/>
+          </a:effectRef>
+          <a:fontRef idx="minor">
+            <a:schemeClr val="lt1"/>
+          </a:fontRef>
+        </p:style>
+        <p:txBody>
+          <a:bodyPr rtlCol="0" anchor="ctr"/>
+          <a:lstStyle/>
+          <a:p>
+            <a:pPr algn="ctr"/>
+            <a:endParaRPr lang="en-GB"/>
+          </a:p>
+        </p:txBody>
+      </p:sp>
+      <p:sp>
+        <p:nvSpPr>
+          <p:cNvPr id="31" name="Freeform 30"/>
           <p:cNvSpPr/>
           <p:nvPr/>
         </p:nvSpPr>
@@ -9729,7 +12534,7 @@
       </p:sp>
       <p:sp>
         <p:nvSpPr>
-          <p:cNvPr id="26" name="Freeform 25"/>
+          <p:cNvPr id="32" name="Freeform 31"/>
           <p:cNvSpPr/>
           <p:nvPr/>
         </p:nvSpPr>
@@ -9804,7 +12609,7 @@
       </p:sp>
       <p:sp>
         <p:nvSpPr>
-          <p:cNvPr id="27" name="Freeform 26"/>
+          <p:cNvPr id="33" name="Freeform 32"/>
           <p:cNvSpPr/>
           <p:nvPr/>
         </p:nvSpPr>
@@ -9879,7 +12684,7 @@
       </p:sp>
       <p:sp>
         <p:nvSpPr>
-          <p:cNvPr id="28" name="Freeform 27"/>
+          <p:cNvPr id="34" name="Freeform 33"/>
           <p:cNvSpPr/>
           <p:nvPr/>
         </p:nvSpPr>
@@ -9964,7 +12769,7 @@
       </p:sp>
       <p:sp>
         <p:nvSpPr>
-          <p:cNvPr id="29" name="Freeform 28"/>
+          <p:cNvPr id="35" name="Freeform 34"/>
           <p:cNvSpPr/>
           <p:nvPr/>
         </p:nvSpPr>
@@ -10049,7 +12854,7 @@
       </p:sp>
       <p:sp>
         <p:nvSpPr>
-          <p:cNvPr id="30" name="Freeform 29"/>
+          <p:cNvPr id="36" name="Freeform 35"/>
           <p:cNvSpPr/>
           <p:nvPr/>
         </p:nvSpPr>
@@ -10134,7 +12939,7 @@
       </p:sp>
       <p:sp>
         <p:nvSpPr>
-          <p:cNvPr id="31" name="Freeform 30"/>
+          <p:cNvPr id="37" name="Freeform 36"/>
           <p:cNvSpPr/>
           <p:nvPr/>
         </p:nvSpPr>
@@ -10219,7 +13024,7 @@
       </p:sp>
       <p:sp>
         <p:nvSpPr>
-          <p:cNvPr id="32" name="Freeform 31"/>
+          <p:cNvPr id="38" name="Freeform 37"/>
           <p:cNvSpPr/>
           <p:nvPr/>
         </p:nvSpPr>
@@ -10304,7 +13109,7 @@
       </p:sp>
       <p:sp>
         <p:nvSpPr>
-          <p:cNvPr id="33" name="Freeform 32"/>
+          <p:cNvPr id="39" name="Freeform 38"/>
           <p:cNvSpPr/>
           <p:nvPr/>
         </p:nvSpPr>
@@ -10387,2880 +13192,6 @@
           </a:p>
         </p:txBody>
       </p:sp>
-      <p:sp>
-        <p:nvSpPr>
-          <p:cNvPr id="34" name="Freeform 33"/>
-          <p:cNvSpPr/>
-          <p:nvPr/>
-        </p:nvSpPr>
-        <p:spPr>
-          <a:xfrm>
-            <a:off x="3169918" y="2895128"/>
-            <a:ext cx="539931" cy="235132"/>
-          </a:xfrm>
-          <a:custGeom>
-            <a:avLst/>
-            <a:gdLst>
-              <a:gd name="connsiteX0" fmla="*/ 0 w 539931"/>
-              <a:gd name="connsiteY0" fmla="*/ 0 h 235132"/>
-              <a:gd name="connsiteX1" fmla="*/ 539931 w 539931"/>
-              <a:gd name="connsiteY1" fmla="*/ 235132 h 235132"/>
-            </a:gdLst>
-            <a:ahLst/>
-            <a:cxnLst>
-              <a:cxn ang="0">
-                <a:pos x="connsiteX0" y="connsiteY0"/>
-              </a:cxn>
-              <a:cxn ang="0">
-                <a:pos x="connsiteX1" y="connsiteY1"/>
-              </a:cxn>
-            </a:cxnLst>
-            <a:rect l="l" t="t" r="r" b="b"/>
-            <a:pathLst>
-              <a:path w="539931" h="235132">
-                <a:moveTo>
-                  <a:pt x="0" y="0"/>
-                </a:moveTo>
-                <a:cubicBezTo>
-                  <a:pt x="204651" y="98697"/>
-                  <a:pt x="409303" y="197395"/>
-                  <a:pt x="539931" y="235132"/>
-                </a:cubicBezTo>
-              </a:path>
-            </a:pathLst>
-          </a:custGeom>
-          <a:noFill/>
-          <a:ln w="28575">
-            <a:solidFill>
-              <a:schemeClr val="tx1"/>
-            </a:solidFill>
-            <a:tailEnd type="triangle"/>
-          </a:ln>
-        </p:spPr>
-        <p:style>
-          <a:lnRef idx="2">
-            <a:schemeClr val="accent1">
-              <a:shade val="50000"/>
-            </a:schemeClr>
-          </a:lnRef>
-          <a:fillRef idx="1">
-            <a:schemeClr val="accent1"/>
-          </a:fillRef>
-          <a:effectRef idx="0">
-            <a:schemeClr val="accent1"/>
-          </a:effectRef>
-          <a:fontRef idx="minor">
-            <a:schemeClr val="lt1"/>
-          </a:fontRef>
-        </p:style>
-        <p:txBody>
-          <a:bodyPr rtlCol="0" anchor="ctr"/>
-          <a:lstStyle/>
-          <a:p>
-            <a:pPr algn="ctr"/>
-            <a:endParaRPr lang="en-GB"/>
-          </a:p>
-        </p:txBody>
-      </p:sp>
-      <p:sp>
-        <p:nvSpPr>
-          <p:cNvPr id="35" name="Freeform 34"/>
-          <p:cNvSpPr/>
-          <p:nvPr/>
-        </p:nvSpPr>
-        <p:spPr>
-          <a:xfrm flipH="1">
-            <a:off x="3169918" y="3804477"/>
-            <a:ext cx="539931" cy="235132"/>
-          </a:xfrm>
-          <a:custGeom>
-            <a:avLst/>
-            <a:gdLst>
-              <a:gd name="connsiteX0" fmla="*/ 0 w 539931"/>
-              <a:gd name="connsiteY0" fmla="*/ 0 h 235132"/>
-              <a:gd name="connsiteX1" fmla="*/ 539931 w 539931"/>
-              <a:gd name="connsiteY1" fmla="*/ 235132 h 235132"/>
-            </a:gdLst>
-            <a:ahLst/>
-            <a:cxnLst>
-              <a:cxn ang="0">
-                <a:pos x="connsiteX0" y="connsiteY0"/>
-              </a:cxn>
-              <a:cxn ang="0">
-                <a:pos x="connsiteX1" y="connsiteY1"/>
-              </a:cxn>
-            </a:cxnLst>
-            <a:rect l="l" t="t" r="r" b="b"/>
-            <a:pathLst>
-              <a:path w="539931" h="235132">
-                <a:moveTo>
-                  <a:pt x="0" y="0"/>
-                </a:moveTo>
-                <a:cubicBezTo>
-                  <a:pt x="204651" y="98697"/>
-                  <a:pt x="409303" y="197395"/>
-                  <a:pt x="539931" y="235132"/>
-                </a:cubicBezTo>
-              </a:path>
-            </a:pathLst>
-          </a:custGeom>
-          <a:noFill/>
-          <a:ln w="28575">
-            <a:solidFill>
-              <a:schemeClr val="tx1"/>
-            </a:solidFill>
-            <a:headEnd type="triangle"/>
-          </a:ln>
-        </p:spPr>
-        <p:style>
-          <a:lnRef idx="2">
-            <a:schemeClr val="accent1">
-              <a:shade val="50000"/>
-            </a:schemeClr>
-          </a:lnRef>
-          <a:fillRef idx="1">
-            <a:schemeClr val="accent1"/>
-          </a:fillRef>
-          <a:effectRef idx="0">
-            <a:schemeClr val="accent1"/>
-          </a:effectRef>
-          <a:fontRef idx="minor">
-            <a:schemeClr val="lt1"/>
-          </a:fontRef>
-        </p:style>
-        <p:txBody>
-          <a:bodyPr rtlCol="0" anchor="ctr"/>
-          <a:lstStyle/>
-          <a:p>
-            <a:pPr algn="ctr"/>
-            <a:endParaRPr lang="en-GB"/>
-          </a:p>
-        </p:txBody>
-      </p:sp>
-      <p:sp>
-        <p:nvSpPr>
-          <p:cNvPr id="36" name="Freeform 35"/>
-          <p:cNvSpPr/>
-          <p:nvPr/>
-        </p:nvSpPr>
-        <p:spPr>
-          <a:xfrm>
-            <a:off x="4937759" y="3432188"/>
-            <a:ext cx="522515" cy="12569"/>
-          </a:xfrm>
-          <a:custGeom>
-            <a:avLst/>
-            <a:gdLst>
-              <a:gd name="connsiteX0" fmla="*/ 0 w 522515"/>
-              <a:gd name="connsiteY0" fmla="*/ 0 h 12569"/>
-              <a:gd name="connsiteX1" fmla="*/ 522515 w 522515"/>
-              <a:gd name="connsiteY1" fmla="*/ 0 h 12569"/>
-            </a:gdLst>
-            <a:ahLst/>
-            <a:cxnLst>
-              <a:cxn ang="0">
-                <a:pos x="connsiteX0" y="connsiteY0"/>
-              </a:cxn>
-              <a:cxn ang="0">
-                <a:pos x="connsiteX1" y="connsiteY1"/>
-              </a:cxn>
-            </a:cxnLst>
-            <a:rect l="l" t="t" r="r" b="b"/>
-            <a:pathLst>
-              <a:path w="522515" h="12569">
-                <a:moveTo>
-                  <a:pt x="0" y="0"/>
-                </a:moveTo>
-                <a:cubicBezTo>
-                  <a:pt x="203926" y="10885"/>
-                  <a:pt x="407852" y="21771"/>
-                  <a:pt x="522515" y="0"/>
-                </a:cubicBezTo>
-              </a:path>
-            </a:pathLst>
-          </a:custGeom>
-          <a:noFill/>
-          <a:ln w="28575">
-            <a:solidFill>
-              <a:schemeClr val="tx1"/>
-            </a:solidFill>
-            <a:tailEnd type="triangle"/>
-          </a:ln>
-        </p:spPr>
-        <p:style>
-          <a:lnRef idx="2">
-            <a:schemeClr val="accent1">
-              <a:shade val="50000"/>
-            </a:schemeClr>
-          </a:lnRef>
-          <a:fillRef idx="1">
-            <a:schemeClr val="accent1"/>
-          </a:fillRef>
-          <a:effectRef idx="0">
-            <a:schemeClr val="accent1"/>
-          </a:effectRef>
-          <a:fontRef idx="minor">
-            <a:schemeClr val="lt1"/>
-          </a:fontRef>
-        </p:style>
-        <p:txBody>
-          <a:bodyPr rtlCol="0" anchor="ctr"/>
-          <a:lstStyle/>
-          <a:p>
-            <a:pPr algn="ctr"/>
-            <a:endParaRPr lang="en-GB"/>
-          </a:p>
-        </p:txBody>
-      </p:sp>
-      <p:sp>
-        <p:nvSpPr>
-          <p:cNvPr id="37" name="Freeform 36"/>
-          <p:cNvSpPr/>
-          <p:nvPr/>
-        </p:nvSpPr>
-        <p:spPr>
-          <a:xfrm>
-            <a:off x="3239588" y="2617663"/>
-            <a:ext cx="2246811" cy="300719"/>
-          </a:xfrm>
-          <a:custGeom>
-            <a:avLst/>
-            <a:gdLst>
-              <a:gd name="connsiteX0" fmla="*/ 0 w 2246811"/>
-              <a:gd name="connsiteY0" fmla="*/ 74296 h 300719"/>
-              <a:gd name="connsiteX1" fmla="*/ 1001486 w 2246811"/>
-              <a:gd name="connsiteY1" fmla="*/ 13336 h 300719"/>
-              <a:gd name="connsiteX2" fmla="*/ 2246811 w 2246811"/>
-              <a:gd name="connsiteY2" fmla="*/ 300719 h 300719"/>
-            </a:gdLst>
-            <a:ahLst/>
-            <a:cxnLst>
-              <a:cxn ang="0">
-                <a:pos x="connsiteX0" y="connsiteY0"/>
-              </a:cxn>
-              <a:cxn ang="0">
-                <a:pos x="connsiteX1" y="connsiteY1"/>
-              </a:cxn>
-              <a:cxn ang="0">
-                <a:pos x="connsiteX2" y="connsiteY2"/>
-              </a:cxn>
-            </a:cxnLst>
-            <a:rect l="l" t="t" r="r" b="b"/>
-            <a:pathLst>
-              <a:path w="2246811" h="300719">
-                <a:moveTo>
-                  <a:pt x="0" y="74296"/>
-                </a:moveTo>
-                <a:cubicBezTo>
-                  <a:pt x="313509" y="24947"/>
-                  <a:pt x="627018" y="-24401"/>
-                  <a:pt x="1001486" y="13336"/>
-                </a:cubicBezTo>
-                <a:cubicBezTo>
-                  <a:pt x="1375954" y="51073"/>
-                  <a:pt x="1811382" y="175896"/>
-                  <a:pt x="2246811" y="300719"/>
-                </a:cubicBezTo>
-              </a:path>
-            </a:pathLst>
-          </a:custGeom>
-          <a:noFill/>
-          <a:ln w="28575">
-            <a:solidFill>
-              <a:schemeClr val="tx1"/>
-            </a:solidFill>
-            <a:tailEnd type="triangle"/>
-          </a:ln>
-        </p:spPr>
-        <p:style>
-          <a:lnRef idx="2">
-            <a:schemeClr val="accent1">
-              <a:shade val="50000"/>
-            </a:schemeClr>
-          </a:lnRef>
-          <a:fillRef idx="1">
-            <a:schemeClr val="accent1"/>
-          </a:fillRef>
-          <a:effectRef idx="0">
-            <a:schemeClr val="accent1"/>
-          </a:effectRef>
-          <a:fontRef idx="minor">
-            <a:schemeClr val="lt1"/>
-          </a:fontRef>
-        </p:style>
-        <p:txBody>
-          <a:bodyPr rtlCol="0" anchor="ctr"/>
-          <a:lstStyle/>
-          <a:p>
-            <a:pPr algn="ctr"/>
-            <a:endParaRPr lang="en-GB"/>
-          </a:p>
-        </p:txBody>
-      </p:sp>
-      <p:sp>
-        <p:nvSpPr>
-          <p:cNvPr id="38" name="Freeform 37"/>
-          <p:cNvSpPr/>
-          <p:nvPr/>
-        </p:nvSpPr>
-        <p:spPr>
-          <a:xfrm flipV="1">
-            <a:off x="3239587" y="3987779"/>
-            <a:ext cx="2246811" cy="300719"/>
-          </a:xfrm>
-          <a:custGeom>
-            <a:avLst/>
-            <a:gdLst>
-              <a:gd name="connsiteX0" fmla="*/ 0 w 2246811"/>
-              <a:gd name="connsiteY0" fmla="*/ 74296 h 300719"/>
-              <a:gd name="connsiteX1" fmla="*/ 1001486 w 2246811"/>
-              <a:gd name="connsiteY1" fmla="*/ 13336 h 300719"/>
-              <a:gd name="connsiteX2" fmla="*/ 2246811 w 2246811"/>
-              <a:gd name="connsiteY2" fmla="*/ 300719 h 300719"/>
-            </a:gdLst>
-            <a:ahLst/>
-            <a:cxnLst>
-              <a:cxn ang="0">
-                <a:pos x="connsiteX0" y="connsiteY0"/>
-              </a:cxn>
-              <a:cxn ang="0">
-                <a:pos x="connsiteX1" y="connsiteY1"/>
-              </a:cxn>
-              <a:cxn ang="0">
-                <a:pos x="connsiteX2" y="connsiteY2"/>
-              </a:cxn>
-            </a:cxnLst>
-            <a:rect l="l" t="t" r="r" b="b"/>
-            <a:pathLst>
-              <a:path w="2246811" h="300719">
-                <a:moveTo>
-                  <a:pt x="0" y="74296"/>
-                </a:moveTo>
-                <a:cubicBezTo>
-                  <a:pt x="313509" y="24947"/>
-                  <a:pt x="627018" y="-24401"/>
-                  <a:pt x="1001486" y="13336"/>
-                </a:cubicBezTo>
-                <a:cubicBezTo>
-                  <a:pt x="1375954" y="51073"/>
-                  <a:pt x="1811382" y="175896"/>
-                  <a:pt x="2246811" y="300719"/>
-                </a:cubicBezTo>
-              </a:path>
-            </a:pathLst>
-          </a:custGeom>
-          <a:noFill/>
-          <a:ln w="28575">
-            <a:solidFill>
-              <a:schemeClr val="tx1"/>
-            </a:solidFill>
-            <a:tailEnd type="triangle"/>
-          </a:ln>
-        </p:spPr>
-        <p:style>
-          <a:lnRef idx="2">
-            <a:schemeClr val="accent1">
-              <a:shade val="50000"/>
-            </a:schemeClr>
-          </a:lnRef>
-          <a:fillRef idx="1">
-            <a:schemeClr val="accent1"/>
-          </a:fillRef>
-          <a:effectRef idx="0">
-            <a:schemeClr val="accent1"/>
-          </a:effectRef>
-          <a:fontRef idx="minor">
-            <a:schemeClr val="lt1"/>
-          </a:fontRef>
-        </p:style>
-        <p:txBody>
-          <a:bodyPr rtlCol="0" anchor="ctr"/>
-          <a:lstStyle/>
-          <a:p>
-            <a:pPr algn="ctr"/>
-            <a:endParaRPr lang="en-GB"/>
-          </a:p>
-        </p:txBody>
-      </p:sp>
-      <p:sp>
-        <p:nvSpPr>
-          <p:cNvPr id="55" name="TextBox 54"/>
-          <p:cNvSpPr txBox="1"/>
-          <p:nvPr/>
-        </p:nvSpPr>
-        <p:spPr>
-          <a:xfrm>
-            <a:off x="8068488" y="2254886"/>
-            <a:ext cx="318411" cy="323165"/>
-          </a:xfrm>
-          <a:prstGeom prst="rect">
-            <a:avLst/>
-          </a:prstGeom>
-          <a:noFill/>
-        </p:spPr>
-        <p:txBody>
-          <a:bodyPr wrap="square" rtlCol="0">
-            <a:spAutoFit/>
-          </a:bodyPr>
-          <a:lstStyle/>
-          <a:p>
-            <a:r>
-              <a:rPr lang="en-GB" sz="1500" b="1" dirty="0"/>
-              <a:t>d</a:t>
-            </a:r>
-          </a:p>
-        </p:txBody>
-      </p:sp>
-      <p:sp>
-        <p:nvSpPr>
-          <p:cNvPr id="56" name="TextBox 55"/>
-          <p:cNvSpPr txBox="1"/>
-          <p:nvPr/>
-        </p:nvSpPr>
-        <p:spPr>
-          <a:xfrm>
-            <a:off x="8068489" y="4318984"/>
-            <a:ext cx="318411" cy="323165"/>
-          </a:xfrm>
-          <a:prstGeom prst="rect">
-            <a:avLst/>
-          </a:prstGeom>
-          <a:noFill/>
-        </p:spPr>
-        <p:txBody>
-          <a:bodyPr wrap="square" rtlCol="0">
-            <a:spAutoFit/>
-          </a:bodyPr>
-          <a:lstStyle/>
-          <a:p>
-            <a:r>
-              <a:rPr lang="en-GB" sz="1500" b="1" dirty="0"/>
-              <a:t>e</a:t>
-            </a:r>
-          </a:p>
-        </p:txBody>
-      </p:sp>
-      <p:sp>
-        <p:nvSpPr>
-          <p:cNvPr id="57" name="TextBox 56"/>
-          <p:cNvSpPr txBox="1"/>
-          <p:nvPr/>
-        </p:nvSpPr>
-        <p:spPr>
-          <a:xfrm>
-            <a:off x="10084797" y="2479702"/>
-            <a:ext cx="318411" cy="323165"/>
-          </a:xfrm>
-          <a:prstGeom prst="rect">
-            <a:avLst/>
-          </a:prstGeom>
-          <a:noFill/>
-        </p:spPr>
-        <p:txBody>
-          <a:bodyPr wrap="square" rtlCol="0">
-            <a:spAutoFit/>
-          </a:bodyPr>
-          <a:lstStyle/>
-          <a:p>
-            <a:r>
-              <a:rPr lang="en-GB" sz="1500" b="1" dirty="0"/>
-              <a:t>f</a:t>
-            </a:r>
-          </a:p>
-        </p:txBody>
-      </p:sp>
-      <p:sp>
-        <p:nvSpPr>
-          <p:cNvPr id="58" name="TextBox 57"/>
-          <p:cNvSpPr txBox="1"/>
-          <p:nvPr/>
-        </p:nvSpPr>
-        <p:spPr>
-          <a:xfrm>
-            <a:off x="10084797" y="4016850"/>
-            <a:ext cx="318411" cy="323165"/>
-          </a:xfrm>
-          <a:prstGeom prst="rect">
-            <a:avLst/>
-          </a:prstGeom>
-          <a:noFill/>
-        </p:spPr>
-        <p:txBody>
-          <a:bodyPr wrap="square" rtlCol="0">
-            <a:spAutoFit/>
-          </a:bodyPr>
-          <a:lstStyle/>
-          <a:p>
-            <a:r>
-              <a:rPr lang="en-GB" sz="1500" b="1" dirty="0"/>
-              <a:t>g</a:t>
-            </a:r>
-          </a:p>
-        </p:txBody>
-      </p:sp>
-      <p:sp>
-        <p:nvSpPr>
-          <p:cNvPr id="60" name="TextBox 59"/>
-          <p:cNvSpPr txBox="1"/>
-          <p:nvPr/>
-        </p:nvSpPr>
-        <p:spPr>
-          <a:xfrm>
-            <a:off x="8962113" y="3819778"/>
-            <a:ext cx="318411" cy="323165"/>
-          </a:xfrm>
-          <a:prstGeom prst="rect">
-            <a:avLst/>
-          </a:prstGeom>
-          <a:noFill/>
-        </p:spPr>
-        <p:txBody>
-          <a:bodyPr wrap="square" rtlCol="0">
-            <a:spAutoFit/>
-          </a:bodyPr>
-          <a:lstStyle/>
-          <a:p>
-            <a:r>
-              <a:rPr lang="en-GB" sz="1500" b="1" dirty="0"/>
-              <a:t>c</a:t>
-            </a:r>
-          </a:p>
-        </p:txBody>
-      </p:sp>
-      <p:sp>
-        <p:nvSpPr>
-          <p:cNvPr id="61" name="TextBox 60"/>
-          <p:cNvSpPr txBox="1"/>
-          <p:nvPr/>
-        </p:nvSpPr>
-        <p:spPr>
-          <a:xfrm>
-            <a:off x="9962923" y="3177086"/>
-            <a:ext cx="289838" cy="323165"/>
-          </a:xfrm>
-          <a:prstGeom prst="rect">
-            <a:avLst/>
-          </a:prstGeom>
-          <a:noFill/>
-        </p:spPr>
-        <p:txBody>
-          <a:bodyPr wrap="square" rtlCol="0">
-            <a:spAutoFit/>
-          </a:bodyPr>
-          <a:lstStyle/>
-          <a:p>
-            <a:r>
-              <a:rPr lang="en-GB" sz="1500" b="1" dirty="0"/>
-              <a:t>a</a:t>
-            </a:r>
-          </a:p>
-        </p:txBody>
-      </p:sp>
-      <p:sp>
-        <p:nvSpPr>
-          <p:cNvPr id="62" name="TextBox 61"/>
-          <p:cNvSpPr txBox="1"/>
-          <p:nvPr/>
-        </p:nvSpPr>
-        <p:spPr>
-          <a:xfrm>
-            <a:off x="8962113" y="2795639"/>
-            <a:ext cx="318411" cy="323165"/>
-          </a:xfrm>
-          <a:prstGeom prst="rect">
-            <a:avLst/>
-          </a:prstGeom>
-          <a:noFill/>
-        </p:spPr>
-        <p:txBody>
-          <a:bodyPr wrap="square" rtlCol="0">
-            <a:spAutoFit/>
-          </a:bodyPr>
-          <a:lstStyle/>
-          <a:p>
-            <a:r>
-              <a:rPr lang="en-GB" sz="1500" b="1" dirty="0"/>
-              <a:t>b</a:t>
-            </a:r>
-          </a:p>
-        </p:txBody>
-      </p:sp>
-      <p:sp>
-        <p:nvSpPr>
-          <p:cNvPr id="64" name="TextBox 63"/>
-          <p:cNvSpPr txBox="1"/>
-          <p:nvPr/>
-        </p:nvSpPr>
-        <p:spPr>
-          <a:xfrm>
-            <a:off x="4048396" y="3977220"/>
-            <a:ext cx="318411" cy="323165"/>
-          </a:xfrm>
-          <a:prstGeom prst="rect">
-            <a:avLst/>
-          </a:prstGeom>
-          <a:noFill/>
-        </p:spPr>
-        <p:txBody>
-          <a:bodyPr wrap="square" rtlCol="0">
-            <a:spAutoFit/>
-          </a:bodyPr>
-          <a:lstStyle/>
-          <a:p>
-            <a:r>
-              <a:rPr lang="en-GB" sz="1500" b="1" dirty="0"/>
-              <a:t>c</a:t>
-            </a:r>
-          </a:p>
-        </p:txBody>
-      </p:sp>
-      <p:sp>
-        <p:nvSpPr>
-          <p:cNvPr id="65" name="TextBox 64"/>
-          <p:cNvSpPr txBox="1"/>
-          <p:nvPr/>
-        </p:nvSpPr>
-        <p:spPr>
-          <a:xfrm>
-            <a:off x="5021854" y="3130580"/>
-            <a:ext cx="318411" cy="323165"/>
-          </a:xfrm>
-          <a:prstGeom prst="rect">
-            <a:avLst/>
-          </a:prstGeom>
-          <a:noFill/>
-        </p:spPr>
-        <p:txBody>
-          <a:bodyPr wrap="square" rtlCol="0">
-            <a:spAutoFit/>
-          </a:bodyPr>
-          <a:lstStyle/>
-          <a:p>
-            <a:r>
-              <a:rPr lang="en-GB" sz="1500" b="1" dirty="0"/>
-              <a:t>a</a:t>
-            </a:r>
-          </a:p>
-        </p:txBody>
-      </p:sp>
-      <p:sp>
-        <p:nvSpPr>
-          <p:cNvPr id="66" name="TextBox 65"/>
-          <p:cNvSpPr txBox="1"/>
-          <p:nvPr/>
-        </p:nvSpPr>
-        <p:spPr>
-          <a:xfrm>
-            <a:off x="4048396" y="2637902"/>
-            <a:ext cx="318411" cy="323165"/>
-          </a:xfrm>
-          <a:prstGeom prst="rect">
-            <a:avLst/>
-          </a:prstGeom>
-          <a:noFill/>
-        </p:spPr>
-        <p:txBody>
-          <a:bodyPr wrap="square" rtlCol="0">
-            <a:spAutoFit/>
-          </a:bodyPr>
-          <a:lstStyle/>
-          <a:p>
-            <a:r>
-              <a:rPr lang="en-GB" sz="1500" b="1" dirty="0"/>
-              <a:t>b</a:t>
-            </a:r>
-          </a:p>
-        </p:txBody>
-      </p:sp>
-      <p:sp>
-        <p:nvSpPr>
-          <p:cNvPr id="50" name="TextBox 49"/>
-          <p:cNvSpPr txBox="1"/>
-          <p:nvPr/>
-        </p:nvSpPr>
-        <p:spPr>
-          <a:xfrm>
-            <a:off x="3169918" y="3636161"/>
-            <a:ext cx="826765" cy="323165"/>
-          </a:xfrm>
-          <a:prstGeom prst="rect">
-            <a:avLst/>
-          </a:prstGeom>
-          <a:noFill/>
-        </p:spPr>
-        <p:txBody>
-          <a:bodyPr wrap="square" rtlCol="0">
-            <a:spAutoFit/>
-          </a:bodyPr>
-          <a:lstStyle/>
-          <a:p>
-            <a:r>
-              <a:rPr lang="en-GB" sz="1500" b="1" i="1" dirty="0" smtClean="0"/>
-              <a:t>0.5</a:t>
-            </a:r>
-            <a:endParaRPr lang="en-GB" sz="1500" b="1" i="1" dirty="0"/>
-          </a:p>
-        </p:txBody>
-      </p:sp>
-      <p:sp>
-        <p:nvSpPr>
-          <p:cNvPr id="51" name="TextBox 50"/>
-          <p:cNvSpPr txBox="1"/>
-          <p:nvPr/>
-        </p:nvSpPr>
-        <p:spPr>
-          <a:xfrm>
-            <a:off x="3165883" y="3034264"/>
-            <a:ext cx="788675" cy="323165"/>
-          </a:xfrm>
-          <a:prstGeom prst="rect">
-            <a:avLst/>
-          </a:prstGeom>
-          <a:noFill/>
-        </p:spPr>
-        <p:txBody>
-          <a:bodyPr wrap="square" rtlCol="0">
-            <a:spAutoFit/>
-          </a:bodyPr>
-          <a:lstStyle/>
-          <a:p>
-            <a:r>
-              <a:rPr lang="en-GB" sz="1500" b="1" i="1" dirty="0" smtClean="0"/>
-              <a:t>0.5</a:t>
-            </a:r>
-            <a:endParaRPr lang="en-GB" sz="1500" b="1" i="1" dirty="0"/>
-          </a:p>
-        </p:txBody>
-      </p:sp>
-      <p:sp>
-        <p:nvSpPr>
-          <p:cNvPr id="52" name="TextBox 51"/>
-          <p:cNvSpPr txBox="1"/>
-          <p:nvPr/>
-        </p:nvSpPr>
-        <p:spPr>
-          <a:xfrm>
-            <a:off x="8012432" y="3640345"/>
-            <a:ext cx="826765" cy="323165"/>
-          </a:xfrm>
-          <a:prstGeom prst="rect">
-            <a:avLst/>
-          </a:prstGeom>
-          <a:noFill/>
-        </p:spPr>
-        <p:txBody>
-          <a:bodyPr wrap="square" rtlCol="0">
-            <a:spAutoFit/>
-          </a:bodyPr>
-          <a:lstStyle/>
-          <a:p>
-            <a:r>
-              <a:rPr lang="en-GB" sz="1500" b="1" i="1" dirty="0" smtClean="0"/>
-              <a:t>0.5</a:t>
-            </a:r>
-            <a:endParaRPr lang="en-GB" sz="1500" b="1" i="1" dirty="0"/>
-          </a:p>
-        </p:txBody>
-      </p:sp>
-      <p:sp>
-        <p:nvSpPr>
-          <p:cNvPr id="59" name="TextBox 58"/>
-          <p:cNvSpPr txBox="1"/>
-          <p:nvPr/>
-        </p:nvSpPr>
-        <p:spPr>
-          <a:xfrm>
-            <a:off x="8006979" y="3023852"/>
-            <a:ext cx="788675" cy="323165"/>
-          </a:xfrm>
-          <a:prstGeom prst="rect">
-            <a:avLst/>
-          </a:prstGeom>
-          <a:noFill/>
-        </p:spPr>
-        <p:txBody>
-          <a:bodyPr wrap="square" rtlCol="0">
-            <a:spAutoFit/>
-          </a:bodyPr>
-          <a:lstStyle/>
-          <a:p>
-            <a:r>
-              <a:rPr lang="en-GB" sz="1500" b="1" i="1" dirty="0" smtClean="0"/>
-              <a:t>0.5</a:t>
-            </a:r>
-            <a:endParaRPr lang="en-GB" sz="1500" b="1" i="1" dirty="0"/>
-          </a:p>
-        </p:txBody>
-      </p:sp>
-    </p:spTree>
-    <p:extLst>
-      <p:ext uri="{BB962C8B-B14F-4D97-AF65-F5344CB8AC3E}">
-        <p14:creationId xmlns:p14="http://schemas.microsoft.com/office/powerpoint/2010/main" val="1809817002"/>
-      </p:ext>
-    </p:extLst>
-  </p:cSld>
-  <p:clrMapOvr>
-    <a:masterClrMapping/>
-  </p:clrMapOvr>
-</p:sld>
-</file>
-
-<file path=ppt/slides/slide7.xml><?xml version="1.0" encoding="utf-8"?>
-<p:sld xmlns:a="http://schemas.openxmlformats.org/drawingml/2006/main" xmlns:r="http://schemas.openxmlformats.org/officeDocument/2006/relationships" xmlns:p="http://schemas.openxmlformats.org/presentationml/2006/main">
-  <p:cSld>
-    <p:spTree>
-      <p:nvGrpSpPr>
-        <p:cNvPr id="1" name=""/>
-        <p:cNvGrpSpPr/>
-        <p:nvPr/>
-      </p:nvGrpSpPr>
-      <p:grpSpPr>
-        <a:xfrm>
-          <a:off x="0" y="0"/>
-          <a:ext cx="0" cy="0"/>
-          <a:chOff x="0" y="0"/>
-          <a:chExt cx="0" cy="0"/>
-        </a:xfrm>
-      </p:grpSpPr>
-      <p:sp>
-        <p:nvSpPr>
-          <p:cNvPr id="2" name="Rectangle 1"/>
-          <p:cNvSpPr/>
-          <p:nvPr/>
-        </p:nvSpPr>
-        <p:spPr>
-          <a:xfrm>
-            <a:off x="2238091" y="3816922"/>
-            <a:ext cx="870857" cy="572589"/>
-          </a:xfrm>
-          <a:prstGeom prst="rect">
-            <a:avLst/>
-          </a:prstGeom>
-          <a:noFill/>
-          <a:ln w="28575">
-            <a:solidFill>
-              <a:schemeClr val="tx1"/>
-            </a:solidFill>
-          </a:ln>
-        </p:spPr>
-        <p:style>
-          <a:lnRef idx="2">
-            <a:schemeClr val="accent1">
-              <a:shade val="50000"/>
-            </a:schemeClr>
-          </a:lnRef>
-          <a:fillRef idx="1">
-            <a:schemeClr val="accent1"/>
-          </a:fillRef>
-          <a:effectRef idx="0">
-            <a:schemeClr val="accent1"/>
-          </a:effectRef>
-          <a:fontRef idx="minor">
-            <a:schemeClr val="lt1"/>
-          </a:fontRef>
-        </p:style>
-        <p:txBody>
-          <a:bodyPr rtlCol="0" anchor="ctr"/>
-          <a:lstStyle/>
-          <a:p>
-            <a:pPr algn="ctr"/>
-            <a:endParaRPr lang="en-GB"/>
-          </a:p>
-        </p:txBody>
-      </p:sp>
-      <p:sp>
-        <p:nvSpPr>
-          <p:cNvPr id="3" name="Rectangle 2"/>
-          <p:cNvSpPr/>
-          <p:nvPr/>
-        </p:nvSpPr>
-        <p:spPr>
-          <a:xfrm>
-            <a:off x="2238092" y="3142705"/>
-            <a:ext cx="870857" cy="572589"/>
-          </a:xfrm>
-          <a:prstGeom prst="rect">
-            <a:avLst/>
-          </a:prstGeom>
-          <a:noFill/>
-          <a:ln w="28575">
-            <a:solidFill>
-              <a:schemeClr val="tx1"/>
-            </a:solidFill>
-          </a:ln>
-        </p:spPr>
-        <p:style>
-          <a:lnRef idx="2">
-            <a:schemeClr val="accent1">
-              <a:shade val="50000"/>
-            </a:schemeClr>
-          </a:lnRef>
-          <a:fillRef idx="1">
-            <a:schemeClr val="accent1"/>
-          </a:fillRef>
-          <a:effectRef idx="0">
-            <a:schemeClr val="accent1"/>
-          </a:effectRef>
-          <a:fontRef idx="minor">
-            <a:schemeClr val="lt1"/>
-          </a:fontRef>
-        </p:style>
-        <p:txBody>
-          <a:bodyPr rtlCol="0" anchor="ctr"/>
-          <a:lstStyle/>
-          <a:p>
-            <a:pPr algn="ctr"/>
-            <a:endParaRPr lang="en-GB"/>
-          </a:p>
-        </p:txBody>
-      </p:sp>
-      <p:sp>
-        <p:nvSpPr>
-          <p:cNvPr id="4" name="TextBox 3"/>
-          <p:cNvSpPr txBox="1"/>
-          <p:nvPr/>
-        </p:nvSpPr>
-        <p:spPr>
-          <a:xfrm>
-            <a:off x="7062649" y="2671744"/>
-            <a:ext cx="905692" cy="369332"/>
-          </a:xfrm>
-          <a:prstGeom prst="rect">
-            <a:avLst/>
-          </a:prstGeom>
-          <a:noFill/>
-        </p:spPr>
-        <p:txBody>
-          <a:bodyPr wrap="square" rtlCol="0">
-            <a:spAutoFit/>
-          </a:bodyPr>
-          <a:lstStyle/>
-          <a:p>
-            <a:r>
-              <a:rPr lang="en-GB" dirty="0" smtClean="0"/>
-              <a:t>pPGS</a:t>
-            </a:r>
-            <a:endParaRPr lang="en-GB" dirty="0"/>
-          </a:p>
-        </p:txBody>
-      </p:sp>
-      <p:sp>
-        <p:nvSpPr>
-          <p:cNvPr id="5" name="Rectangle 4"/>
-          <p:cNvSpPr/>
-          <p:nvPr/>
-        </p:nvSpPr>
-        <p:spPr>
-          <a:xfrm>
-            <a:off x="6984274" y="2570116"/>
-            <a:ext cx="870857" cy="572589"/>
-          </a:xfrm>
-          <a:prstGeom prst="rect">
-            <a:avLst/>
-          </a:prstGeom>
-          <a:noFill/>
-          <a:ln w="28575">
-            <a:solidFill>
-              <a:schemeClr val="tx1"/>
-            </a:solidFill>
-          </a:ln>
-        </p:spPr>
-        <p:style>
-          <a:lnRef idx="2">
-            <a:schemeClr val="accent1">
-              <a:shade val="50000"/>
-            </a:schemeClr>
-          </a:lnRef>
-          <a:fillRef idx="1">
-            <a:schemeClr val="accent1"/>
-          </a:fillRef>
-          <a:effectRef idx="0">
-            <a:schemeClr val="accent1"/>
-          </a:effectRef>
-          <a:fontRef idx="minor">
-            <a:schemeClr val="lt1"/>
-          </a:fontRef>
-        </p:style>
-        <p:txBody>
-          <a:bodyPr rtlCol="0" anchor="ctr"/>
-          <a:lstStyle/>
-          <a:p>
-            <a:pPr algn="ctr"/>
-            <a:endParaRPr lang="en-GB"/>
-          </a:p>
-        </p:txBody>
-      </p:sp>
-      <p:sp>
-        <p:nvSpPr>
-          <p:cNvPr id="6" name="Rectangle 5"/>
-          <p:cNvSpPr/>
-          <p:nvPr/>
-        </p:nvSpPr>
-        <p:spPr>
-          <a:xfrm>
-            <a:off x="6984273" y="3715294"/>
-            <a:ext cx="870857" cy="572589"/>
-          </a:xfrm>
-          <a:prstGeom prst="rect">
-            <a:avLst/>
-          </a:prstGeom>
-          <a:noFill/>
-          <a:ln w="28575">
-            <a:solidFill>
-              <a:schemeClr val="tx1"/>
-            </a:solidFill>
-          </a:ln>
-        </p:spPr>
-        <p:style>
-          <a:lnRef idx="2">
-            <a:schemeClr val="accent1">
-              <a:shade val="50000"/>
-            </a:schemeClr>
-          </a:lnRef>
-          <a:fillRef idx="1">
-            <a:schemeClr val="accent1"/>
-          </a:fillRef>
-          <a:effectRef idx="0">
-            <a:schemeClr val="accent1"/>
-          </a:effectRef>
-          <a:fontRef idx="minor">
-            <a:schemeClr val="lt1"/>
-          </a:fontRef>
-        </p:style>
-        <p:txBody>
-          <a:bodyPr rtlCol="0" anchor="ctr"/>
-          <a:lstStyle/>
-          <a:p>
-            <a:pPr algn="ctr"/>
-            <a:endParaRPr lang="en-GB"/>
-          </a:p>
-        </p:txBody>
-      </p:sp>
-      <p:sp>
-        <p:nvSpPr>
-          <p:cNvPr id="7" name="Rectangle 6"/>
-          <p:cNvSpPr/>
-          <p:nvPr/>
-        </p:nvSpPr>
-        <p:spPr>
-          <a:xfrm>
-            <a:off x="8725988" y="3142705"/>
-            <a:ext cx="870857" cy="572589"/>
-          </a:xfrm>
-          <a:prstGeom prst="rect">
-            <a:avLst/>
-          </a:prstGeom>
-          <a:noFill/>
-          <a:ln w="28575">
-            <a:solidFill>
-              <a:schemeClr val="tx1"/>
-            </a:solidFill>
-          </a:ln>
-        </p:spPr>
-        <p:style>
-          <a:lnRef idx="2">
-            <a:schemeClr val="accent1">
-              <a:shade val="50000"/>
-            </a:schemeClr>
-          </a:lnRef>
-          <a:fillRef idx="1">
-            <a:schemeClr val="accent1"/>
-          </a:fillRef>
-          <a:effectRef idx="0">
-            <a:schemeClr val="accent1"/>
-          </a:effectRef>
-          <a:fontRef idx="minor">
-            <a:schemeClr val="lt1"/>
-          </a:fontRef>
-        </p:style>
-        <p:txBody>
-          <a:bodyPr rtlCol="0" anchor="ctr"/>
-          <a:lstStyle/>
-          <a:p>
-            <a:pPr algn="ctr"/>
-            <a:endParaRPr lang="en-GB"/>
-          </a:p>
-        </p:txBody>
-      </p:sp>
-      <p:sp>
-        <p:nvSpPr>
-          <p:cNvPr id="8" name="Rectangle 7"/>
-          <p:cNvSpPr/>
-          <p:nvPr/>
-        </p:nvSpPr>
-        <p:spPr>
-          <a:xfrm>
-            <a:off x="10467701" y="3142704"/>
-            <a:ext cx="870857" cy="572589"/>
-          </a:xfrm>
-          <a:prstGeom prst="rect">
-            <a:avLst/>
-          </a:prstGeom>
-          <a:noFill/>
-          <a:ln w="28575">
-            <a:solidFill>
-              <a:schemeClr val="tx1"/>
-            </a:solidFill>
-          </a:ln>
-        </p:spPr>
-        <p:style>
-          <a:lnRef idx="2">
-            <a:schemeClr val="accent1">
-              <a:shade val="50000"/>
-            </a:schemeClr>
-          </a:lnRef>
-          <a:fillRef idx="1">
-            <a:schemeClr val="accent1"/>
-          </a:fillRef>
-          <a:effectRef idx="0">
-            <a:schemeClr val="accent1"/>
-          </a:effectRef>
-          <a:fontRef idx="minor">
-            <a:schemeClr val="lt1"/>
-          </a:fontRef>
-        </p:style>
-        <p:txBody>
-          <a:bodyPr rtlCol="0" anchor="ctr"/>
-          <a:lstStyle/>
-          <a:p>
-            <a:pPr algn="ctr"/>
-            <a:endParaRPr lang="en-GB"/>
-          </a:p>
-        </p:txBody>
-      </p:sp>
-      <p:sp>
-        <p:nvSpPr>
-          <p:cNvPr id="9" name="TextBox 8"/>
-          <p:cNvSpPr txBox="1"/>
-          <p:nvPr/>
-        </p:nvSpPr>
-        <p:spPr>
-          <a:xfrm>
-            <a:off x="7062649" y="3816922"/>
-            <a:ext cx="905692" cy="369332"/>
-          </a:xfrm>
-          <a:prstGeom prst="rect">
-            <a:avLst/>
-          </a:prstGeom>
-          <a:noFill/>
-        </p:spPr>
-        <p:txBody>
-          <a:bodyPr wrap="square" rtlCol="0">
-            <a:spAutoFit/>
-          </a:bodyPr>
-          <a:lstStyle/>
-          <a:p>
-            <a:r>
-              <a:rPr lang="en-GB" dirty="0" smtClean="0"/>
-              <a:t>mPGS</a:t>
-            </a:r>
-            <a:endParaRPr lang="en-GB" dirty="0"/>
-          </a:p>
-        </p:txBody>
-      </p:sp>
-      <p:sp>
-        <p:nvSpPr>
-          <p:cNvPr id="10" name="TextBox 9"/>
-          <p:cNvSpPr txBox="1"/>
-          <p:nvPr/>
-        </p:nvSpPr>
-        <p:spPr>
-          <a:xfrm>
-            <a:off x="8813071" y="3244332"/>
-            <a:ext cx="905692" cy="369332"/>
-          </a:xfrm>
-          <a:prstGeom prst="rect">
-            <a:avLst/>
-          </a:prstGeom>
-          <a:noFill/>
-        </p:spPr>
-        <p:txBody>
-          <a:bodyPr wrap="square" rtlCol="0">
-            <a:spAutoFit/>
-          </a:bodyPr>
-          <a:lstStyle/>
-          <a:p>
-            <a:r>
-              <a:rPr lang="en-GB" dirty="0" smtClean="0"/>
-              <a:t>oPGS</a:t>
-            </a:r>
-            <a:endParaRPr lang="en-GB" dirty="0"/>
-          </a:p>
-        </p:txBody>
-      </p:sp>
-      <p:sp>
-        <p:nvSpPr>
-          <p:cNvPr id="11" name="TextBox 10"/>
-          <p:cNvSpPr txBox="1"/>
-          <p:nvPr/>
-        </p:nvSpPr>
-        <p:spPr>
-          <a:xfrm>
-            <a:off x="10450283" y="3244332"/>
-            <a:ext cx="905692" cy="369332"/>
-          </a:xfrm>
-          <a:prstGeom prst="rect">
-            <a:avLst/>
-          </a:prstGeom>
-          <a:noFill/>
-        </p:spPr>
-        <p:txBody>
-          <a:bodyPr wrap="square" rtlCol="0">
-            <a:spAutoFit/>
-          </a:bodyPr>
-          <a:lstStyle/>
-          <a:p>
-            <a:r>
-              <a:rPr lang="en-GB" dirty="0" smtClean="0"/>
-              <a:t>oPheno</a:t>
-            </a:r>
-            <a:endParaRPr lang="en-GB" dirty="0"/>
-          </a:p>
-        </p:txBody>
-      </p:sp>
-      <p:sp>
-        <p:nvSpPr>
-          <p:cNvPr id="12" name="Rectangle 11"/>
-          <p:cNvSpPr/>
-          <p:nvPr/>
-        </p:nvSpPr>
-        <p:spPr>
-          <a:xfrm>
-            <a:off x="8725987" y="1997527"/>
-            <a:ext cx="870857" cy="572589"/>
-          </a:xfrm>
-          <a:prstGeom prst="rect">
-            <a:avLst/>
-          </a:prstGeom>
-          <a:noFill/>
-          <a:ln w="28575">
-            <a:solidFill>
-              <a:schemeClr val="tx1"/>
-            </a:solidFill>
-          </a:ln>
-        </p:spPr>
-        <p:style>
-          <a:lnRef idx="2">
-            <a:schemeClr val="accent1">
-              <a:shade val="50000"/>
-            </a:schemeClr>
-          </a:lnRef>
-          <a:fillRef idx="1">
-            <a:schemeClr val="accent1"/>
-          </a:fillRef>
-          <a:effectRef idx="0">
-            <a:schemeClr val="accent1"/>
-          </a:effectRef>
-          <a:fontRef idx="minor">
-            <a:schemeClr val="lt1"/>
-          </a:fontRef>
-        </p:style>
-        <p:txBody>
-          <a:bodyPr rtlCol="0" anchor="ctr"/>
-          <a:lstStyle/>
-          <a:p>
-            <a:pPr algn="ctr"/>
-            <a:endParaRPr lang="en-GB"/>
-          </a:p>
-        </p:txBody>
-      </p:sp>
-      <p:sp>
-        <p:nvSpPr>
-          <p:cNvPr id="13" name="Rectangle 12"/>
-          <p:cNvSpPr/>
-          <p:nvPr/>
-        </p:nvSpPr>
-        <p:spPr>
-          <a:xfrm>
-            <a:off x="8725987" y="4287880"/>
-            <a:ext cx="870857" cy="572589"/>
-          </a:xfrm>
-          <a:prstGeom prst="rect">
-            <a:avLst/>
-          </a:prstGeom>
-          <a:noFill/>
-          <a:ln w="28575">
-            <a:solidFill>
-              <a:schemeClr val="tx1"/>
-            </a:solidFill>
-          </a:ln>
-        </p:spPr>
-        <p:style>
-          <a:lnRef idx="2">
-            <a:schemeClr val="accent1">
-              <a:shade val="50000"/>
-            </a:schemeClr>
-          </a:lnRef>
-          <a:fillRef idx="1">
-            <a:schemeClr val="accent1"/>
-          </a:fillRef>
-          <a:effectRef idx="0">
-            <a:schemeClr val="accent1"/>
-          </a:effectRef>
-          <a:fontRef idx="minor">
-            <a:schemeClr val="lt1"/>
-          </a:fontRef>
-        </p:style>
-        <p:txBody>
-          <a:bodyPr rtlCol="0" anchor="ctr"/>
-          <a:lstStyle/>
-          <a:p>
-            <a:pPr algn="ctr"/>
-            <a:endParaRPr lang="en-GB"/>
-          </a:p>
-        </p:txBody>
-      </p:sp>
-      <p:sp>
-        <p:nvSpPr>
-          <p:cNvPr id="14" name="TextBox 13"/>
-          <p:cNvSpPr txBox="1"/>
-          <p:nvPr/>
-        </p:nvSpPr>
-        <p:spPr>
-          <a:xfrm>
-            <a:off x="8691154" y="4389508"/>
-            <a:ext cx="992776" cy="369332"/>
-          </a:xfrm>
-          <a:prstGeom prst="rect">
-            <a:avLst/>
-          </a:prstGeom>
-          <a:noFill/>
-        </p:spPr>
-        <p:txBody>
-          <a:bodyPr wrap="square" rtlCol="0">
-            <a:spAutoFit/>
-          </a:bodyPr>
-          <a:lstStyle/>
-          <a:p>
-            <a:r>
-              <a:rPr lang="en-GB" dirty="0" smtClean="0"/>
-              <a:t>mPheno</a:t>
-            </a:r>
-            <a:endParaRPr lang="en-GB" dirty="0"/>
-          </a:p>
-        </p:txBody>
-      </p:sp>
-      <p:sp>
-        <p:nvSpPr>
-          <p:cNvPr id="15" name="TextBox 14"/>
-          <p:cNvSpPr txBox="1"/>
-          <p:nvPr/>
-        </p:nvSpPr>
-        <p:spPr>
-          <a:xfrm>
-            <a:off x="8725987" y="2099155"/>
-            <a:ext cx="905692" cy="369332"/>
-          </a:xfrm>
-          <a:prstGeom prst="rect">
-            <a:avLst/>
-          </a:prstGeom>
-          <a:noFill/>
-        </p:spPr>
-        <p:txBody>
-          <a:bodyPr wrap="square" rtlCol="0">
-            <a:spAutoFit/>
-          </a:bodyPr>
-          <a:lstStyle/>
-          <a:p>
-            <a:r>
-              <a:rPr lang="en-GB" smtClean="0"/>
-              <a:t>pPheno</a:t>
-            </a:r>
-            <a:endParaRPr lang="en-GB" dirty="0"/>
-          </a:p>
-        </p:txBody>
-      </p:sp>
-      <p:sp>
-        <p:nvSpPr>
-          <p:cNvPr id="16" name="Rectangle 15"/>
-          <p:cNvSpPr/>
-          <p:nvPr/>
-        </p:nvSpPr>
-        <p:spPr>
-          <a:xfrm>
-            <a:off x="2238092" y="2468487"/>
-            <a:ext cx="870857" cy="572589"/>
-          </a:xfrm>
-          <a:prstGeom prst="rect">
-            <a:avLst/>
-          </a:prstGeom>
-          <a:noFill/>
-          <a:ln w="28575">
-            <a:solidFill>
-              <a:schemeClr val="tx1"/>
-            </a:solidFill>
-          </a:ln>
-        </p:spPr>
-        <p:style>
-          <a:lnRef idx="2">
-            <a:schemeClr val="accent1">
-              <a:shade val="50000"/>
-            </a:schemeClr>
-          </a:lnRef>
-          <a:fillRef idx="1">
-            <a:schemeClr val="accent1"/>
-          </a:fillRef>
-          <a:effectRef idx="0">
-            <a:schemeClr val="accent1"/>
-          </a:effectRef>
-          <a:fontRef idx="minor">
-            <a:schemeClr val="lt1"/>
-          </a:fontRef>
-        </p:style>
-        <p:txBody>
-          <a:bodyPr rtlCol="0" anchor="ctr"/>
-          <a:lstStyle/>
-          <a:p>
-            <a:pPr algn="ctr"/>
-            <a:endParaRPr lang="en-GB"/>
-          </a:p>
-        </p:txBody>
-      </p:sp>
-      <p:sp>
-        <p:nvSpPr>
-          <p:cNvPr id="17" name="Rectangle 16"/>
-          <p:cNvSpPr/>
-          <p:nvPr/>
-        </p:nvSpPr>
-        <p:spPr>
-          <a:xfrm>
-            <a:off x="2238091" y="4491139"/>
-            <a:ext cx="870857" cy="572589"/>
-          </a:xfrm>
-          <a:prstGeom prst="rect">
-            <a:avLst/>
-          </a:prstGeom>
-          <a:noFill/>
-          <a:ln w="28575">
-            <a:solidFill>
-              <a:schemeClr val="tx1"/>
-            </a:solidFill>
-          </a:ln>
-        </p:spPr>
-        <p:style>
-          <a:lnRef idx="2">
-            <a:schemeClr val="accent1">
-              <a:shade val="50000"/>
-            </a:schemeClr>
-          </a:lnRef>
-          <a:fillRef idx="1">
-            <a:schemeClr val="accent1"/>
-          </a:fillRef>
-          <a:effectRef idx="0">
-            <a:schemeClr val="accent1"/>
-          </a:effectRef>
-          <a:fontRef idx="minor">
-            <a:schemeClr val="lt1"/>
-          </a:fontRef>
-        </p:style>
-        <p:txBody>
-          <a:bodyPr rtlCol="0" anchor="ctr"/>
-          <a:lstStyle/>
-          <a:p>
-            <a:pPr algn="ctr"/>
-            <a:endParaRPr lang="en-GB"/>
-          </a:p>
-        </p:txBody>
-      </p:sp>
-      <p:sp>
-        <p:nvSpPr>
-          <p:cNvPr id="18" name="Rectangle 17"/>
-          <p:cNvSpPr/>
-          <p:nvPr/>
-        </p:nvSpPr>
-        <p:spPr>
-          <a:xfrm>
-            <a:off x="2238090" y="1794270"/>
-            <a:ext cx="870857" cy="572589"/>
-          </a:xfrm>
-          <a:prstGeom prst="rect">
-            <a:avLst/>
-          </a:prstGeom>
-          <a:noFill/>
-          <a:ln w="28575">
-            <a:solidFill>
-              <a:schemeClr val="tx1"/>
-            </a:solidFill>
-          </a:ln>
-        </p:spPr>
-        <p:style>
-          <a:lnRef idx="2">
-            <a:schemeClr val="accent1">
-              <a:shade val="50000"/>
-            </a:schemeClr>
-          </a:lnRef>
-          <a:fillRef idx="1">
-            <a:schemeClr val="accent1"/>
-          </a:fillRef>
-          <a:effectRef idx="0">
-            <a:schemeClr val="accent1"/>
-          </a:effectRef>
-          <a:fontRef idx="minor">
-            <a:schemeClr val="lt1"/>
-          </a:fontRef>
-        </p:style>
-        <p:txBody>
-          <a:bodyPr rtlCol="0" anchor="ctr"/>
-          <a:lstStyle/>
-          <a:p>
-            <a:pPr algn="ctr"/>
-            <a:endParaRPr lang="en-GB"/>
-          </a:p>
-        </p:txBody>
-      </p:sp>
-      <p:sp>
-        <p:nvSpPr>
-          <p:cNvPr id="19" name="Rectangle 18"/>
-          <p:cNvSpPr/>
-          <p:nvPr/>
-        </p:nvSpPr>
-        <p:spPr>
-          <a:xfrm>
-            <a:off x="4611183" y="3142703"/>
-            <a:ext cx="870857" cy="572589"/>
-          </a:xfrm>
-          <a:prstGeom prst="rect">
-            <a:avLst/>
-          </a:prstGeom>
-          <a:noFill/>
-          <a:ln w="28575">
-            <a:solidFill>
-              <a:schemeClr val="tx1"/>
-            </a:solidFill>
-          </a:ln>
-        </p:spPr>
-        <p:style>
-          <a:lnRef idx="2">
-            <a:schemeClr val="accent1">
-              <a:shade val="50000"/>
-            </a:schemeClr>
-          </a:lnRef>
-          <a:fillRef idx="1">
-            <a:schemeClr val="accent1"/>
-          </a:fillRef>
-          <a:effectRef idx="0">
-            <a:schemeClr val="accent1"/>
-          </a:effectRef>
-          <a:fontRef idx="minor">
-            <a:schemeClr val="lt1"/>
-          </a:fontRef>
-        </p:style>
-        <p:txBody>
-          <a:bodyPr rtlCol="0" anchor="ctr"/>
-          <a:lstStyle/>
-          <a:p>
-            <a:pPr algn="ctr"/>
-            <a:endParaRPr lang="en-GB"/>
-          </a:p>
-        </p:txBody>
-      </p:sp>
-      <p:sp>
-        <p:nvSpPr>
-          <p:cNvPr id="20" name="TextBox 19"/>
-          <p:cNvSpPr txBox="1"/>
-          <p:nvPr/>
-        </p:nvSpPr>
-        <p:spPr>
-          <a:xfrm>
-            <a:off x="4611183" y="3244331"/>
-            <a:ext cx="905692" cy="369332"/>
-          </a:xfrm>
-          <a:prstGeom prst="rect">
-            <a:avLst/>
-          </a:prstGeom>
-          <a:noFill/>
-        </p:spPr>
-        <p:txBody>
-          <a:bodyPr wrap="square" rtlCol="0">
-            <a:spAutoFit/>
-          </a:bodyPr>
-          <a:lstStyle/>
-          <a:p>
-            <a:r>
-              <a:rPr lang="en-GB" dirty="0" smtClean="0"/>
-              <a:t>oPheno</a:t>
-            </a:r>
-            <a:endParaRPr lang="en-GB" dirty="0"/>
-          </a:p>
-        </p:txBody>
-      </p:sp>
-      <p:sp>
-        <p:nvSpPr>
-          <p:cNvPr id="21" name="TextBox 20"/>
-          <p:cNvSpPr txBox="1"/>
-          <p:nvPr/>
-        </p:nvSpPr>
-        <p:spPr>
-          <a:xfrm>
-            <a:off x="2307744" y="3224516"/>
-            <a:ext cx="905692" cy="369332"/>
-          </a:xfrm>
-          <a:prstGeom prst="rect">
-            <a:avLst/>
-          </a:prstGeom>
-          <a:noFill/>
-        </p:spPr>
-        <p:txBody>
-          <a:bodyPr wrap="square" rtlCol="0">
-            <a:spAutoFit/>
-          </a:bodyPr>
-          <a:lstStyle/>
-          <a:p>
-            <a:r>
-              <a:rPr lang="en-GB" dirty="0" smtClean="0"/>
-              <a:t>oPGS</a:t>
-            </a:r>
-            <a:endParaRPr lang="en-GB" dirty="0"/>
-          </a:p>
-        </p:txBody>
-      </p:sp>
-      <p:sp>
-        <p:nvSpPr>
-          <p:cNvPr id="22" name="TextBox 21"/>
-          <p:cNvSpPr txBox="1"/>
-          <p:nvPr/>
-        </p:nvSpPr>
-        <p:spPr>
-          <a:xfrm>
-            <a:off x="2307744" y="3883620"/>
-            <a:ext cx="905692" cy="369332"/>
-          </a:xfrm>
-          <a:prstGeom prst="rect">
-            <a:avLst/>
-          </a:prstGeom>
-          <a:noFill/>
-        </p:spPr>
-        <p:txBody>
-          <a:bodyPr wrap="square" rtlCol="0">
-            <a:spAutoFit/>
-          </a:bodyPr>
-          <a:lstStyle/>
-          <a:p>
-            <a:r>
-              <a:rPr lang="en-GB" dirty="0" smtClean="0"/>
-              <a:t>mPGS</a:t>
-            </a:r>
-            <a:endParaRPr lang="en-GB" dirty="0"/>
-          </a:p>
-        </p:txBody>
-      </p:sp>
-      <p:sp>
-        <p:nvSpPr>
-          <p:cNvPr id="23" name="TextBox 22"/>
-          <p:cNvSpPr txBox="1"/>
-          <p:nvPr/>
-        </p:nvSpPr>
-        <p:spPr>
-          <a:xfrm>
-            <a:off x="2307744" y="2550299"/>
-            <a:ext cx="905692" cy="369332"/>
-          </a:xfrm>
-          <a:prstGeom prst="rect">
-            <a:avLst/>
-          </a:prstGeom>
-          <a:noFill/>
-        </p:spPr>
-        <p:txBody>
-          <a:bodyPr wrap="square" rtlCol="0">
-            <a:spAutoFit/>
-          </a:bodyPr>
-          <a:lstStyle/>
-          <a:p>
-            <a:r>
-              <a:rPr lang="en-GB" dirty="0" smtClean="0"/>
-              <a:t>pPGS</a:t>
-            </a:r>
-            <a:endParaRPr lang="en-GB" dirty="0"/>
-          </a:p>
-        </p:txBody>
-      </p:sp>
-      <p:sp>
-        <p:nvSpPr>
-          <p:cNvPr id="24" name="TextBox 23"/>
-          <p:cNvSpPr txBox="1"/>
-          <p:nvPr/>
-        </p:nvSpPr>
-        <p:spPr>
-          <a:xfrm>
-            <a:off x="2194548" y="4594845"/>
-            <a:ext cx="992776" cy="369332"/>
-          </a:xfrm>
-          <a:prstGeom prst="rect">
-            <a:avLst/>
-          </a:prstGeom>
-          <a:noFill/>
-        </p:spPr>
-        <p:txBody>
-          <a:bodyPr wrap="square" rtlCol="0">
-            <a:spAutoFit/>
-          </a:bodyPr>
-          <a:lstStyle/>
-          <a:p>
-            <a:r>
-              <a:rPr lang="en-GB" dirty="0" smtClean="0"/>
-              <a:t>mPheno</a:t>
-            </a:r>
-            <a:endParaRPr lang="en-GB" dirty="0"/>
-          </a:p>
-        </p:txBody>
-      </p:sp>
-      <p:sp>
-        <p:nvSpPr>
-          <p:cNvPr id="25" name="TextBox 24"/>
-          <p:cNvSpPr txBox="1"/>
-          <p:nvPr/>
-        </p:nvSpPr>
-        <p:spPr>
-          <a:xfrm>
-            <a:off x="2220672" y="1895898"/>
-            <a:ext cx="905692" cy="369332"/>
-          </a:xfrm>
-          <a:prstGeom prst="rect">
-            <a:avLst/>
-          </a:prstGeom>
-          <a:noFill/>
-          <a:ln w="28575">
-            <a:noFill/>
-          </a:ln>
-        </p:spPr>
-        <p:txBody>
-          <a:bodyPr wrap="square" rtlCol="0">
-            <a:spAutoFit/>
-          </a:bodyPr>
-          <a:lstStyle/>
-          <a:p>
-            <a:r>
-              <a:rPr lang="en-GB" dirty="0" smtClean="0"/>
-              <a:t>pPheno</a:t>
-            </a:r>
-            <a:endParaRPr lang="en-GB" dirty="0"/>
-          </a:p>
-        </p:txBody>
-      </p:sp>
-      <p:sp>
-        <p:nvSpPr>
-          <p:cNvPr id="43" name="Freeform 42"/>
-          <p:cNvSpPr/>
-          <p:nvPr/>
-        </p:nvSpPr>
-        <p:spPr>
-          <a:xfrm>
-            <a:off x="3278774" y="2036687"/>
-            <a:ext cx="1236134" cy="863600"/>
-          </a:xfrm>
-          <a:custGeom>
-            <a:avLst/>
-            <a:gdLst>
-              <a:gd name="connsiteX0" fmla="*/ 0 w 1236134"/>
-              <a:gd name="connsiteY0" fmla="*/ 0 h 863600"/>
-              <a:gd name="connsiteX1" fmla="*/ 812800 w 1236134"/>
-              <a:gd name="connsiteY1" fmla="*/ 220134 h 863600"/>
-              <a:gd name="connsiteX2" fmla="*/ 1236134 w 1236134"/>
-              <a:gd name="connsiteY2" fmla="*/ 863600 h 863600"/>
-            </a:gdLst>
-            <a:ahLst/>
-            <a:cxnLst>
-              <a:cxn ang="0">
-                <a:pos x="connsiteX0" y="connsiteY0"/>
-              </a:cxn>
-              <a:cxn ang="0">
-                <a:pos x="connsiteX1" y="connsiteY1"/>
-              </a:cxn>
-              <a:cxn ang="0">
-                <a:pos x="connsiteX2" y="connsiteY2"/>
-              </a:cxn>
-            </a:cxnLst>
-            <a:rect l="l" t="t" r="r" b="b"/>
-            <a:pathLst>
-              <a:path w="1236134" h="863600">
-                <a:moveTo>
-                  <a:pt x="0" y="0"/>
-                </a:moveTo>
-                <a:cubicBezTo>
-                  <a:pt x="303389" y="38100"/>
-                  <a:pt x="606778" y="76201"/>
-                  <a:pt x="812800" y="220134"/>
-                </a:cubicBezTo>
-                <a:cubicBezTo>
-                  <a:pt x="1018822" y="364067"/>
-                  <a:pt x="1169812" y="756356"/>
-                  <a:pt x="1236134" y="863600"/>
-                </a:cubicBezTo>
-              </a:path>
-            </a:pathLst>
-          </a:custGeom>
-          <a:noFill/>
-          <a:ln w="28575">
-            <a:solidFill>
-              <a:schemeClr val="tx1"/>
-            </a:solidFill>
-            <a:tailEnd type="triangle"/>
-          </a:ln>
-        </p:spPr>
-        <p:style>
-          <a:lnRef idx="2">
-            <a:schemeClr val="accent1">
-              <a:shade val="50000"/>
-            </a:schemeClr>
-          </a:lnRef>
-          <a:fillRef idx="1">
-            <a:schemeClr val="accent1"/>
-          </a:fillRef>
-          <a:effectRef idx="0">
-            <a:schemeClr val="accent1"/>
-          </a:effectRef>
-          <a:fontRef idx="minor">
-            <a:schemeClr val="lt1"/>
-          </a:fontRef>
-        </p:style>
-        <p:txBody>
-          <a:bodyPr rtlCol="0" anchor="ctr"/>
-          <a:lstStyle/>
-          <a:p>
-            <a:pPr algn="ctr"/>
-            <a:endParaRPr lang="en-GB"/>
-          </a:p>
-        </p:txBody>
-      </p:sp>
-      <p:sp>
-        <p:nvSpPr>
-          <p:cNvPr id="44" name="Freeform 43"/>
-          <p:cNvSpPr/>
-          <p:nvPr/>
-        </p:nvSpPr>
-        <p:spPr>
-          <a:xfrm>
-            <a:off x="3234267" y="2734733"/>
-            <a:ext cx="1202266" cy="381000"/>
-          </a:xfrm>
-          <a:custGeom>
-            <a:avLst/>
-            <a:gdLst>
-              <a:gd name="connsiteX0" fmla="*/ 0 w 1202266"/>
-              <a:gd name="connsiteY0" fmla="*/ 0 h 381000"/>
-              <a:gd name="connsiteX1" fmla="*/ 1202266 w 1202266"/>
-              <a:gd name="connsiteY1" fmla="*/ 381000 h 381000"/>
-            </a:gdLst>
-            <a:ahLst/>
-            <a:cxnLst>
-              <a:cxn ang="0">
-                <a:pos x="connsiteX0" y="connsiteY0"/>
-              </a:cxn>
-              <a:cxn ang="0">
-                <a:pos x="connsiteX1" y="connsiteY1"/>
-              </a:cxn>
-            </a:cxnLst>
-            <a:rect l="l" t="t" r="r" b="b"/>
-            <a:pathLst>
-              <a:path w="1202266" h="381000">
-                <a:moveTo>
-                  <a:pt x="0" y="0"/>
-                </a:moveTo>
-                <a:lnTo>
-                  <a:pt x="1202266" y="381000"/>
-                </a:lnTo>
-              </a:path>
-            </a:pathLst>
-          </a:custGeom>
-          <a:noFill/>
-          <a:ln w="28575">
-            <a:solidFill>
-              <a:schemeClr val="tx1"/>
-            </a:solidFill>
-            <a:tailEnd type="triangle"/>
-          </a:ln>
-        </p:spPr>
-        <p:style>
-          <a:lnRef idx="2">
-            <a:schemeClr val="accent1">
-              <a:shade val="50000"/>
-            </a:schemeClr>
-          </a:lnRef>
-          <a:fillRef idx="1">
-            <a:schemeClr val="accent1"/>
-          </a:fillRef>
-          <a:effectRef idx="0">
-            <a:schemeClr val="accent1"/>
-          </a:effectRef>
-          <a:fontRef idx="minor">
-            <a:schemeClr val="lt1"/>
-          </a:fontRef>
-        </p:style>
-        <p:txBody>
-          <a:bodyPr rtlCol="0" anchor="ctr"/>
-          <a:lstStyle/>
-          <a:p>
-            <a:pPr algn="ctr"/>
-            <a:endParaRPr lang="en-GB"/>
-          </a:p>
-        </p:txBody>
-      </p:sp>
-      <p:sp>
-        <p:nvSpPr>
-          <p:cNvPr id="47" name="Freeform 46"/>
-          <p:cNvSpPr/>
-          <p:nvPr/>
-        </p:nvSpPr>
-        <p:spPr>
-          <a:xfrm flipH="1">
-            <a:off x="3236807" y="3672837"/>
-            <a:ext cx="1202266" cy="381000"/>
-          </a:xfrm>
-          <a:custGeom>
-            <a:avLst/>
-            <a:gdLst>
-              <a:gd name="connsiteX0" fmla="*/ 0 w 1202266"/>
-              <a:gd name="connsiteY0" fmla="*/ 0 h 381000"/>
-              <a:gd name="connsiteX1" fmla="*/ 1202266 w 1202266"/>
-              <a:gd name="connsiteY1" fmla="*/ 381000 h 381000"/>
-            </a:gdLst>
-            <a:ahLst/>
-            <a:cxnLst>
-              <a:cxn ang="0">
-                <a:pos x="connsiteX0" y="connsiteY0"/>
-              </a:cxn>
-              <a:cxn ang="0">
-                <a:pos x="connsiteX1" y="connsiteY1"/>
-              </a:cxn>
-            </a:cxnLst>
-            <a:rect l="l" t="t" r="r" b="b"/>
-            <a:pathLst>
-              <a:path w="1202266" h="381000">
-                <a:moveTo>
-                  <a:pt x="0" y="0"/>
-                </a:moveTo>
-                <a:lnTo>
-                  <a:pt x="1202266" y="381000"/>
-                </a:lnTo>
-              </a:path>
-            </a:pathLst>
-          </a:custGeom>
-          <a:noFill/>
-          <a:ln w="28575">
-            <a:solidFill>
-              <a:schemeClr val="tx1"/>
-            </a:solidFill>
-            <a:headEnd type="triangle"/>
-          </a:ln>
-        </p:spPr>
-        <p:style>
-          <a:lnRef idx="2">
-            <a:schemeClr val="accent1">
-              <a:shade val="50000"/>
-            </a:schemeClr>
-          </a:lnRef>
-          <a:fillRef idx="1">
-            <a:schemeClr val="accent1"/>
-          </a:fillRef>
-          <a:effectRef idx="0">
-            <a:schemeClr val="accent1"/>
-          </a:effectRef>
-          <a:fontRef idx="minor">
-            <a:schemeClr val="lt1"/>
-          </a:fontRef>
-        </p:style>
-        <p:txBody>
-          <a:bodyPr rtlCol="0" anchor="ctr"/>
-          <a:lstStyle/>
-          <a:p>
-            <a:pPr algn="ctr"/>
-            <a:endParaRPr lang="en-GB"/>
-          </a:p>
-        </p:txBody>
-      </p:sp>
-      <p:sp>
-        <p:nvSpPr>
-          <p:cNvPr id="49" name="Freeform 48"/>
-          <p:cNvSpPr/>
-          <p:nvPr/>
-        </p:nvSpPr>
-        <p:spPr>
-          <a:xfrm flipV="1">
-            <a:off x="3274412" y="3888484"/>
-            <a:ext cx="1236134" cy="863600"/>
-          </a:xfrm>
-          <a:custGeom>
-            <a:avLst/>
-            <a:gdLst>
-              <a:gd name="connsiteX0" fmla="*/ 0 w 1236134"/>
-              <a:gd name="connsiteY0" fmla="*/ 0 h 863600"/>
-              <a:gd name="connsiteX1" fmla="*/ 812800 w 1236134"/>
-              <a:gd name="connsiteY1" fmla="*/ 220134 h 863600"/>
-              <a:gd name="connsiteX2" fmla="*/ 1236134 w 1236134"/>
-              <a:gd name="connsiteY2" fmla="*/ 863600 h 863600"/>
-            </a:gdLst>
-            <a:ahLst/>
-            <a:cxnLst>
-              <a:cxn ang="0">
-                <a:pos x="connsiteX0" y="connsiteY0"/>
-              </a:cxn>
-              <a:cxn ang="0">
-                <a:pos x="connsiteX1" y="connsiteY1"/>
-              </a:cxn>
-              <a:cxn ang="0">
-                <a:pos x="connsiteX2" y="connsiteY2"/>
-              </a:cxn>
-            </a:cxnLst>
-            <a:rect l="l" t="t" r="r" b="b"/>
-            <a:pathLst>
-              <a:path w="1236134" h="863600">
-                <a:moveTo>
-                  <a:pt x="0" y="0"/>
-                </a:moveTo>
-                <a:cubicBezTo>
-                  <a:pt x="303389" y="38100"/>
-                  <a:pt x="606778" y="76201"/>
-                  <a:pt x="812800" y="220134"/>
-                </a:cubicBezTo>
-                <a:cubicBezTo>
-                  <a:pt x="1018822" y="364067"/>
-                  <a:pt x="1169812" y="756356"/>
-                  <a:pt x="1236134" y="863600"/>
-                </a:cubicBezTo>
-              </a:path>
-            </a:pathLst>
-          </a:custGeom>
-          <a:noFill/>
-          <a:ln w="28575">
-            <a:solidFill>
-              <a:schemeClr val="tx1"/>
-            </a:solidFill>
-            <a:tailEnd type="triangle"/>
-          </a:ln>
-        </p:spPr>
-        <p:style>
-          <a:lnRef idx="2">
-            <a:schemeClr val="accent1">
-              <a:shade val="50000"/>
-            </a:schemeClr>
-          </a:lnRef>
-          <a:fillRef idx="1">
-            <a:schemeClr val="accent1"/>
-          </a:fillRef>
-          <a:effectRef idx="0">
-            <a:schemeClr val="accent1"/>
-          </a:effectRef>
-          <a:fontRef idx="minor">
-            <a:schemeClr val="lt1"/>
-          </a:fontRef>
-        </p:style>
-        <p:txBody>
-          <a:bodyPr rtlCol="0" anchor="ctr"/>
-          <a:lstStyle/>
-          <a:p>
-            <a:pPr algn="ctr"/>
-            <a:endParaRPr lang="en-GB"/>
-          </a:p>
-        </p:txBody>
-      </p:sp>
-      <p:sp>
-        <p:nvSpPr>
-          <p:cNvPr id="53" name="Freeform 52"/>
-          <p:cNvSpPr/>
-          <p:nvPr/>
-        </p:nvSpPr>
-        <p:spPr>
-          <a:xfrm>
-            <a:off x="3238321" y="3449771"/>
-            <a:ext cx="1177290" cy="7620"/>
-          </a:xfrm>
-          <a:custGeom>
-            <a:avLst/>
-            <a:gdLst>
-              <a:gd name="connsiteX0" fmla="*/ 0 w 1177290"/>
-              <a:gd name="connsiteY0" fmla="*/ 7620 h 7620"/>
-              <a:gd name="connsiteX1" fmla="*/ 1177290 w 1177290"/>
-              <a:gd name="connsiteY1" fmla="*/ 0 h 7620"/>
-            </a:gdLst>
-            <a:ahLst/>
-            <a:cxnLst>
-              <a:cxn ang="0">
-                <a:pos x="connsiteX0" y="connsiteY0"/>
-              </a:cxn>
-              <a:cxn ang="0">
-                <a:pos x="connsiteX1" y="connsiteY1"/>
-              </a:cxn>
-            </a:cxnLst>
-            <a:rect l="l" t="t" r="r" b="b"/>
-            <a:pathLst>
-              <a:path w="1177290" h="7620">
-                <a:moveTo>
-                  <a:pt x="0" y="7620"/>
-                </a:moveTo>
-                <a:lnTo>
-                  <a:pt x="1177290" y="0"/>
-                </a:lnTo>
-              </a:path>
-            </a:pathLst>
-          </a:custGeom>
-          <a:noFill/>
-          <a:ln w="28575">
-            <a:solidFill>
-              <a:schemeClr val="tx1"/>
-            </a:solidFill>
-            <a:tailEnd type="triangle"/>
-          </a:ln>
-        </p:spPr>
-        <p:style>
-          <a:lnRef idx="2">
-            <a:schemeClr val="accent1">
-              <a:shade val="50000"/>
-            </a:schemeClr>
-          </a:lnRef>
-          <a:fillRef idx="1">
-            <a:schemeClr val="accent1"/>
-          </a:fillRef>
-          <a:effectRef idx="0">
-            <a:schemeClr val="accent1"/>
-          </a:effectRef>
-          <a:fontRef idx="minor">
-            <a:schemeClr val="lt1"/>
-          </a:fontRef>
-        </p:style>
-        <p:txBody>
-          <a:bodyPr rtlCol="0" anchor="ctr"/>
-          <a:lstStyle/>
-          <a:p>
-            <a:pPr algn="ctr"/>
-            <a:endParaRPr lang="en-GB"/>
-          </a:p>
-        </p:txBody>
-      </p:sp>
-      <p:sp>
-        <p:nvSpPr>
-          <p:cNvPr id="31" name="Freeform 30"/>
-          <p:cNvSpPr/>
-          <p:nvPr/>
-        </p:nvSpPr>
-        <p:spPr>
-          <a:xfrm>
-            <a:off x="8068488" y="2894504"/>
-            <a:ext cx="539931" cy="235132"/>
-          </a:xfrm>
-          <a:custGeom>
-            <a:avLst/>
-            <a:gdLst>
-              <a:gd name="connsiteX0" fmla="*/ 0 w 539931"/>
-              <a:gd name="connsiteY0" fmla="*/ 0 h 235132"/>
-              <a:gd name="connsiteX1" fmla="*/ 539931 w 539931"/>
-              <a:gd name="connsiteY1" fmla="*/ 235132 h 235132"/>
-            </a:gdLst>
-            <a:ahLst/>
-            <a:cxnLst>
-              <a:cxn ang="0">
-                <a:pos x="connsiteX0" y="connsiteY0"/>
-              </a:cxn>
-              <a:cxn ang="0">
-                <a:pos x="connsiteX1" y="connsiteY1"/>
-              </a:cxn>
-            </a:cxnLst>
-            <a:rect l="l" t="t" r="r" b="b"/>
-            <a:pathLst>
-              <a:path w="539931" h="235132">
-                <a:moveTo>
-                  <a:pt x="0" y="0"/>
-                </a:moveTo>
-                <a:cubicBezTo>
-                  <a:pt x="204651" y="98697"/>
-                  <a:pt x="409303" y="197395"/>
-                  <a:pt x="539931" y="235132"/>
-                </a:cubicBezTo>
-              </a:path>
-            </a:pathLst>
-          </a:custGeom>
-          <a:noFill/>
-          <a:ln w="28575">
-            <a:solidFill>
-              <a:schemeClr val="tx1"/>
-            </a:solidFill>
-            <a:tailEnd type="triangle"/>
-          </a:ln>
-        </p:spPr>
-        <p:style>
-          <a:lnRef idx="2">
-            <a:schemeClr val="accent1">
-              <a:shade val="50000"/>
-            </a:schemeClr>
-          </a:lnRef>
-          <a:fillRef idx="1">
-            <a:schemeClr val="accent1"/>
-          </a:fillRef>
-          <a:effectRef idx="0">
-            <a:schemeClr val="accent1"/>
-          </a:effectRef>
-          <a:fontRef idx="minor">
-            <a:schemeClr val="lt1"/>
-          </a:fontRef>
-        </p:style>
-        <p:txBody>
-          <a:bodyPr rtlCol="0" anchor="ctr"/>
-          <a:lstStyle/>
-          <a:p>
-            <a:pPr algn="ctr"/>
-            <a:endParaRPr lang="en-GB"/>
-          </a:p>
-        </p:txBody>
-      </p:sp>
-      <p:sp>
-        <p:nvSpPr>
-          <p:cNvPr id="32" name="Freeform 31"/>
-          <p:cNvSpPr/>
-          <p:nvPr/>
-        </p:nvSpPr>
-        <p:spPr>
-          <a:xfrm flipH="1">
-            <a:off x="8068488" y="3803853"/>
-            <a:ext cx="539931" cy="235132"/>
-          </a:xfrm>
-          <a:custGeom>
-            <a:avLst/>
-            <a:gdLst>
-              <a:gd name="connsiteX0" fmla="*/ 0 w 539931"/>
-              <a:gd name="connsiteY0" fmla="*/ 0 h 235132"/>
-              <a:gd name="connsiteX1" fmla="*/ 539931 w 539931"/>
-              <a:gd name="connsiteY1" fmla="*/ 235132 h 235132"/>
-            </a:gdLst>
-            <a:ahLst/>
-            <a:cxnLst>
-              <a:cxn ang="0">
-                <a:pos x="connsiteX0" y="connsiteY0"/>
-              </a:cxn>
-              <a:cxn ang="0">
-                <a:pos x="connsiteX1" y="connsiteY1"/>
-              </a:cxn>
-            </a:cxnLst>
-            <a:rect l="l" t="t" r="r" b="b"/>
-            <a:pathLst>
-              <a:path w="539931" h="235132">
-                <a:moveTo>
-                  <a:pt x="0" y="0"/>
-                </a:moveTo>
-                <a:cubicBezTo>
-                  <a:pt x="204651" y="98697"/>
-                  <a:pt x="409303" y="197395"/>
-                  <a:pt x="539931" y="235132"/>
-                </a:cubicBezTo>
-              </a:path>
-            </a:pathLst>
-          </a:custGeom>
-          <a:noFill/>
-          <a:ln w="28575">
-            <a:solidFill>
-              <a:schemeClr val="tx1"/>
-            </a:solidFill>
-            <a:headEnd type="triangle"/>
-          </a:ln>
-        </p:spPr>
-        <p:style>
-          <a:lnRef idx="2">
-            <a:schemeClr val="accent1">
-              <a:shade val="50000"/>
-            </a:schemeClr>
-          </a:lnRef>
-          <a:fillRef idx="1">
-            <a:schemeClr val="accent1"/>
-          </a:fillRef>
-          <a:effectRef idx="0">
-            <a:schemeClr val="accent1"/>
-          </a:effectRef>
-          <a:fontRef idx="minor">
-            <a:schemeClr val="lt1"/>
-          </a:fontRef>
-        </p:style>
-        <p:txBody>
-          <a:bodyPr rtlCol="0" anchor="ctr"/>
-          <a:lstStyle/>
-          <a:p>
-            <a:pPr algn="ctr"/>
-            <a:endParaRPr lang="en-GB"/>
-          </a:p>
-        </p:txBody>
-      </p:sp>
-      <p:sp>
-        <p:nvSpPr>
-          <p:cNvPr id="33" name="Freeform 32"/>
-          <p:cNvSpPr/>
-          <p:nvPr/>
-        </p:nvSpPr>
-        <p:spPr>
-          <a:xfrm>
-            <a:off x="9836329" y="3431564"/>
-            <a:ext cx="522515" cy="12569"/>
-          </a:xfrm>
-          <a:custGeom>
-            <a:avLst/>
-            <a:gdLst>
-              <a:gd name="connsiteX0" fmla="*/ 0 w 522515"/>
-              <a:gd name="connsiteY0" fmla="*/ 0 h 12569"/>
-              <a:gd name="connsiteX1" fmla="*/ 522515 w 522515"/>
-              <a:gd name="connsiteY1" fmla="*/ 0 h 12569"/>
-            </a:gdLst>
-            <a:ahLst/>
-            <a:cxnLst>
-              <a:cxn ang="0">
-                <a:pos x="connsiteX0" y="connsiteY0"/>
-              </a:cxn>
-              <a:cxn ang="0">
-                <a:pos x="connsiteX1" y="connsiteY1"/>
-              </a:cxn>
-            </a:cxnLst>
-            <a:rect l="l" t="t" r="r" b="b"/>
-            <a:pathLst>
-              <a:path w="522515" h="12569">
-                <a:moveTo>
-                  <a:pt x="0" y="0"/>
-                </a:moveTo>
-                <a:cubicBezTo>
-                  <a:pt x="203926" y="10885"/>
-                  <a:pt x="407852" y="21771"/>
-                  <a:pt x="522515" y="0"/>
-                </a:cubicBezTo>
-              </a:path>
-            </a:pathLst>
-          </a:custGeom>
-          <a:noFill/>
-          <a:ln w="28575">
-            <a:solidFill>
-              <a:schemeClr val="tx1"/>
-            </a:solidFill>
-            <a:tailEnd type="triangle"/>
-          </a:ln>
-        </p:spPr>
-        <p:style>
-          <a:lnRef idx="2">
-            <a:schemeClr val="accent1">
-              <a:shade val="50000"/>
-            </a:schemeClr>
-          </a:lnRef>
-          <a:fillRef idx="1">
-            <a:schemeClr val="accent1"/>
-          </a:fillRef>
-          <a:effectRef idx="0">
-            <a:schemeClr val="accent1"/>
-          </a:effectRef>
-          <a:fontRef idx="minor">
-            <a:schemeClr val="lt1"/>
-          </a:fontRef>
-        </p:style>
-        <p:txBody>
-          <a:bodyPr rtlCol="0" anchor="ctr"/>
-          <a:lstStyle/>
-          <a:p>
-            <a:pPr algn="ctr"/>
-            <a:endParaRPr lang="en-GB"/>
-          </a:p>
-        </p:txBody>
-      </p:sp>
-      <p:sp>
-        <p:nvSpPr>
-          <p:cNvPr id="34" name="Freeform 33"/>
-          <p:cNvSpPr/>
-          <p:nvPr/>
-        </p:nvSpPr>
-        <p:spPr>
-          <a:xfrm>
-            <a:off x="8203472" y="2710584"/>
-            <a:ext cx="2151018" cy="383177"/>
-          </a:xfrm>
-          <a:custGeom>
-            <a:avLst/>
-            <a:gdLst>
-              <a:gd name="connsiteX0" fmla="*/ 0 w 2151018"/>
-              <a:gd name="connsiteY0" fmla="*/ 0 h 383177"/>
-              <a:gd name="connsiteX1" fmla="*/ 1105989 w 2151018"/>
-              <a:gd name="connsiteY1" fmla="*/ 78377 h 383177"/>
-              <a:gd name="connsiteX2" fmla="*/ 2151018 w 2151018"/>
-              <a:gd name="connsiteY2" fmla="*/ 383177 h 383177"/>
-            </a:gdLst>
-            <a:ahLst/>
-            <a:cxnLst>
-              <a:cxn ang="0">
-                <a:pos x="connsiteX0" y="connsiteY0"/>
-              </a:cxn>
-              <a:cxn ang="0">
-                <a:pos x="connsiteX1" y="connsiteY1"/>
-              </a:cxn>
-              <a:cxn ang="0">
-                <a:pos x="connsiteX2" y="connsiteY2"/>
-              </a:cxn>
-            </a:cxnLst>
-            <a:rect l="l" t="t" r="r" b="b"/>
-            <a:pathLst>
-              <a:path w="2151018" h="383177">
-                <a:moveTo>
-                  <a:pt x="0" y="0"/>
-                </a:moveTo>
-                <a:cubicBezTo>
-                  <a:pt x="373743" y="7257"/>
-                  <a:pt x="747486" y="14514"/>
-                  <a:pt x="1105989" y="78377"/>
-                </a:cubicBezTo>
-                <a:cubicBezTo>
-                  <a:pt x="1464492" y="142240"/>
-                  <a:pt x="1807755" y="262708"/>
-                  <a:pt x="2151018" y="383177"/>
-                </a:cubicBezTo>
-              </a:path>
-            </a:pathLst>
-          </a:custGeom>
-          <a:noFill/>
-          <a:ln w="28575">
-            <a:solidFill>
-              <a:schemeClr val="tx1"/>
-            </a:solidFill>
-            <a:tailEnd type="triangle"/>
-          </a:ln>
-        </p:spPr>
-        <p:style>
-          <a:lnRef idx="2">
-            <a:schemeClr val="accent1">
-              <a:shade val="50000"/>
-            </a:schemeClr>
-          </a:lnRef>
-          <a:fillRef idx="1">
-            <a:schemeClr val="accent1"/>
-          </a:fillRef>
-          <a:effectRef idx="0">
-            <a:schemeClr val="accent1"/>
-          </a:effectRef>
-          <a:fontRef idx="minor">
-            <a:schemeClr val="lt1"/>
-          </a:fontRef>
-        </p:style>
-        <p:txBody>
-          <a:bodyPr rtlCol="0" anchor="ctr"/>
-          <a:lstStyle/>
-          <a:p>
-            <a:pPr algn="ctr"/>
-            <a:endParaRPr lang="en-GB"/>
-          </a:p>
-        </p:txBody>
-      </p:sp>
-      <p:sp>
-        <p:nvSpPr>
-          <p:cNvPr id="35" name="Freeform 34"/>
-          <p:cNvSpPr/>
-          <p:nvPr/>
-        </p:nvSpPr>
-        <p:spPr>
-          <a:xfrm flipV="1">
-            <a:off x="8199117" y="3781936"/>
-            <a:ext cx="2151018" cy="383177"/>
-          </a:xfrm>
-          <a:custGeom>
-            <a:avLst/>
-            <a:gdLst>
-              <a:gd name="connsiteX0" fmla="*/ 0 w 2151018"/>
-              <a:gd name="connsiteY0" fmla="*/ 0 h 383177"/>
-              <a:gd name="connsiteX1" fmla="*/ 1105989 w 2151018"/>
-              <a:gd name="connsiteY1" fmla="*/ 78377 h 383177"/>
-              <a:gd name="connsiteX2" fmla="*/ 2151018 w 2151018"/>
-              <a:gd name="connsiteY2" fmla="*/ 383177 h 383177"/>
-            </a:gdLst>
-            <a:ahLst/>
-            <a:cxnLst>
-              <a:cxn ang="0">
-                <a:pos x="connsiteX0" y="connsiteY0"/>
-              </a:cxn>
-              <a:cxn ang="0">
-                <a:pos x="connsiteX1" y="connsiteY1"/>
-              </a:cxn>
-              <a:cxn ang="0">
-                <a:pos x="connsiteX2" y="connsiteY2"/>
-              </a:cxn>
-            </a:cxnLst>
-            <a:rect l="l" t="t" r="r" b="b"/>
-            <a:pathLst>
-              <a:path w="2151018" h="383177">
-                <a:moveTo>
-                  <a:pt x="0" y="0"/>
-                </a:moveTo>
-                <a:cubicBezTo>
-                  <a:pt x="373743" y="7257"/>
-                  <a:pt x="747486" y="14514"/>
-                  <a:pt x="1105989" y="78377"/>
-                </a:cubicBezTo>
-                <a:cubicBezTo>
-                  <a:pt x="1464492" y="142240"/>
-                  <a:pt x="1807755" y="262708"/>
-                  <a:pt x="2151018" y="383177"/>
-                </a:cubicBezTo>
-              </a:path>
-            </a:pathLst>
-          </a:custGeom>
-          <a:noFill/>
-          <a:ln w="28575">
-            <a:solidFill>
-              <a:schemeClr val="tx1"/>
-            </a:solidFill>
-            <a:tailEnd type="triangle"/>
-          </a:ln>
-        </p:spPr>
-        <p:style>
-          <a:lnRef idx="2">
-            <a:schemeClr val="accent1">
-              <a:shade val="50000"/>
-            </a:schemeClr>
-          </a:lnRef>
-          <a:fillRef idx="1">
-            <a:schemeClr val="accent1"/>
-          </a:fillRef>
-          <a:effectRef idx="0">
-            <a:schemeClr val="accent1"/>
-          </a:effectRef>
-          <a:fontRef idx="minor">
-            <a:schemeClr val="lt1"/>
-          </a:fontRef>
-        </p:style>
-        <p:txBody>
-          <a:bodyPr rtlCol="0" anchor="ctr"/>
-          <a:lstStyle/>
-          <a:p>
-            <a:pPr algn="ctr"/>
-            <a:endParaRPr lang="en-GB"/>
-          </a:p>
-        </p:txBody>
-      </p:sp>
-      <p:sp>
-        <p:nvSpPr>
-          <p:cNvPr id="36" name="Freeform 35"/>
-          <p:cNvSpPr/>
-          <p:nvPr/>
-        </p:nvSpPr>
-        <p:spPr>
-          <a:xfrm>
-            <a:off x="7916090" y="2220460"/>
-            <a:ext cx="609600" cy="167906"/>
-          </a:xfrm>
-          <a:custGeom>
-            <a:avLst/>
-            <a:gdLst>
-              <a:gd name="connsiteX0" fmla="*/ 0 w 609600"/>
-              <a:gd name="connsiteY0" fmla="*/ 167906 h 167906"/>
-              <a:gd name="connsiteX1" fmla="*/ 339634 w 609600"/>
-              <a:gd name="connsiteY1" fmla="*/ 19861 h 167906"/>
-              <a:gd name="connsiteX2" fmla="*/ 609600 w 609600"/>
-              <a:gd name="connsiteY2" fmla="*/ 2444 h 167906"/>
-            </a:gdLst>
-            <a:ahLst/>
-            <a:cxnLst>
-              <a:cxn ang="0">
-                <a:pos x="connsiteX0" y="connsiteY0"/>
-              </a:cxn>
-              <a:cxn ang="0">
-                <a:pos x="connsiteX1" y="connsiteY1"/>
-              </a:cxn>
-              <a:cxn ang="0">
-                <a:pos x="connsiteX2" y="connsiteY2"/>
-              </a:cxn>
-            </a:cxnLst>
-            <a:rect l="l" t="t" r="r" b="b"/>
-            <a:pathLst>
-              <a:path w="609600" h="167906">
-                <a:moveTo>
-                  <a:pt x="0" y="167906"/>
-                </a:moveTo>
-                <a:cubicBezTo>
-                  <a:pt x="119017" y="107672"/>
-                  <a:pt x="238034" y="47438"/>
-                  <a:pt x="339634" y="19861"/>
-                </a:cubicBezTo>
-                <a:cubicBezTo>
-                  <a:pt x="441234" y="-7716"/>
-                  <a:pt x="547189" y="993"/>
-                  <a:pt x="609600" y="2444"/>
-                </a:cubicBezTo>
-              </a:path>
-            </a:pathLst>
-          </a:custGeom>
-          <a:noFill/>
-          <a:ln w="28575">
-            <a:solidFill>
-              <a:schemeClr val="tx1"/>
-            </a:solidFill>
-            <a:tailEnd type="triangle"/>
-          </a:ln>
-        </p:spPr>
-        <p:style>
-          <a:lnRef idx="2">
-            <a:schemeClr val="accent1">
-              <a:shade val="50000"/>
-            </a:schemeClr>
-          </a:lnRef>
-          <a:fillRef idx="1">
-            <a:schemeClr val="accent1"/>
-          </a:fillRef>
-          <a:effectRef idx="0">
-            <a:schemeClr val="accent1"/>
-          </a:effectRef>
-          <a:fontRef idx="minor">
-            <a:schemeClr val="lt1"/>
-          </a:fontRef>
-        </p:style>
-        <p:txBody>
-          <a:bodyPr rtlCol="0" anchor="ctr"/>
-          <a:lstStyle/>
-          <a:p>
-            <a:pPr algn="ctr"/>
-            <a:endParaRPr lang="en-GB"/>
-          </a:p>
-        </p:txBody>
-      </p:sp>
-      <p:sp>
-        <p:nvSpPr>
-          <p:cNvPr id="37" name="Freeform 36"/>
-          <p:cNvSpPr/>
-          <p:nvPr/>
-        </p:nvSpPr>
-        <p:spPr>
-          <a:xfrm flipV="1">
-            <a:off x="7916090" y="4454638"/>
-            <a:ext cx="609600" cy="167906"/>
-          </a:xfrm>
-          <a:custGeom>
-            <a:avLst/>
-            <a:gdLst>
-              <a:gd name="connsiteX0" fmla="*/ 0 w 609600"/>
-              <a:gd name="connsiteY0" fmla="*/ 167906 h 167906"/>
-              <a:gd name="connsiteX1" fmla="*/ 339634 w 609600"/>
-              <a:gd name="connsiteY1" fmla="*/ 19861 h 167906"/>
-              <a:gd name="connsiteX2" fmla="*/ 609600 w 609600"/>
-              <a:gd name="connsiteY2" fmla="*/ 2444 h 167906"/>
-            </a:gdLst>
-            <a:ahLst/>
-            <a:cxnLst>
-              <a:cxn ang="0">
-                <a:pos x="connsiteX0" y="connsiteY0"/>
-              </a:cxn>
-              <a:cxn ang="0">
-                <a:pos x="connsiteX1" y="connsiteY1"/>
-              </a:cxn>
-              <a:cxn ang="0">
-                <a:pos x="connsiteX2" y="connsiteY2"/>
-              </a:cxn>
-            </a:cxnLst>
-            <a:rect l="l" t="t" r="r" b="b"/>
-            <a:pathLst>
-              <a:path w="609600" h="167906">
-                <a:moveTo>
-                  <a:pt x="0" y="167906"/>
-                </a:moveTo>
-                <a:cubicBezTo>
-                  <a:pt x="119017" y="107672"/>
-                  <a:pt x="238034" y="47438"/>
-                  <a:pt x="339634" y="19861"/>
-                </a:cubicBezTo>
-                <a:cubicBezTo>
-                  <a:pt x="441234" y="-7716"/>
-                  <a:pt x="547189" y="993"/>
-                  <a:pt x="609600" y="2444"/>
-                </a:cubicBezTo>
-              </a:path>
-            </a:pathLst>
-          </a:custGeom>
-          <a:noFill/>
-          <a:ln w="28575">
-            <a:solidFill>
-              <a:schemeClr val="tx1"/>
-            </a:solidFill>
-            <a:tailEnd type="triangle"/>
-          </a:ln>
-        </p:spPr>
-        <p:style>
-          <a:lnRef idx="2">
-            <a:schemeClr val="accent1">
-              <a:shade val="50000"/>
-            </a:schemeClr>
-          </a:lnRef>
-          <a:fillRef idx="1">
-            <a:schemeClr val="accent1"/>
-          </a:fillRef>
-          <a:effectRef idx="0">
-            <a:schemeClr val="accent1"/>
-          </a:effectRef>
-          <a:fontRef idx="minor">
-            <a:schemeClr val="lt1"/>
-          </a:fontRef>
-        </p:style>
-        <p:txBody>
-          <a:bodyPr rtlCol="0" anchor="ctr"/>
-          <a:lstStyle/>
-          <a:p>
-            <a:pPr algn="ctr"/>
-            <a:endParaRPr lang="en-GB"/>
-          </a:p>
-        </p:txBody>
-      </p:sp>
-      <p:sp>
-        <p:nvSpPr>
-          <p:cNvPr id="38" name="Freeform 37"/>
-          <p:cNvSpPr/>
-          <p:nvPr/>
-        </p:nvSpPr>
-        <p:spPr>
-          <a:xfrm>
-            <a:off x="9884227" y="2327406"/>
-            <a:ext cx="687977" cy="513806"/>
-          </a:xfrm>
-          <a:custGeom>
-            <a:avLst/>
-            <a:gdLst>
-              <a:gd name="connsiteX0" fmla="*/ 0 w 687977"/>
-              <a:gd name="connsiteY0" fmla="*/ 0 h 513806"/>
-              <a:gd name="connsiteX1" fmla="*/ 418011 w 687977"/>
-              <a:gd name="connsiteY1" fmla="*/ 165463 h 513806"/>
-              <a:gd name="connsiteX2" fmla="*/ 687977 w 687977"/>
-              <a:gd name="connsiteY2" fmla="*/ 513806 h 513806"/>
-            </a:gdLst>
-            <a:ahLst/>
-            <a:cxnLst>
-              <a:cxn ang="0">
-                <a:pos x="connsiteX0" y="connsiteY0"/>
-              </a:cxn>
-              <a:cxn ang="0">
-                <a:pos x="connsiteX1" y="connsiteY1"/>
-              </a:cxn>
-              <a:cxn ang="0">
-                <a:pos x="connsiteX2" y="connsiteY2"/>
-              </a:cxn>
-            </a:cxnLst>
-            <a:rect l="l" t="t" r="r" b="b"/>
-            <a:pathLst>
-              <a:path w="687977" h="513806">
-                <a:moveTo>
-                  <a:pt x="0" y="0"/>
-                </a:moveTo>
-                <a:cubicBezTo>
-                  <a:pt x="151674" y="39914"/>
-                  <a:pt x="303348" y="79829"/>
-                  <a:pt x="418011" y="165463"/>
-                </a:cubicBezTo>
-                <a:cubicBezTo>
-                  <a:pt x="532674" y="251097"/>
-                  <a:pt x="610325" y="382451"/>
-                  <a:pt x="687977" y="513806"/>
-                </a:cubicBezTo>
-              </a:path>
-            </a:pathLst>
-          </a:custGeom>
-          <a:noFill/>
-          <a:ln w="28575">
-            <a:solidFill>
-              <a:schemeClr val="tx1"/>
-            </a:solidFill>
-            <a:tailEnd type="triangle"/>
-          </a:ln>
-        </p:spPr>
-        <p:style>
-          <a:lnRef idx="2">
-            <a:schemeClr val="accent1">
-              <a:shade val="50000"/>
-            </a:schemeClr>
-          </a:lnRef>
-          <a:fillRef idx="1">
-            <a:schemeClr val="accent1"/>
-          </a:fillRef>
-          <a:effectRef idx="0">
-            <a:schemeClr val="accent1"/>
-          </a:effectRef>
-          <a:fontRef idx="minor">
-            <a:schemeClr val="lt1"/>
-          </a:fontRef>
-        </p:style>
-        <p:txBody>
-          <a:bodyPr rtlCol="0" anchor="ctr"/>
-          <a:lstStyle/>
-          <a:p>
-            <a:pPr algn="ctr"/>
-            <a:endParaRPr lang="en-GB"/>
-          </a:p>
-        </p:txBody>
-      </p:sp>
-      <p:sp>
-        <p:nvSpPr>
-          <p:cNvPr id="39" name="Freeform 38"/>
-          <p:cNvSpPr/>
-          <p:nvPr/>
-        </p:nvSpPr>
-        <p:spPr>
-          <a:xfrm flipV="1">
-            <a:off x="9888579" y="3954725"/>
-            <a:ext cx="687977" cy="513806"/>
-          </a:xfrm>
-          <a:custGeom>
-            <a:avLst/>
-            <a:gdLst>
-              <a:gd name="connsiteX0" fmla="*/ 0 w 687977"/>
-              <a:gd name="connsiteY0" fmla="*/ 0 h 513806"/>
-              <a:gd name="connsiteX1" fmla="*/ 418011 w 687977"/>
-              <a:gd name="connsiteY1" fmla="*/ 165463 h 513806"/>
-              <a:gd name="connsiteX2" fmla="*/ 687977 w 687977"/>
-              <a:gd name="connsiteY2" fmla="*/ 513806 h 513806"/>
-            </a:gdLst>
-            <a:ahLst/>
-            <a:cxnLst>
-              <a:cxn ang="0">
-                <a:pos x="connsiteX0" y="connsiteY0"/>
-              </a:cxn>
-              <a:cxn ang="0">
-                <a:pos x="connsiteX1" y="connsiteY1"/>
-              </a:cxn>
-              <a:cxn ang="0">
-                <a:pos x="connsiteX2" y="connsiteY2"/>
-              </a:cxn>
-            </a:cxnLst>
-            <a:rect l="l" t="t" r="r" b="b"/>
-            <a:pathLst>
-              <a:path w="687977" h="513806">
-                <a:moveTo>
-                  <a:pt x="0" y="0"/>
-                </a:moveTo>
-                <a:cubicBezTo>
-                  <a:pt x="151674" y="39914"/>
-                  <a:pt x="303348" y="79829"/>
-                  <a:pt x="418011" y="165463"/>
-                </a:cubicBezTo>
-                <a:cubicBezTo>
-                  <a:pt x="532674" y="251097"/>
-                  <a:pt x="610325" y="382451"/>
-                  <a:pt x="687977" y="513806"/>
-                </a:cubicBezTo>
-              </a:path>
-            </a:pathLst>
-          </a:custGeom>
-          <a:noFill/>
-          <a:ln w="28575">
-            <a:solidFill>
-              <a:schemeClr val="tx1"/>
-            </a:solidFill>
-            <a:tailEnd type="triangle"/>
-          </a:ln>
-        </p:spPr>
-        <p:style>
-          <a:lnRef idx="2">
-            <a:schemeClr val="accent1">
-              <a:shade val="50000"/>
-            </a:schemeClr>
-          </a:lnRef>
-          <a:fillRef idx="1">
-            <a:schemeClr val="accent1"/>
-          </a:fillRef>
-          <a:effectRef idx="0">
-            <a:schemeClr val="accent1"/>
-          </a:effectRef>
-          <a:fontRef idx="minor">
-            <a:schemeClr val="lt1"/>
-          </a:fontRef>
-        </p:style>
-        <p:txBody>
-          <a:bodyPr rtlCol="0" anchor="ctr"/>
-          <a:lstStyle/>
-          <a:p>
-            <a:pPr algn="ctr"/>
-            <a:endParaRPr lang="en-GB"/>
-          </a:p>
-        </p:txBody>
-      </p:sp>
     </p:spTree>
     <p:extLst>
       <p:ext uri="{BB962C8B-B14F-4D97-AF65-F5344CB8AC3E}">
@@ -13274,7 +13205,7 @@
 </p:sld>
 </file>
 
-<file path=ppt/slides/slide8.xml><?xml version="1.0" encoding="utf-8"?>
+<file path=ppt/slides/slide7.xml><?xml version="1.0" encoding="utf-8"?>
 <p:sld xmlns:a="http://schemas.openxmlformats.org/drawingml/2006/main" xmlns:r="http://schemas.openxmlformats.org/officeDocument/2006/relationships" xmlns:p="http://schemas.openxmlformats.org/presentationml/2006/main">
   <p:cSld>
     <p:spTree>
